--- a/Стандартизация/Design/all.pptx
+++ b/Стандартизация/Design/all.pptx
@@ -5,46 +5,27 @@
     <p:sldMasterId id="2147483648" r:id="rId1"/>
   </p:sldMasterIdLst>
   <p:sldIdLst>
-    <p:sldId id="256" r:id="rId2"/>
-    <p:sldId id="257" r:id="rId3"/>
-    <p:sldId id="258" r:id="rId4"/>
-    <p:sldId id="259" r:id="rId5"/>
-    <p:sldId id="260" r:id="rId6"/>
-    <p:sldId id="261" r:id="rId7"/>
-    <p:sldId id="262" r:id="rId8"/>
-    <p:sldId id="263" r:id="rId9"/>
-    <p:sldId id="264" r:id="rId10"/>
-    <p:sldId id="265" r:id="rId11"/>
-    <p:sldId id="266" r:id="rId12"/>
+    <p:sldId id="256" r:id="rId6"/>
+    <p:sldId id="257" r:id="rId7"/>
+    <p:sldId id="258" r:id="rId8"/>
+    <p:sldId id="259" r:id="rId9"/>
+    <p:sldId id="260" r:id="rId10"/>
+    <p:sldId id="261" r:id="rId11"/>
+    <p:sldId id="262" r:id="rId12"/>
+    <p:sldId id="263" r:id="rId13"/>
+    <p:sldId id="264" r:id="rId14"/>
+    <p:sldId id="265" r:id="rId15"/>
+    <p:sldId id="266" r:id="rId16"/>
+    <p:sldId id="267" r:id="rId17"/>
+    <p:sldId id="268" r:id="rId18"/>
   </p:sldIdLst>
   <p:sldSz cx="20104100" cy="20104100"/>
   <p:notesSz cx="20104100" cy="20104100"/>
-  <p:defaultTextStyle>
-    <a:defPPr>
-      <a:defRPr kern="0"/>
-    </a:defPPr>
-  </p:defaultTextStyle>
-  <p:extLst>
-    <p:ext uri="{EFAFB233-063F-42B5-8137-9DF3F51BA10A}">
-      <p15:sldGuideLst xmlns:p15="http://schemas.microsoft.com/office/powerpoint/2012/main">
-        <p15:guide id="1" orient="horz" pos="2880">
-          <p15:clr>
-            <a:srgbClr val="A4A3A4"/>
-          </p15:clr>
-        </p15:guide>
-        <p15:guide id="2" pos="2160">
-          <p15:clr>
-            <a:srgbClr val="A4A3A4"/>
-          </p15:clr>
-        </p15:guide>
-      </p15:sldGuideLst>
-    </p:ext>
-  </p:extLst>
 </p:presentation>
 </file>
 
 <file path=ppt/slideLayouts/slideLayout1.xml><?xml version="1.0" encoding="utf-8"?>
-<p:sldLayout xmlns:a="http://schemas.openxmlformats.org/drawingml/2006/main" xmlns:r="http://schemas.openxmlformats.org/officeDocument/2006/relationships" xmlns:p="http://schemas.openxmlformats.org/presentationml/2006/main" type="obj" preserve="1">
+<p:sldLayout xmlns:a="http://schemas.openxmlformats.org/drawingml/2006/main" xmlns:r="http://schemas.openxmlformats.org/officeDocument/2006/relationships" xmlns:p="http://schemas.openxmlformats.org/presentationml/2006/main" preserve="1" type="obj">
   <p:cSld name="Title Slide">
     <p:spTree>
       <p:nvGrpSpPr>
@@ -88,9 +69,7 @@
               <a:defRPr/>
             </a:lvl1pPr>
           </a:lstStyle>
-          <a:p>
-            <a:endParaRPr/>
-          </a:p>
+          <a:p/>
         </p:txBody>
       </p:sp>
       <p:sp>
@@ -121,9 +100,7 @@
               <a:defRPr/>
             </a:lvl1pPr>
           </a:lstStyle>
-          <a:p>
-            <a:endParaRPr/>
-          </a:p>
+          <a:p/>
         </p:txBody>
       </p:sp>
       <p:sp>
@@ -133,7 +110,7 @@
             <a:spLocks noGrp="1"/>
           </p:cNvSpPr>
           <p:nvPr>
-            <p:ph type="ftr" sz="quarter" idx="5"/>
+            <p:ph type="ftr" idx="5" sz="quarter"/>
           </p:nvPr>
         </p:nvSpPr>
         <p:spPr/>
@@ -150,9 +127,7 @@
               </a:defRPr>
             </a:lvl1pPr>
           </a:lstStyle>
-          <a:p>
-            <a:endParaRPr/>
-          </a:p>
+          <a:p/>
         </p:txBody>
       </p:sp>
       <p:sp>
@@ -162,7 +137,7 @@
             <a:spLocks noGrp="1"/>
           </p:cNvSpPr>
           <p:nvPr>
-            <p:ph type="dt" sz="half" idx="6"/>
+            <p:ph type="dt" idx="6" sz="half"/>
           </p:nvPr>
         </p:nvSpPr>
         <p:spPr/>
@@ -182,9 +157,7 @@
           <a:p>
             <a:fld id="{1D8BD707-D9CF-40AE-B4C6-C98DA3205C09}" type="datetimeFigureOut">
               <a:rPr lang="en-US"/>
-              <a:t>11/4/2023</a:t>
             </a:fld>
-            <a:endParaRPr lang="en-US"/>
           </a:p>
         </p:txBody>
       </p:sp>
@@ -195,7 +168,7 @@
             <a:spLocks noGrp="1"/>
           </p:cNvSpPr>
           <p:nvPr>
-            <p:ph type="sldNum" sz="quarter" idx="7"/>
+            <p:ph type="sldNum" idx="7" sz="quarter"/>
           </p:nvPr>
         </p:nvSpPr>
         <p:spPr/>
@@ -214,9 +187,8 @@
           </a:lstStyle>
           <a:p>
             <a:fld id="{B6F15528-21DE-4FAA-801E-634DDDAF4B2B}" type="slidenum">
-              <a:t>‹#›</a:t>
+              <a:t>#</a:t>
             </a:fld>
-            <a:endParaRPr/>
           </a:p>
         </p:txBody>
       </p:sp>
@@ -229,7 +201,7 @@
 </file>
 
 <file path=ppt/slideLayouts/slideLayout2.xml><?xml version="1.0" encoding="utf-8"?>
-<p:sldLayout xmlns:a="http://schemas.openxmlformats.org/drawingml/2006/main" xmlns:r="http://schemas.openxmlformats.org/officeDocument/2006/relationships" xmlns:p="http://schemas.openxmlformats.org/presentationml/2006/main" type="obj" preserve="1">
+<p:sldLayout xmlns:a="http://schemas.openxmlformats.org/drawingml/2006/main" xmlns:r="http://schemas.openxmlformats.org/officeDocument/2006/relationships" xmlns:p="http://schemas.openxmlformats.org/presentationml/2006/main" preserve="1" type="obj">
   <p:cSld name="Title and Content">
     <p:spTree>
       <p:nvGrpSpPr>
@@ -263,9 +235,7 @@
               <a:defRPr/>
             </a:lvl1pPr>
           </a:lstStyle>
-          <a:p>
-            <a:endParaRPr/>
-          </a:p>
+          <a:p/>
         </p:txBody>
       </p:sp>
       <p:sp>
@@ -286,9 +256,7 @@
               <a:defRPr/>
             </a:lvl1pPr>
           </a:lstStyle>
-          <a:p>
-            <a:endParaRPr/>
-          </a:p>
+          <a:p/>
         </p:txBody>
       </p:sp>
       <p:sp>
@@ -298,7 +266,7 @@
             <a:spLocks noGrp="1"/>
           </p:cNvSpPr>
           <p:nvPr>
-            <p:ph type="ftr" sz="quarter" idx="5"/>
+            <p:ph type="ftr" idx="5" sz="quarter"/>
           </p:nvPr>
         </p:nvSpPr>
         <p:spPr/>
@@ -315,9 +283,7 @@
               </a:defRPr>
             </a:lvl1pPr>
           </a:lstStyle>
-          <a:p>
-            <a:endParaRPr/>
-          </a:p>
+          <a:p/>
         </p:txBody>
       </p:sp>
       <p:sp>
@@ -327,7 +293,7 @@
             <a:spLocks noGrp="1"/>
           </p:cNvSpPr>
           <p:nvPr>
-            <p:ph type="dt" sz="half" idx="6"/>
+            <p:ph type="dt" idx="6" sz="half"/>
           </p:nvPr>
         </p:nvSpPr>
         <p:spPr/>
@@ -347,9 +313,7 @@
           <a:p>
             <a:fld id="{1D8BD707-D9CF-40AE-B4C6-C98DA3205C09}" type="datetimeFigureOut">
               <a:rPr lang="en-US"/>
-              <a:t>11/4/2023</a:t>
             </a:fld>
-            <a:endParaRPr lang="en-US"/>
           </a:p>
         </p:txBody>
       </p:sp>
@@ -360,7 +324,7 @@
             <a:spLocks noGrp="1"/>
           </p:cNvSpPr>
           <p:nvPr>
-            <p:ph type="sldNum" sz="quarter" idx="7"/>
+            <p:ph type="sldNum" idx="7" sz="quarter"/>
           </p:nvPr>
         </p:nvSpPr>
         <p:spPr/>
@@ -379,9 +343,8 @@
           </a:lstStyle>
           <a:p>
             <a:fld id="{B6F15528-21DE-4FAA-801E-634DDDAF4B2B}" type="slidenum">
-              <a:t>‹#›</a:t>
+              <a:t>#</a:t>
             </a:fld>
-            <a:endParaRPr/>
           </a:p>
         </p:txBody>
       </p:sp>
@@ -394,7 +357,7 @@
 </file>
 
 <file path=ppt/slideLayouts/slideLayout3.xml><?xml version="1.0" encoding="utf-8"?>
-<p:sldLayout xmlns:a="http://schemas.openxmlformats.org/drawingml/2006/main" xmlns:r="http://schemas.openxmlformats.org/officeDocument/2006/relationships" xmlns:p="http://schemas.openxmlformats.org/presentationml/2006/main" type="obj" preserve="1">
+<p:sldLayout xmlns:a="http://schemas.openxmlformats.org/drawingml/2006/main" xmlns:r="http://schemas.openxmlformats.org/officeDocument/2006/relationships" xmlns:p="http://schemas.openxmlformats.org/presentationml/2006/main" preserve="1" type="obj">
   <p:cSld name="Two Content">
     <p:spTree>
       <p:nvGrpSpPr>
@@ -428,9 +391,7 @@
               <a:defRPr/>
             </a:lvl1pPr>
           </a:lstStyle>
-          <a:p>
-            <a:endParaRPr/>
-          </a:p>
+          <a:p/>
         </p:txBody>
       </p:sp>
       <p:sp>
@@ -440,7 +401,7 @@
             <a:spLocks noGrp="1"/>
           </p:cNvSpPr>
           <p:nvPr>
-            <p:ph sz="half" idx="2"/>
+            <p:ph idx="2" sz="half"/>
           </p:nvPr>
         </p:nvSpPr>
         <p:spPr>
@@ -461,9 +422,7 @@
               <a:defRPr/>
             </a:lvl1pPr>
           </a:lstStyle>
-          <a:p>
-            <a:endParaRPr/>
-          </a:p>
+          <a:p/>
         </p:txBody>
       </p:sp>
       <p:sp>
@@ -473,7 +432,7 @@
             <a:spLocks noGrp="1"/>
           </p:cNvSpPr>
           <p:nvPr>
-            <p:ph sz="half" idx="3"/>
+            <p:ph idx="3" sz="half"/>
           </p:nvPr>
         </p:nvSpPr>
         <p:spPr>
@@ -494,9 +453,7 @@
               <a:defRPr/>
             </a:lvl1pPr>
           </a:lstStyle>
-          <a:p>
-            <a:endParaRPr/>
-          </a:p>
+          <a:p/>
         </p:txBody>
       </p:sp>
       <p:sp>
@@ -506,7 +463,7 @@
             <a:spLocks noGrp="1"/>
           </p:cNvSpPr>
           <p:nvPr>
-            <p:ph type="ftr" sz="quarter" idx="5"/>
+            <p:ph type="ftr" idx="5" sz="quarter"/>
           </p:nvPr>
         </p:nvSpPr>
         <p:spPr/>
@@ -523,9 +480,7 @@
               </a:defRPr>
             </a:lvl1pPr>
           </a:lstStyle>
-          <a:p>
-            <a:endParaRPr/>
-          </a:p>
+          <a:p/>
         </p:txBody>
       </p:sp>
       <p:sp>
@@ -535,7 +490,7 @@
             <a:spLocks noGrp="1"/>
           </p:cNvSpPr>
           <p:nvPr>
-            <p:ph type="dt" sz="half" idx="6"/>
+            <p:ph type="dt" idx="6" sz="half"/>
           </p:nvPr>
         </p:nvSpPr>
         <p:spPr/>
@@ -555,9 +510,7 @@
           <a:p>
             <a:fld id="{1D8BD707-D9CF-40AE-B4C6-C98DA3205C09}" type="datetimeFigureOut">
               <a:rPr lang="en-US"/>
-              <a:t>11/4/2023</a:t>
             </a:fld>
-            <a:endParaRPr lang="en-US"/>
           </a:p>
         </p:txBody>
       </p:sp>
@@ -568,7 +521,7 @@
             <a:spLocks noGrp="1"/>
           </p:cNvSpPr>
           <p:nvPr>
-            <p:ph type="sldNum" sz="quarter" idx="7"/>
+            <p:ph type="sldNum" idx="7" sz="quarter"/>
           </p:nvPr>
         </p:nvSpPr>
         <p:spPr/>
@@ -587,9 +540,8 @@
           </a:lstStyle>
           <a:p>
             <a:fld id="{B6F15528-21DE-4FAA-801E-634DDDAF4B2B}" type="slidenum">
-              <a:t>‹#›</a:t>
+              <a:t>#</a:t>
             </a:fld>
-            <a:endParaRPr/>
           </a:p>
         </p:txBody>
       </p:sp>
@@ -602,7 +554,7 @@
 </file>
 
 <file path=ppt/slideLayouts/slideLayout4.xml><?xml version="1.0" encoding="utf-8"?>
-<p:sldLayout xmlns:a="http://schemas.openxmlformats.org/drawingml/2006/main" xmlns:r="http://schemas.openxmlformats.org/officeDocument/2006/relationships" xmlns:p="http://schemas.openxmlformats.org/presentationml/2006/main" type="obj" preserve="1">
+<p:sldLayout xmlns:a="http://schemas.openxmlformats.org/drawingml/2006/main" xmlns:r="http://schemas.openxmlformats.org/officeDocument/2006/relationships" xmlns:p="http://schemas.openxmlformats.org/presentationml/2006/main" preserve="1" type="obj">
   <p:cSld name="Title Only">
     <p:spTree>
       <p:nvGrpSpPr>
@@ -636,9 +588,7 @@
               <a:defRPr/>
             </a:lvl1pPr>
           </a:lstStyle>
-          <a:p>
-            <a:endParaRPr/>
-          </a:p>
+          <a:p/>
         </p:txBody>
       </p:sp>
       <p:sp>
@@ -648,7 +598,7 @@
             <a:spLocks noGrp="1"/>
           </p:cNvSpPr>
           <p:nvPr>
-            <p:ph type="ftr" sz="quarter" idx="5"/>
+            <p:ph type="ftr" idx="5" sz="quarter"/>
           </p:nvPr>
         </p:nvSpPr>
         <p:spPr/>
@@ -665,9 +615,7 @@
               </a:defRPr>
             </a:lvl1pPr>
           </a:lstStyle>
-          <a:p>
-            <a:endParaRPr/>
-          </a:p>
+          <a:p/>
         </p:txBody>
       </p:sp>
       <p:sp>
@@ -677,7 +625,7 @@
             <a:spLocks noGrp="1"/>
           </p:cNvSpPr>
           <p:nvPr>
-            <p:ph type="dt" sz="half" idx="6"/>
+            <p:ph type="dt" idx="6" sz="half"/>
           </p:nvPr>
         </p:nvSpPr>
         <p:spPr/>
@@ -697,9 +645,7 @@
           <a:p>
             <a:fld id="{1D8BD707-D9CF-40AE-B4C6-C98DA3205C09}" type="datetimeFigureOut">
               <a:rPr lang="en-US"/>
-              <a:t>11/4/2023</a:t>
             </a:fld>
-            <a:endParaRPr lang="en-US"/>
           </a:p>
         </p:txBody>
       </p:sp>
@@ -710,7 +656,7 @@
             <a:spLocks noGrp="1"/>
           </p:cNvSpPr>
           <p:nvPr>
-            <p:ph type="sldNum" sz="quarter" idx="7"/>
+            <p:ph type="sldNum" idx="7" sz="quarter"/>
           </p:nvPr>
         </p:nvSpPr>
         <p:spPr/>
@@ -729,9 +675,8 @@
           </a:lstStyle>
           <a:p>
             <a:fld id="{B6F15528-21DE-4FAA-801E-634DDDAF4B2B}" type="slidenum">
-              <a:t>‹#›</a:t>
+              <a:t>#</a:t>
             </a:fld>
-            <a:endParaRPr/>
           </a:p>
         </p:txBody>
       </p:sp>
@@ -744,7 +689,7 @@
 </file>
 
 <file path=ppt/slideLayouts/slideLayout5.xml><?xml version="1.0" encoding="utf-8"?>
-<p:sldLayout xmlns:a="http://schemas.openxmlformats.org/drawingml/2006/main" xmlns:r="http://schemas.openxmlformats.org/officeDocument/2006/relationships" xmlns:p="http://schemas.openxmlformats.org/presentationml/2006/main" type="obj" preserve="1">
+<p:sldLayout xmlns:a="http://schemas.openxmlformats.org/drawingml/2006/main" xmlns:r="http://schemas.openxmlformats.org/officeDocument/2006/relationships" xmlns:p="http://schemas.openxmlformats.org/presentationml/2006/main" preserve="1" type="obj">
   <p:cSld name="Blank">
     <p:spTree>
       <p:nvGrpSpPr>
@@ -767,7 +712,7 @@
             <a:spLocks noGrp="1"/>
           </p:cNvSpPr>
           <p:nvPr>
-            <p:ph type="ftr" sz="quarter" idx="5"/>
+            <p:ph type="ftr" idx="5" sz="quarter"/>
           </p:nvPr>
         </p:nvSpPr>
         <p:spPr/>
@@ -784,9 +729,7 @@
               </a:defRPr>
             </a:lvl1pPr>
           </a:lstStyle>
-          <a:p>
-            <a:endParaRPr/>
-          </a:p>
+          <a:p/>
         </p:txBody>
       </p:sp>
       <p:sp>
@@ -796,7 +739,7 @@
             <a:spLocks noGrp="1"/>
           </p:cNvSpPr>
           <p:nvPr>
-            <p:ph type="dt" sz="half" idx="6"/>
+            <p:ph type="dt" idx="6" sz="half"/>
           </p:nvPr>
         </p:nvSpPr>
         <p:spPr/>
@@ -816,9 +759,7 @@
           <a:p>
             <a:fld id="{1D8BD707-D9CF-40AE-B4C6-C98DA3205C09}" type="datetimeFigureOut">
               <a:rPr lang="en-US"/>
-              <a:t>11/4/2023</a:t>
             </a:fld>
-            <a:endParaRPr lang="en-US"/>
           </a:p>
         </p:txBody>
       </p:sp>
@@ -829,7 +770,7 @@
             <a:spLocks noGrp="1"/>
           </p:cNvSpPr>
           <p:nvPr>
-            <p:ph type="sldNum" sz="quarter" idx="7"/>
+            <p:ph type="sldNum" idx="7" sz="quarter"/>
           </p:nvPr>
         </p:nvSpPr>
         <p:spPr/>
@@ -848,9 +789,8 @@
           </a:lstStyle>
           <a:p>
             <a:fld id="{B6F15528-21DE-4FAA-801E-634DDDAF4B2B}" type="slidenum">
-              <a:t>‹#›</a:t>
+              <a:t>#</a:t>
             </a:fld>
-            <a:endParaRPr/>
           </a:p>
         </p:txBody>
       </p:sp>
@@ -889,156 +829,6 @@
       </p:grpSpPr>
       <p:sp>
         <p:nvSpPr>
-          <p:cNvPr id="16" name="bg object 16"/>
-          <p:cNvSpPr/>
-          <p:nvPr/>
-        </p:nvSpPr>
-        <p:spPr>
-          <a:xfrm>
-            <a:off x="0" y="0"/>
-            <a:ext cx="19685" cy="20104100"/>
-          </a:xfrm>
-          <a:custGeom>
-            <a:avLst/>
-            <a:gdLst/>
-            <a:ahLst/>
-            <a:cxnLst/>
-            <a:rect l="l" t="t" r="r" b="b"/>
-            <a:pathLst>
-              <a:path w="19685" h="20104100">
-                <a:moveTo>
-                  <a:pt x="0" y="20104099"/>
-                </a:moveTo>
-                <a:lnTo>
-                  <a:pt x="19146" y="20104099"/>
-                </a:lnTo>
-                <a:lnTo>
-                  <a:pt x="19146" y="0"/>
-                </a:lnTo>
-                <a:lnTo>
-                  <a:pt x="0" y="0"/>
-                </a:lnTo>
-                <a:lnTo>
-                  <a:pt x="0" y="20104099"/>
-                </a:lnTo>
-                <a:close/>
-              </a:path>
-            </a:pathLst>
-          </a:custGeom>
-          <a:solidFill>
-            <a:srgbClr val="F9F9F9"/>
-          </a:solidFill>
-        </p:spPr>
-        <p:txBody>
-          <a:bodyPr wrap="square" lIns="0" tIns="0" rIns="0" bIns="0" rtlCol="0"/>
-          <a:lstStyle/>
-          <a:p>
-            <a:endParaRPr/>
-          </a:p>
-        </p:txBody>
-      </p:sp>
-      <p:sp>
-        <p:nvSpPr>
-          <p:cNvPr id="17" name="bg object 17"/>
-          <p:cNvSpPr/>
-          <p:nvPr/>
-        </p:nvSpPr>
-        <p:spPr>
-          <a:xfrm>
-            <a:off x="1321126" y="0"/>
-            <a:ext cx="12465050" cy="20104100"/>
-          </a:xfrm>
-          <a:custGeom>
-            <a:avLst/>
-            <a:gdLst/>
-            <a:ahLst/>
-            <a:cxnLst/>
-            <a:rect l="l" t="t" r="r" b="b"/>
-            <a:pathLst>
-              <a:path w="12465050" h="20104100">
-                <a:moveTo>
-                  <a:pt x="0" y="20104099"/>
-                </a:moveTo>
-                <a:lnTo>
-                  <a:pt x="12464541" y="20104099"/>
-                </a:lnTo>
-                <a:lnTo>
-                  <a:pt x="12464541" y="0"/>
-                </a:lnTo>
-                <a:lnTo>
-                  <a:pt x="0" y="0"/>
-                </a:lnTo>
-                <a:lnTo>
-                  <a:pt x="0" y="20104099"/>
-                </a:lnTo>
-                <a:close/>
-              </a:path>
-            </a:pathLst>
-          </a:custGeom>
-          <a:solidFill>
-            <a:srgbClr val="F9F9F9"/>
-          </a:solidFill>
-        </p:spPr>
-        <p:txBody>
-          <a:bodyPr wrap="square" lIns="0" tIns="0" rIns="0" bIns="0" rtlCol="0"/>
-          <a:lstStyle/>
-          <a:p>
-            <a:endParaRPr/>
-          </a:p>
-        </p:txBody>
-      </p:sp>
-      <p:sp>
-        <p:nvSpPr>
-          <p:cNvPr id="18" name="bg object 18"/>
-          <p:cNvSpPr/>
-          <p:nvPr/>
-        </p:nvSpPr>
-        <p:spPr>
-          <a:xfrm>
-            <a:off x="19146" y="1"/>
-            <a:ext cx="1302385" cy="20104100"/>
-          </a:xfrm>
-          <a:custGeom>
-            <a:avLst/>
-            <a:gdLst/>
-            <a:ahLst/>
-            <a:cxnLst/>
-            <a:rect l="l" t="t" r="r" b="b"/>
-            <a:pathLst>
-              <a:path w="1302385" h="20104100">
-                <a:moveTo>
-                  <a:pt x="0" y="0"/>
-                </a:moveTo>
-                <a:lnTo>
-                  <a:pt x="1301979" y="0"/>
-                </a:lnTo>
-                <a:lnTo>
-                  <a:pt x="1301979" y="20104098"/>
-                </a:lnTo>
-                <a:lnTo>
-                  <a:pt x="0" y="20104098"/>
-                </a:lnTo>
-                <a:lnTo>
-                  <a:pt x="0" y="0"/>
-                </a:lnTo>
-                <a:close/>
-              </a:path>
-            </a:pathLst>
-          </a:custGeom>
-          <a:solidFill>
-            <a:srgbClr val="111111"/>
-          </a:solidFill>
-        </p:spPr>
-        <p:txBody>
-          <a:bodyPr wrap="square" lIns="0" tIns="0" rIns="0" bIns="0" rtlCol="0"/>
-          <a:lstStyle/>
-          <a:p>
-            <a:endParaRPr/>
-          </a:p>
-        </p:txBody>
-      </p:sp>
-      <p:sp>
-        <p:nvSpPr>
           <p:cNvPr id="2" name="Holder 2"/>
           <p:cNvSpPr>
             <a:spLocks noGrp="1"/>
@@ -1065,9 +855,7 @@
               <a:defRPr/>
             </a:lvl1pPr>
           </a:lstStyle>
-          <a:p>
-            <a:endParaRPr/>
-          </a:p>
+          <a:p/>
         </p:txBody>
       </p:sp>
       <p:sp>
@@ -1098,9 +886,7 @@
               <a:defRPr/>
             </a:lvl1pPr>
           </a:lstStyle>
-          <a:p>
-            <a:endParaRPr/>
-          </a:p>
+          <a:p/>
         </p:txBody>
       </p:sp>
       <p:sp>
@@ -1110,7 +896,7 @@
             <a:spLocks noGrp="1"/>
           </p:cNvSpPr>
           <p:nvPr>
-            <p:ph type="ftr" sz="quarter" idx="5"/>
+            <p:ph type="ftr" idx="5" sz="quarter"/>
           </p:nvPr>
         </p:nvSpPr>
         <p:spPr>
@@ -1137,9 +923,7 @@
               </a:defRPr>
             </a:lvl1pPr>
           </a:lstStyle>
-          <a:p>
-            <a:endParaRPr/>
-          </a:p>
+          <a:p/>
         </p:txBody>
       </p:sp>
       <p:sp>
@@ -1149,7 +933,7 @@
             <a:spLocks noGrp="1"/>
           </p:cNvSpPr>
           <p:nvPr>
-            <p:ph type="dt" sz="half" idx="6"/>
+            <p:ph type="dt" idx="6" sz="half"/>
           </p:nvPr>
         </p:nvSpPr>
         <p:spPr>
@@ -1179,9 +963,7 @@
           <a:p>
             <a:fld id="{1D8BD707-D9CF-40AE-B4C6-C98DA3205C09}" type="datetimeFigureOut">
               <a:rPr lang="en-US"/>
-              <a:t>11/4/2023</a:t>
             </a:fld>
-            <a:endParaRPr lang="en-US"/>
           </a:p>
         </p:txBody>
       </p:sp>
@@ -1192,7 +974,7 @@
             <a:spLocks noGrp="1"/>
           </p:cNvSpPr>
           <p:nvPr>
-            <p:ph type="sldNum" sz="quarter" idx="7"/>
+            <p:ph type="sldNum" idx="7" sz="quarter"/>
           </p:nvPr>
         </p:nvSpPr>
         <p:spPr>
@@ -1221,15 +1003,14 @@
           </a:lstStyle>
           <a:p>
             <a:fld id="{B6F15528-21DE-4FAA-801E-634DDDAF4B2B}" type="slidenum">
-              <a:t>‹#›</a:t>
+              <a:t>#</a:t>
             </a:fld>
-            <a:endParaRPr/>
           </a:p>
         </p:txBody>
       </p:sp>
     </p:spTree>
   </p:cSld>
-  <p:clrMap bg1="lt1" tx1="dk1" bg2="lt2" tx2="dk2" accent1="accent1" accent2="accent2" accent3="accent3" accent4="accent4" accent5="accent5" accent6="accent6" hlink="hlink" folHlink="folHlink"/>
+  <p:clrMap folHlink="folHlink" hlink="hlink" accent1="accent1" accent2="accent2" accent3="accent3" accent4="accent4" accent5="accent5" accent6="accent6" tx2="dk2" bg2="lt2" tx1="dk1" bg1="lt1"/>
   <p:sldLayoutIdLst>
     <p:sldLayoutId id="2147483661" r:id="rId1"/>
     <p:sldLayoutId id="2147483662" r:id="rId2"/>
@@ -1382,7 +1163,7 @@
 </file>
 
 <file path=ppt/slides/slide1.xml><?xml version="1.0" encoding="utf-8"?>
-<p:sld xmlns:a="http://schemas.openxmlformats.org/drawingml/2006/main" xmlns:r="http://schemas.openxmlformats.org/officeDocument/2006/relationships" xmlns:p="http://schemas.openxmlformats.org/presentationml/2006/main">
+<p:sld xmlns:a="http://schemas.openxmlformats.org/drawingml/2006/main" xmlns:r="http://schemas.openxmlformats.org/officeDocument/2006/relationships" xmlns:p="http://schemas.openxmlformats.org/presentationml/2006/main" showMasterSp="0">
   <p:cSld>
     <p:spTree>
       <p:nvGrpSpPr>
@@ -1398,23 +1179,119 @@
           <a:chExt cx="0" cy="0"/>
         </a:xfrm>
       </p:grpSpPr>
+      <p:sp>
+        <p:nvSpPr>
+          <p:cNvPr id="2" name="object 2"/>
+          <p:cNvSpPr/>
+          <p:nvPr/>
+        </p:nvSpPr>
+        <p:spPr>
+          <a:xfrm>
+            <a:off x="0" y="0"/>
+            <a:ext cx="13785850" cy="20104100"/>
+          </a:xfrm>
+          <a:custGeom>
+            <a:avLst/>
+            <a:gdLst/>
+            <a:ahLst/>
+            <a:cxnLst/>
+            <a:rect l="l" t="t" r="r" b="b"/>
+            <a:pathLst>
+              <a:path w="13785850" h="20104100">
+                <a:moveTo>
+                  <a:pt x="13785668" y="0"/>
+                </a:moveTo>
+                <a:lnTo>
+                  <a:pt x="0" y="0"/>
+                </a:lnTo>
+                <a:lnTo>
+                  <a:pt x="0" y="20104099"/>
+                </a:lnTo>
+                <a:lnTo>
+                  <a:pt x="13785668" y="20104099"/>
+                </a:lnTo>
+                <a:lnTo>
+                  <a:pt x="13785668" y="0"/>
+                </a:lnTo>
+                <a:close/>
+              </a:path>
+            </a:pathLst>
+          </a:custGeom>
+          <a:solidFill>
+            <a:srgbClr val="F9F9F9"/>
+          </a:solidFill>
+        </p:spPr>
+        <p:txBody>
+          <a:bodyPr wrap="square" lIns="0" tIns="0" rIns="0" bIns="0" rtlCol="0"/>
+          <a:lstStyle/>
+          <a:p/>
+        </p:txBody>
+      </p:sp>
       <p:grpSp>
         <p:nvGrpSpPr>
-          <p:cNvPr id="2" name="object 2"/>
+          <p:cNvPr id="3" name="object 3"/>
           <p:cNvGrpSpPr/>
           <p:nvPr/>
         </p:nvGrpSpPr>
         <p:grpSpPr>
           <a:xfrm>
-            <a:off x="0" y="-550"/>
+            <a:off x="0" y="0"/>
             <a:ext cx="13785850" cy="20104735"/>
-            <a:chOff x="0" y="-550"/>
+            <a:chOff x="0" y="0"/>
             <a:chExt cx="13785850" cy="20104735"/>
           </a:xfrm>
         </p:grpSpPr>
+        <p:sp>
+          <p:nvSpPr>
+            <p:cNvPr id="4" name="object 4"/>
+            <p:cNvSpPr/>
+            <p:nvPr/>
+          </p:nvSpPr>
+          <p:spPr>
+            <a:xfrm>
+              <a:off x="19146" y="19147"/>
+              <a:ext cx="1302385" cy="20085050"/>
+            </a:xfrm>
+            <a:custGeom>
+              <a:avLst/>
+              <a:gdLst/>
+              <a:ahLst/>
+              <a:cxnLst/>
+              <a:rect l="l" t="t" r="r" b="b"/>
+              <a:pathLst>
+                <a:path w="1302385" h="20085050">
+                  <a:moveTo>
+                    <a:pt x="0" y="0"/>
+                  </a:moveTo>
+                  <a:lnTo>
+                    <a:pt x="1301979" y="0"/>
+                  </a:lnTo>
+                  <a:lnTo>
+                    <a:pt x="1301979" y="20084952"/>
+                  </a:lnTo>
+                  <a:lnTo>
+                    <a:pt x="0" y="20084952"/>
+                  </a:lnTo>
+                  <a:lnTo>
+                    <a:pt x="0" y="0"/>
+                  </a:lnTo>
+                  <a:close/>
+                </a:path>
+              </a:pathLst>
+            </a:custGeom>
+            <a:solidFill>
+              <a:srgbClr val="111111"/>
+            </a:solidFill>
+          </p:spPr>
+          <p:txBody>
+            <a:bodyPr wrap="square" lIns="0" tIns="0" rIns="0" bIns="0" rtlCol="0"/>
+            <a:lstStyle/>
+            <a:p/>
+          </p:txBody>
+        </p:sp>
         <p:pic>
           <p:nvPicPr>
-            <p:cNvPr id="3" name="object 3"/>
+            <p:cNvPr id="5" name="object 5"/>
             <p:cNvPicPr/>
             <p:nvPr/>
           </p:nvPicPr>
@@ -1436,7 +1313,7 @@
         </p:pic>
         <p:pic>
           <p:nvPicPr>
-            <p:cNvPr id="4" name="object 4"/>
+            <p:cNvPr id="6" name="object 6"/>
             <p:cNvPicPr/>
             <p:nvPr/>
           </p:nvPicPr>
@@ -1458,7 +1335,7 @@
         </p:pic>
         <p:sp>
           <p:nvSpPr>
-            <p:cNvPr id="5" name="object 5"/>
+            <p:cNvPr id="7" name="object 7"/>
             <p:cNvSpPr/>
             <p:nvPr/>
           </p:nvSpPr>
@@ -1501,20 +1378,18 @@
           <p:txBody>
             <a:bodyPr wrap="square" lIns="0" tIns="0" rIns="0" bIns="0" rtlCol="0"/>
             <a:lstStyle/>
-            <a:p>
-              <a:endParaRPr/>
-            </a:p>
+            <a:p/>
           </p:txBody>
         </p:sp>
         <p:sp>
           <p:nvSpPr>
-            <p:cNvPr id="6" name="object 6"/>
+            <p:cNvPr id="8" name="object 8"/>
             <p:cNvSpPr/>
             <p:nvPr/>
           </p:nvSpPr>
           <p:spPr>
             <a:xfrm>
-              <a:off x="1301978" y="-547"/>
+              <a:off x="1301978" y="0"/>
               <a:ext cx="12484100" cy="3284220"/>
             </a:xfrm>
             <a:custGeom>
@@ -1596,14 +1471,12 @@
           <p:txBody>
             <a:bodyPr wrap="square" lIns="0" tIns="0" rIns="0" bIns="0" rtlCol="0"/>
             <a:lstStyle/>
-            <a:p>
-              <a:endParaRPr/>
-            </a:p>
+            <a:p/>
           </p:txBody>
         </p:sp>
         <p:pic>
           <p:nvPicPr>
-            <p:cNvPr id="7" name="object 7"/>
+            <p:cNvPr id="9" name="object 9"/>
             <p:cNvPicPr/>
             <p:nvPr/>
           </p:nvPicPr>
@@ -1625,7 +1498,7 @@
         </p:pic>
         <p:pic>
           <p:nvPicPr>
-            <p:cNvPr id="8" name="object 8"/>
+            <p:cNvPr id="10" name="object 10"/>
             <p:cNvPicPr/>
             <p:nvPr/>
           </p:nvPicPr>
@@ -1647,7 +1520,7 @@
         </p:pic>
         <p:pic>
           <p:nvPicPr>
-            <p:cNvPr id="9" name="object 9"/>
+            <p:cNvPr id="11" name="object 11"/>
             <p:cNvPicPr/>
             <p:nvPr/>
           </p:nvPicPr>
@@ -1669,7 +1542,7 @@
         </p:pic>
         <p:sp>
           <p:nvSpPr>
-            <p:cNvPr id="10" name="object 10"/>
+            <p:cNvPr id="12" name="object 12"/>
             <p:cNvSpPr/>
             <p:nvPr/>
           </p:nvSpPr>
@@ -2618,14 +2491,12 @@
           <p:txBody>
             <a:bodyPr wrap="square" lIns="0" tIns="0" rIns="0" bIns="0" rtlCol="0"/>
             <a:lstStyle/>
-            <a:p>
-              <a:endParaRPr/>
-            </a:p>
+            <a:p/>
           </p:txBody>
         </p:sp>
         <p:sp>
           <p:nvSpPr>
-            <p:cNvPr id="11" name="object 11"/>
+            <p:cNvPr id="13" name="object 13"/>
             <p:cNvSpPr/>
             <p:nvPr/>
           </p:nvSpPr>
@@ -2764,14 +2635,12 @@
           <p:txBody>
             <a:bodyPr wrap="square" lIns="0" tIns="0" rIns="0" bIns="0" rtlCol="0"/>
             <a:lstStyle/>
-            <a:p>
-              <a:endParaRPr/>
-            </a:p>
+            <a:p/>
           </p:txBody>
         </p:sp>
         <p:sp>
           <p:nvSpPr>
-            <p:cNvPr id="12" name="object 12"/>
+            <p:cNvPr id="14" name="object 14"/>
             <p:cNvSpPr/>
             <p:nvPr/>
           </p:nvSpPr>
@@ -2886,14 +2755,12 @@
           <p:txBody>
             <a:bodyPr wrap="square" lIns="0" tIns="0" rIns="0" bIns="0" rtlCol="0"/>
             <a:lstStyle/>
-            <a:p>
-              <a:endParaRPr/>
-            </a:p>
+            <a:p/>
           </p:txBody>
         </p:sp>
         <p:sp>
           <p:nvSpPr>
-            <p:cNvPr id="13" name="object 13"/>
+            <p:cNvPr id="15" name="object 15"/>
             <p:cNvSpPr/>
             <p:nvPr/>
           </p:nvSpPr>
@@ -3032,14 +2899,12 @@
           <p:txBody>
             <a:bodyPr wrap="square" lIns="0" tIns="0" rIns="0" bIns="0" rtlCol="0"/>
             <a:lstStyle/>
-            <a:p>
-              <a:endParaRPr/>
-            </a:p>
+            <a:p/>
           </p:txBody>
         </p:sp>
         <p:sp>
           <p:nvSpPr>
-            <p:cNvPr id="14" name="object 14"/>
+            <p:cNvPr id="16" name="object 16"/>
             <p:cNvSpPr/>
             <p:nvPr/>
           </p:nvSpPr>
@@ -3154,14 +3019,12 @@
           <p:txBody>
             <a:bodyPr wrap="square" lIns="0" tIns="0" rIns="0" bIns="0" rtlCol="0"/>
             <a:lstStyle/>
-            <a:p>
-              <a:endParaRPr/>
-            </a:p>
+            <a:p/>
           </p:txBody>
         </p:sp>
         <p:sp>
           <p:nvSpPr>
-            <p:cNvPr id="15" name="object 15"/>
+            <p:cNvPr id="17" name="object 17"/>
             <p:cNvSpPr/>
             <p:nvPr/>
           </p:nvSpPr>
@@ -3204,14 +3067,12 @@
           <p:txBody>
             <a:bodyPr wrap="square" lIns="0" tIns="0" rIns="0" bIns="0" rtlCol="0"/>
             <a:lstStyle/>
-            <a:p>
-              <a:endParaRPr/>
-            </a:p>
+            <a:p/>
           </p:txBody>
         </p:sp>
         <p:sp>
           <p:nvSpPr>
-            <p:cNvPr id="16" name="object 16"/>
+            <p:cNvPr id="18" name="object 18"/>
             <p:cNvSpPr/>
             <p:nvPr/>
           </p:nvSpPr>
@@ -3662,14 +3523,12 @@
           <p:txBody>
             <a:bodyPr wrap="square" lIns="0" tIns="0" rIns="0" bIns="0" rtlCol="0"/>
             <a:lstStyle/>
-            <a:p>
-              <a:endParaRPr/>
-            </a:p>
+            <a:p/>
           </p:txBody>
         </p:sp>
         <p:pic>
           <p:nvPicPr>
-            <p:cNvPr id="17" name="object 17"/>
+            <p:cNvPr id="19" name="object 19"/>
             <p:cNvPicPr/>
             <p:nvPr/>
           </p:nvPicPr>
@@ -3691,7 +3550,7 @@
         </p:pic>
         <p:pic>
           <p:nvPicPr>
-            <p:cNvPr id="18" name="object 18"/>
+            <p:cNvPr id="20" name="object 20"/>
             <p:cNvPicPr/>
             <p:nvPr/>
           </p:nvPicPr>
@@ -3713,7 +3572,7 @@
         </p:pic>
         <p:sp>
           <p:nvSpPr>
-            <p:cNvPr id="19" name="object 19"/>
+            <p:cNvPr id="21" name="object 21"/>
             <p:cNvSpPr/>
             <p:nvPr/>
           </p:nvSpPr>
@@ -3756,14 +3615,12 @@
           <p:txBody>
             <a:bodyPr wrap="square" lIns="0" tIns="0" rIns="0" bIns="0" rtlCol="0"/>
             <a:lstStyle/>
-            <a:p>
-              <a:endParaRPr/>
-            </a:p>
+            <a:p/>
           </p:txBody>
         </p:sp>
         <p:pic>
           <p:nvPicPr>
-            <p:cNvPr id="20" name="object 20"/>
+            <p:cNvPr id="22" name="object 22"/>
             <p:cNvPicPr/>
             <p:nvPr/>
           </p:nvPicPr>
@@ -3785,7 +3642,7 @@
         </p:pic>
         <p:sp>
           <p:nvSpPr>
-            <p:cNvPr id="21" name="object 21"/>
+            <p:cNvPr id="23" name="object 23"/>
             <p:cNvSpPr/>
             <p:nvPr/>
           </p:nvSpPr>
@@ -3828,14 +3685,12 @@
           <p:txBody>
             <a:bodyPr wrap="square" lIns="0" tIns="0" rIns="0" bIns="0" rtlCol="0"/>
             <a:lstStyle/>
-            <a:p>
-              <a:endParaRPr/>
-            </a:p>
+            <a:p/>
           </p:txBody>
         </p:sp>
         <p:sp>
           <p:nvSpPr>
-            <p:cNvPr id="22" name="object 22"/>
+            <p:cNvPr id="24" name="object 24"/>
             <p:cNvSpPr/>
             <p:nvPr/>
           </p:nvSpPr>
@@ -5639,14 +5494,12 @@
           <p:txBody>
             <a:bodyPr wrap="square" lIns="0" tIns="0" rIns="0" bIns="0" rtlCol="0"/>
             <a:lstStyle/>
-            <a:p>
-              <a:endParaRPr/>
-            </a:p>
+            <a:p/>
           </p:txBody>
         </p:sp>
         <p:sp>
           <p:nvSpPr>
-            <p:cNvPr id="23" name="object 23"/>
+            <p:cNvPr id="25" name="object 25"/>
             <p:cNvSpPr/>
             <p:nvPr/>
           </p:nvSpPr>
@@ -5689,14 +5542,12 @@
           <p:txBody>
             <a:bodyPr wrap="square" lIns="0" tIns="0" rIns="0" bIns="0" rtlCol="0"/>
             <a:lstStyle/>
-            <a:p>
-              <a:endParaRPr/>
-            </a:p>
+            <a:p/>
           </p:txBody>
         </p:sp>
         <p:sp>
           <p:nvSpPr>
-            <p:cNvPr id="24" name="object 24"/>
+            <p:cNvPr id="26" name="object 26"/>
             <p:cNvSpPr/>
             <p:nvPr/>
           </p:nvSpPr>
@@ -5885,14 +5736,12 @@
           <p:txBody>
             <a:bodyPr wrap="square" lIns="0" tIns="0" rIns="0" bIns="0" rtlCol="0"/>
             <a:lstStyle/>
-            <a:p>
-              <a:endParaRPr/>
-            </a:p>
+            <a:p/>
           </p:txBody>
         </p:sp>
         <p:sp>
           <p:nvSpPr>
-            <p:cNvPr id="25" name="object 25"/>
+            <p:cNvPr id="27" name="object 27"/>
             <p:cNvSpPr/>
             <p:nvPr/>
           </p:nvSpPr>
@@ -5937,14 +5786,12 @@
           <p:txBody>
             <a:bodyPr wrap="square" lIns="0" tIns="0" rIns="0" bIns="0" rtlCol="0"/>
             <a:lstStyle/>
-            <a:p>
-              <a:endParaRPr/>
-            </a:p>
+            <a:p/>
           </p:txBody>
         </p:sp>
         <p:sp>
           <p:nvSpPr>
-            <p:cNvPr id="26" name="object 26"/>
+            <p:cNvPr id="28" name="object 28"/>
             <p:cNvSpPr/>
             <p:nvPr/>
           </p:nvSpPr>
@@ -6428,20 +6275,18 @@
           <p:txBody>
             <a:bodyPr wrap="square" lIns="0" tIns="0" rIns="0" bIns="0" rtlCol="0"/>
             <a:lstStyle/>
-            <a:p>
-              <a:endParaRPr/>
-            </a:p>
+            <a:p/>
           </p:txBody>
         </p:sp>
         <p:sp>
           <p:nvSpPr>
-            <p:cNvPr id="27" name="object 27"/>
+            <p:cNvPr id="29" name="object 29"/>
             <p:cNvSpPr/>
             <p:nvPr/>
           </p:nvSpPr>
           <p:spPr>
             <a:xfrm>
-              <a:off x="11354030" y="4518636"/>
+              <a:off x="11354029" y="4518635"/>
               <a:ext cx="2432050" cy="478790"/>
             </a:xfrm>
             <a:custGeom>
@@ -6478,14 +6323,12 @@
           <p:txBody>
             <a:bodyPr wrap="square" lIns="0" tIns="0" rIns="0" bIns="0" rtlCol="0"/>
             <a:lstStyle/>
-            <a:p>
-              <a:endParaRPr/>
-            </a:p>
+            <a:p/>
           </p:txBody>
         </p:sp>
         <p:sp>
           <p:nvSpPr>
-            <p:cNvPr id="28" name="object 28"/>
+            <p:cNvPr id="30" name="object 30"/>
             <p:cNvSpPr/>
             <p:nvPr/>
           </p:nvSpPr>
@@ -7056,14 +6899,12 @@
           <p:txBody>
             <a:bodyPr wrap="square" lIns="0" tIns="0" rIns="0" bIns="0" rtlCol="0"/>
             <a:lstStyle/>
-            <a:p>
-              <a:endParaRPr/>
-            </a:p>
+            <a:p/>
           </p:txBody>
         </p:sp>
         <p:pic>
           <p:nvPicPr>
-            <p:cNvPr id="29" name="object 29"/>
+            <p:cNvPr id="31" name="object 31"/>
             <p:cNvPicPr/>
             <p:nvPr/>
           </p:nvPicPr>
@@ -7085,7 +6926,7 @@
         </p:pic>
         <p:pic>
           <p:nvPicPr>
-            <p:cNvPr id="30" name="object 30"/>
+            <p:cNvPr id="32" name="object 32"/>
             <p:cNvPicPr/>
             <p:nvPr/>
           </p:nvPicPr>
@@ -7107,7 +6948,7 @@
         </p:pic>
         <p:pic>
           <p:nvPicPr>
-            <p:cNvPr id="31" name="object 31"/>
+            <p:cNvPr id="33" name="object 33"/>
             <p:cNvPicPr/>
             <p:nvPr/>
           </p:nvPicPr>
@@ -7129,7 +6970,7 @@
         </p:pic>
         <p:pic>
           <p:nvPicPr>
-            <p:cNvPr id="32" name="object 32"/>
+            <p:cNvPr id="34" name="object 34"/>
             <p:cNvPicPr/>
             <p:nvPr/>
           </p:nvPicPr>
@@ -7159,7 +7000,7 @@
 </file>
 
 <file path=ppt/slides/slide10.xml><?xml version="1.0" encoding="utf-8"?>
-<p:sld xmlns:a="http://schemas.openxmlformats.org/drawingml/2006/main" xmlns:r="http://schemas.openxmlformats.org/officeDocument/2006/relationships" xmlns:p="http://schemas.openxmlformats.org/presentationml/2006/main">
+<p:sld xmlns:a="http://schemas.openxmlformats.org/drawingml/2006/main" xmlns:r="http://schemas.openxmlformats.org/officeDocument/2006/relationships" xmlns:p="http://schemas.openxmlformats.org/presentationml/2006/main" showMasterSp="0">
   <p:cSld>
     <p:spTree>
       <p:nvGrpSpPr>
@@ -7175,23 +7016,167 @@
           <a:chExt cx="0" cy="0"/>
         </a:xfrm>
       </p:grpSpPr>
+      <p:sp>
+        <p:nvSpPr>
+          <p:cNvPr id="2" name="object 2"/>
+          <p:cNvSpPr/>
+          <p:nvPr/>
+        </p:nvSpPr>
+        <p:spPr>
+          <a:xfrm>
+            <a:off x="1321126" y="0"/>
+            <a:ext cx="12465050" cy="20104100"/>
+          </a:xfrm>
+          <a:custGeom>
+            <a:avLst/>
+            <a:gdLst/>
+            <a:ahLst/>
+            <a:cxnLst/>
+            <a:rect l="l" t="t" r="r" b="b"/>
+            <a:pathLst>
+              <a:path w="12465050" h="20104100">
+                <a:moveTo>
+                  <a:pt x="0" y="20104099"/>
+                </a:moveTo>
+                <a:lnTo>
+                  <a:pt x="12464541" y="20104099"/>
+                </a:lnTo>
+                <a:lnTo>
+                  <a:pt x="12464541" y="0"/>
+                </a:lnTo>
+                <a:lnTo>
+                  <a:pt x="0" y="0"/>
+                </a:lnTo>
+                <a:lnTo>
+                  <a:pt x="0" y="20104099"/>
+                </a:lnTo>
+                <a:close/>
+              </a:path>
+            </a:pathLst>
+          </a:custGeom>
+          <a:solidFill>
+            <a:srgbClr val="F9F9F9"/>
+          </a:solidFill>
+        </p:spPr>
+        <p:txBody>
+          <a:bodyPr wrap="square" lIns="0" tIns="0" rIns="0" bIns="0" rtlCol="0"/>
+          <a:lstStyle/>
+          <a:p/>
+        </p:txBody>
+      </p:sp>
+      <p:sp>
+        <p:nvSpPr>
+          <p:cNvPr id="3" name="object 3"/>
+          <p:cNvSpPr/>
+          <p:nvPr/>
+        </p:nvSpPr>
+        <p:spPr>
+          <a:xfrm>
+            <a:off x="0" y="0"/>
+            <a:ext cx="19685" cy="20104100"/>
+          </a:xfrm>
+          <a:custGeom>
+            <a:avLst/>
+            <a:gdLst/>
+            <a:ahLst/>
+            <a:cxnLst/>
+            <a:rect l="l" t="t" r="r" b="b"/>
+            <a:pathLst>
+              <a:path w="19685" h="20104100">
+                <a:moveTo>
+                  <a:pt x="0" y="20104099"/>
+                </a:moveTo>
+                <a:lnTo>
+                  <a:pt x="19146" y="20104099"/>
+                </a:lnTo>
+                <a:lnTo>
+                  <a:pt x="19146" y="0"/>
+                </a:lnTo>
+                <a:lnTo>
+                  <a:pt x="0" y="0"/>
+                </a:lnTo>
+                <a:lnTo>
+                  <a:pt x="0" y="20104099"/>
+                </a:lnTo>
+                <a:close/>
+              </a:path>
+            </a:pathLst>
+          </a:custGeom>
+          <a:solidFill>
+            <a:srgbClr val="F9F9F9"/>
+          </a:solidFill>
+        </p:spPr>
+        <p:txBody>
+          <a:bodyPr wrap="square" lIns="0" tIns="0" rIns="0" bIns="0" rtlCol="0"/>
+          <a:lstStyle/>
+          <a:p/>
+        </p:txBody>
+      </p:sp>
       <p:grpSp>
         <p:nvGrpSpPr>
-          <p:cNvPr id="2" name="object 2"/>
+          <p:cNvPr id="4" name="object 4"/>
           <p:cNvGrpSpPr/>
           <p:nvPr/>
         </p:nvGrpSpPr>
         <p:grpSpPr>
           <a:xfrm>
-            <a:off x="19146" y="0"/>
-            <a:ext cx="13766800" cy="20104100"/>
-            <a:chOff x="19146" y="0"/>
-            <a:chExt cx="13766800" cy="20104100"/>
+            <a:off x="19146" y="1"/>
+            <a:ext cx="12068810" cy="20104100"/>
+            <a:chOff x="19146" y="1"/>
+            <a:chExt cx="12068810" cy="20104100"/>
           </a:xfrm>
         </p:grpSpPr>
+        <p:sp>
+          <p:nvSpPr>
+            <p:cNvPr id="5" name="object 5"/>
+            <p:cNvSpPr/>
+            <p:nvPr/>
+          </p:nvSpPr>
+          <p:spPr>
+            <a:xfrm>
+              <a:off x="19146" y="1"/>
+              <a:ext cx="1302385" cy="20104100"/>
+            </a:xfrm>
+            <a:custGeom>
+              <a:avLst/>
+              <a:gdLst/>
+              <a:ahLst/>
+              <a:cxnLst/>
+              <a:rect l="l" t="t" r="r" b="b"/>
+              <a:pathLst>
+                <a:path w="1302385" h="20104100">
+                  <a:moveTo>
+                    <a:pt x="0" y="0"/>
+                  </a:moveTo>
+                  <a:lnTo>
+                    <a:pt x="1301979" y="0"/>
+                  </a:lnTo>
+                  <a:lnTo>
+                    <a:pt x="1301979" y="20104098"/>
+                  </a:lnTo>
+                  <a:lnTo>
+                    <a:pt x="0" y="20104098"/>
+                  </a:lnTo>
+                  <a:lnTo>
+                    <a:pt x="0" y="0"/>
+                  </a:lnTo>
+                  <a:close/>
+                </a:path>
+              </a:pathLst>
+            </a:custGeom>
+            <a:solidFill>
+              <a:srgbClr val="111111"/>
+            </a:solidFill>
+          </p:spPr>
+          <p:txBody>
+            <a:bodyPr wrap="square" lIns="0" tIns="0" rIns="0" bIns="0" rtlCol="0"/>
+            <a:lstStyle/>
+            <a:p/>
+          </p:txBody>
+        </p:sp>
         <p:pic>
           <p:nvPicPr>
-            <p:cNvPr id="3" name="object 3"/>
+            <p:cNvPr id="6" name="object 6"/>
             <p:cNvPicPr/>
             <p:nvPr/>
           </p:nvPicPr>
@@ -7213,7 +7198,7 @@
         </p:pic>
         <p:sp>
           <p:nvSpPr>
-            <p:cNvPr id="4" name="object 4"/>
+            <p:cNvPr id="7" name="object 7"/>
             <p:cNvSpPr/>
             <p:nvPr/>
           </p:nvSpPr>
@@ -7352,14 +7337,12 @@
           <p:txBody>
             <a:bodyPr wrap="square" lIns="0" tIns="0" rIns="0" bIns="0" rtlCol="0"/>
             <a:lstStyle/>
-            <a:p>
-              <a:endParaRPr/>
-            </a:p>
+            <a:p/>
           </p:txBody>
         </p:sp>
         <p:sp>
           <p:nvSpPr>
-            <p:cNvPr id="5" name="object 5"/>
+            <p:cNvPr id="8" name="object 8"/>
             <p:cNvSpPr/>
             <p:nvPr/>
           </p:nvSpPr>
@@ -7474,14 +7457,12 @@
           <p:txBody>
             <a:bodyPr wrap="square" lIns="0" tIns="0" rIns="0" bIns="0" rtlCol="0"/>
             <a:lstStyle/>
-            <a:p>
-              <a:endParaRPr/>
-            </a:p>
+            <a:p/>
           </p:txBody>
         </p:sp>
         <p:pic>
           <p:nvPicPr>
-            <p:cNvPr id="6" name="object 6"/>
+            <p:cNvPr id="9" name="object 9"/>
             <p:cNvPicPr/>
             <p:nvPr/>
           </p:nvPicPr>
@@ -7503,7 +7484,7 @@
         </p:pic>
         <p:pic>
           <p:nvPicPr>
-            <p:cNvPr id="7" name="object 7"/>
+            <p:cNvPr id="10" name="object 10"/>
             <p:cNvPicPr/>
             <p:nvPr/>
           </p:nvPicPr>
@@ -7525,7 +7506,7 @@
         </p:pic>
         <p:pic>
           <p:nvPicPr>
-            <p:cNvPr id="8" name="object 8"/>
+            <p:cNvPr id="11" name="object 11"/>
             <p:cNvPicPr/>
             <p:nvPr/>
           </p:nvPicPr>
@@ -7547,7 +7528,7 @@
         </p:pic>
         <p:sp>
           <p:nvSpPr>
-            <p:cNvPr id="9" name="object 9"/>
+            <p:cNvPr id="12" name="object 12"/>
             <p:cNvSpPr/>
             <p:nvPr/>
           </p:nvSpPr>
@@ -9834,14 +9815,12 @@
           <p:txBody>
             <a:bodyPr wrap="square" lIns="0" tIns="0" rIns="0" bIns="0" rtlCol="0"/>
             <a:lstStyle/>
-            <a:p>
-              <a:endParaRPr/>
-            </a:p>
+            <a:p/>
           </p:txBody>
         </p:sp>
         <p:pic>
           <p:nvPicPr>
-            <p:cNvPr id="10" name="object 10"/>
+            <p:cNvPr id="13" name="object 13"/>
             <p:cNvPicPr/>
             <p:nvPr/>
           </p:nvPicPr>
@@ -9863,7 +9842,7 @@
         </p:pic>
         <p:pic>
           <p:nvPicPr>
-            <p:cNvPr id="11" name="object 11"/>
+            <p:cNvPr id="14" name="object 14"/>
             <p:cNvPicPr/>
             <p:nvPr/>
           </p:nvPicPr>
@@ -9885,7 +9864,7 @@
         </p:pic>
         <p:sp>
           <p:nvSpPr>
-            <p:cNvPr id="12" name="object 12"/>
+            <p:cNvPr id="15" name="object 15"/>
             <p:cNvSpPr/>
             <p:nvPr/>
           </p:nvSpPr>
@@ -10849,14 +10828,12 @@
           <p:txBody>
             <a:bodyPr wrap="square" lIns="0" tIns="0" rIns="0" bIns="0" rtlCol="0"/>
             <a:lstStyle/>
-            <a:p>
-              <a:endParaRPr/>
-            </a:p>
+            <a:p/>
           </p:txBody>
         </p:sp>
         <p:pic>
           <p:nvPicPr>
-            <p:cNvPr id="13" name="object 13"/>
+            <p:cNvPr id="16" name="object 16"/>
             <p:cNvPicPr/>
             <p:nvPr/>
           </p:nvPicPr>
@@ -10878,7 +10855,7 @@
         </p:pic>
         <p:pic>
           <p:nvPicPr>
-            <p:cNvPr id="14" name="object 14"/>
+            <p:cNvPr id="17" name="object 17"/>
             <p:cNvPicPr/>
             <p:nvPr/>
           </p:nvPicPr>
@@ -10890,7 +10867,7 @@
           </p:blipFill>
           <p:spPr>
             <a:xfrm>
-              <a:off x="5590619" y="13132448"/>
+              <a:off x="5590619" y="13132449"/>
               <a:ext cx="1663313" cy="248146"/>
             </a:xfrm>
             <a:prstGeom prst="rect">
@@ -10900,7 +10877,7 @@
         </p:pic>
         <p:sp>
           <p:nvSpPr>
-            <p:cNvPr id="15" name="object 15"/>
+            <p:cNvPr id="18" name="object 18"/>
             <p:cNvSpPr/>
             <p:nvPr/>
           </p:nvSpPr>
@@ -10943,20 +10920,18 @@
           <p:txBody>
             <a:bodyPr wrap="square" lIns="0" tIns="0" rIns="0" bIns="0" rtlCol="0"/>
             <a:lstStyle/>
-            <a:p>
-              <a:endParaRPr/>
-            </a:p>
+            <a:p/>
           </p:txBody>
         </p:sp>
         <p:sp>
           <p:nvSpPr>
-            <p:cNvPr id="16" name="object 16"/>
+            <p:cNvPr id="19" name="object 19"/>
             <p:cNvSpPr/>
             <p:nvPr/>
           </p:nvSpPr>
           <p:spPr>
             <a:xfrm>
-              <a:off x="10487121" y="13096385"/>
+              <a:off x="10487121" y="13096384"/>
               <a:ext cx="1023619" cy="182880"/>
             </a:xfrm>
             <a:custGeom>
@@ -12271,9 +12246,7 @@
           <p:txBody>
             <a:bodyPr wrap="square" lIns="0" tIns="0" rIns="0" bIns="0" rtlCol="0"/>
             <a:lstStyle/>
-            <a:p>
-              <a:endParaRPr/>
-            </a:p>
+            <a:p/>
           </p:txBody>
         </p:sp>
       </p:grpSp>
@@ -12347,9 +12320,7 @@
         <p:txBody>
           <a:bodyPr wrap="square" lIns="0" tIns="0" rIns="0" bIns="0" rtlCol="0"/>
           <a:lstStyle/>
-          <a:p>
-            <a:endParaRPr/>
-          </a:p>
+          <a:p/>
         </p:txBody>
       </p:sp>
       <p:sp>
@@ -13540,9 +13511,7 @@
         <p:txBody>
           <a:bodyPr wrap="square" lIns="0" tIns="0" rIns="0" bIns="0" rtlCol="0"/>
           <a:lstStyle/>
-          <a:p>
-            <a:endParaRPr/>
-          </a:p>
+          <a:p/>
         </p:txBody>
       </p:sp>
       <p:sp>
@@ -13854,9 +13823,7 @@
         <p:txBody>
           <a:bodyPr wrap="square" lIns="0" tIns="0" rIns="0" bIns="0" rtlCol="0"/>
           <a:lstStyle/>
-          <a:p>
-            <a:endParaRPr/>
-          </a:p>
+          <a:p/>
         </p:txBody>
       </p:sp>
       <p:sp>
@@ -14546,9 +14513,7 @@
         <p:txBody>
           <a:bodyPr wrap="square" lIns="0" tIns="0" rIns="0" bIns="0" rtlCol="0"/>
           <a:lstStyle/>
-          <a:p>
-            <a:endParaRPr/>
-          </a:p>
+          <a:p/>
         </p:txBody>
       </p:sp>
       <p:sp>
@@ -15535,9 +15500,7 @@
         <p:txBody>
           <a:bodyPr wrap="square" lIns="0" tIns="0" rIns="0" bIns="0" rtlCol="0"/>
           <a:lstStyle/>
-          <a:p>
-            <a:endParaRPr/>
-          </a:p>
+          <a:p/>
         </p:txBody>
       </p:sp>
       <p:sp>
@@ -16242,9 +16205,7 @@
         <p:txBody>
           <a:bodyPr wrap="square" lIns="0" tIns="0" rIns="0" bIns="0" rtlCol="0"/>
           <a:lstStyle/>
-          <a:p>
-            <a:endParaRPr/>
-          </a:p>
+          <a:p/>
         </p:txBody>
       </p:sp>
       <p:sp>
@@ -16865,9 +16826,7 @@
         <p:txBody>
           <a:bodyPr wrap="square" lIns="0" tIns="0" rIns="0" bIns="0" rtlCol="0"/>
           <a:lstStyle/>
-          <a:p>
-            <a:endParaRPr/>
-          </a:p>
+          <a:p/>
         </p:txBody>
       </p:sp>
       <p:sp>
@@ -17292,7 +17251,7 @@
                   <a:pt x="916580" y="132852"/>
                 </a:lnTo>
                 <a:lnTo>
-                  <a:pt x="925058" y="129327"/>
+                  <a:pt x="925059" y="129327"/>
                 </a:lnTo>
                 <a:lnTo>
                   <a:pt x="961888" y="118266"/>
@@ -17725,9 +17684,7 @@
         <p:txBody>
           <a:bodyPr wrap="square" lIns="0" tIns="0" rIns="0" bIns="0" rtlCol="0"/>
           <a:lstStyle/>
-          <a:p>
-            <a:endParaRPr/>
-          </a:p>
+          <a:p/>
         </p:txBody>
       </p:sp>
       <p:pic>
@@ -18584,9 +18541,7 @@
         <p:txBody>
           <a:bodyPr wrap="square" lIns="0" tIns="0" rIns="0" bIns="0" rtlCol="0"/>
           <a:lstStyle/>
-          <a:p>
-            <a:endParaRPr/>
-          </a:p>
+          <a:p/>
         </p:txBody>
       </p:sp>
       <p:grpSp>
@@ -18648,9 +18603,7 @@
           <p:txBody>
             <a:bodyPr wrap="square" lIns="0" tIns="0" rIns="0" bIns="0" rtlCol="0"/>
             <a:lstStyle/>
-            <a:p>
-              <a:endParaRPr/>
-            </a:p>
+            <a:p/>
           </p:txBody>
         </p:sp>
         <p:sp>
@@ -19874,9 +19827,7 @@
           <p:txBody>
             <a:bodyPr wrap="square" lIns="0" tIns="0" rIns="0" bIns="0" rtlCol="0"/>
             <a:lstStyle/>
-            <a:p>
-              <a:endParaRPr/>
-            </a:p>
+            <a:p/>
           </p:txBody>
         </p:sp>
       </p:grpSp>
@@ -19939,9 +19890,7 @@
           <p:txBody>
             <a:bodyPr wrap="square" lIns="0" tIns="0" rIns="0" bIns="0" rtlCol="0"/>
             <a:lstStyle/>
-            <a:p>
-              <a:endParaRPr/>
-            </a:p>
+            <a:p/>
           </p:txBody>
         </p:sp>
         <p:pic>
@@ -20026,9 +19975,7 @@
           <p:txBody>
             <a:bodyPr wrap="square" lIns="0" tIns="0" rIns="0" bIns="0" rtlCol="0"/>
             <a:lstStyle/>
-            <a:p>
-              <a:endParaRPr/>
-            </a:p>
+            <a:p/>
           </p:txBody>
         </p:sp>
         <p:pic>
@@ -20047,6 +19994,1280 @@
             <a:xfrm>
               <a:off x="15569505" y="14742966"/>
               <a:ext cx="1602992" cy="398069"/>
+            </a:xfrm>
+            <a:prstGeom prst="rect">
+              <a:avLst/>
+            </a:prstGeom>
+          </p:spPr>
+        </p:pic>
+      </p:grpSp>
+    </p:spTree>
+  </p:cSld>
+  <p:clrMapOvr>
+    <a:masterClrMapping/>
+  </p:clrMapOvr>
+</p:sld>
+</file>
+
+<file path=ppt/slides/slide12.xml><?xml version="1.0" encoding="utf-8"?>
+<p:sld xmlns:a="http://schemas.openxmlformats.org/drawingml/2006/main" xmlns:r="http://schemas.openxmlformats.org/officeDocument/2006/relationships" xmlns:p="http://schemas.openxmlformats.org/presentationml/2006/main" showMasterSp="0">
+  <p:cSld>
+    <p:spTree>
+      <p:nvGrpSpPr>
+        <p:cNvPr id="1" name=""/>
+        <p:cNvGrpSpPr/>
+        <p:nvPr/>
+      </p:nvGrpSpPr>
+      <p:grpSpPr>
+        <a:xfrm>
+          <a:off x="0" y="0"/>
+          <a:ext cx="0" cy="0"/>
+          <a:chOff x="0" y="0"/>
+          <a:chExt cx="0" cy="0"/>
+        </a:xfrm>
+      </p:grpSpPr>
+      <p:sp>
+        <p:nvSpPr>
+          <p:cNvPr id="2" name="object 2"/>
+          <p:cNvSpPr/>
+          <p:nvPr/>
+        </p:nvSpPr>
+        <p:spPr>
+          <a:xfrm>
+            <a:off x="0" y="0"/>
+            <a:ext cx="10414000" cy="4038600"/>
+          </a:xfrm>
+          <a:custGeom>
+            <a:avLst/>
+            <a:gdLst/>
+            <a:ahLst/>
+            <a:cxnLst/>
+            <a:rect l="l" t="t" r="r" b="b"/>
+            <a:pathLst>
+              <a:path w="10414000" h="4038600">
+                <a:moveTo>
+                  <a:pt x="10414000" y="0"/>
+                </a:moveTo>
+                <a:lnTo>
+                  <a:pt x="0" y="0"/>
+                </a:lnTo>
+                <a:lnTo>
+                  <a:pt x="0" y="4038600"/>
+                </a:lnTo>
+                <a:lnTo>
+                  <a:pt x="10414000" y="4038600"/>
+                </a:lnTo>
+                <a:lnTo>
+                  <a:pt x="10414000" y="0"/>
+                </a:lnTo>
+                <a:close/>
+              </a:path>
+            </a:pathLst>
+          </a:custGeom>
+          <a:solidFill>
+            <a:srgbClr val="94DA73"/>
+          </a:solidFill>
+        </p:spPr>
+        <p:txBody>
+          <a:bodyPr wrap="square" lIns="0" tIns="0" rIns="0" bIns="0" rtlCol="0"/>
+          <a:lstStyle/>
+          <a:p/>
+        </p:txBody>
+      </p:sp>
+      <p:pic>
+        <p:nvPicPr>
+          <p:cNvPr id="3" name="object 3"/>
+          <p:cNvPicPr/>
+          <p:nvPr/>
+        </p:nvPicPr>
+        <p:blipFill>
+          <a:blip r:embed="rId2" cstate="print"/>
+          <a:stretch>
+            <a:fillRect/>
+          </a:stretch>
+        </p:blipFill>
+        <p:spPr>
+          <a:xfrm>
+            <a:off x="1597890" y="683490"/>
+            <a:ext cx="7525399" cy="765463"/>
+          </a:xfrm>
+          <a:prstGeom prst="rect">
+            <a:avLst/>
+          </a:prstGeom>
+        </p:spPr>
+      </p:pic>
+    </p:spTree>
+  </p:cSld>
+  <p:clrMapOvr>
+    <a:masterClrMapping/>
+  </p:clrMapOvr>
+</p:sld>
+</file>
+
+<file path=ppt/slides/slide13.xml><?xml version="1.0" encoding="utf-8"?>
+<p:sld xmlns:a="http://schemas.openxmlformats.org/drawingml/2006/main" xmlns:r="http://schemas.openxmlformats.org/officeDocument/2006/relationships" xmlns:p="http://schemas.openxmlformats.org/presentationml/2006/main" showMasterSp="0">
+  <p:cSld>
+    <p:spTree>
+      <p:nvGrpSpPr>
+        <p:cNvPr id="1" name=""/>
+        <p:cNvGrpSpPr/>
+        <p:nvPr/>
+      </p:nvGrpSpPr>
+      <p:grpSpPr>
+        <a:xfrm>
+          <a:off x="0" y="0"/>
+          <a:ext cx="0" cy="0"/>
+          <a:chOff x="0" y="0"/>
+          <a:chExt cx="0" cy="0"/>
+        </a:xfrm>
+      </p:grpSpPr>
+      <p:sp>
+        <p:nvSpPr>
+          <p:cNvPr id="2" name="object 2"/>
+          <p:cNvSpPr/>
+          <p:nvPr/>
+        </p:nvSpPr>
+        <p:spPr>
+          <a:xfrm>
+            <a:off x="0" y="0"/>
+            <a:ext cx="10414000" cy="6032500"/>
+          </a:xfrm>
+          <a:custGeom>
+            <a:avLst/>
+            <a:gdLst/>
+            <a:ahLst/>
+            <a:cxnLst/>
+            <a:rect l="l" t="t" r="r" b="b"/>
+            <a:pathLst>
+              <a:path w="10414000" h="6032500">
+                <a:moveTo>
+                  <a:pt x="10414000" y="0"/>
+                </a:moveTo>
+                <a:lnTo>
+                  <a:pt x="0" y="0"/>
+                </a:lnTo>
+                <a:lnTo>
+                  <a:pt x="0" y="6032500"/>
+                </a:lnTo>
+                <a:lnTo>
+                  <a:pt x="10414000" y="6032500"/>
+                </a:lnTo>
+                <a:lnTo>
+                  <a:pt x="10414000" y="0"/>
+                </a:lnTo>
+                <a:close/>
+              </a:path>
+            </a:pathLst>
+          </a:custGeom>
+          <a:solidFill>
+            <a:srgbClr val="DA8C73"/>
+          </a:solidFill>
+        </p:spPr>
+        <p:txBody>
+          <a:bodyPr wrap="square" lIns="0" tIns="0" rIns="0" bIns="0" rtlCol="0"/>
+          <a:lstStyle/>
+          <a:p/>
+        </p:txBody>
+      </p:sp>
+      <p:sp>
+        <p:nvSpPr>
+          <p:cNvPr id="3" name="object 3"/>
+          <p:cNvSpPr/>
+          <p:nvPr/>
+        </p:nvSpPr>
+        <p:spPr>
+          <a:xfrm>
+            <a:off x="3464790" y="876300"/>
+            <a:ext cx="3031490" cy="620395"/>
+          </a:xfrm>
+          <a:custGeom>
+            <a:avLst/>
+            <a:gdLst/>
+            <a:ahLst/>
+            <a:cxnLst/>
+            <a:rect l="l" t="t" r="r" b="b"/>
+            <a:pathLst>
+              <a:path w="3031490" h="620394">
+                <a:moveTo>
+                  <a:pt x="260927" y="10390"/>
+                </a:moveTo>
+                <a:lnTo>
+                  <a:pt x="189489" y="19627"/>
+                </a:lnTo>
+                <a:lnTo>
+                  <a:pt x="126422" y="47336"/>
+                </a:lnTo>
+                <a:lnTo>
+                  <a:pt x="73818" y="92074"/>
+                </a:lnTo>
+                <a:lnTo>
+                  <a:pt x="33770" y="152399"/>
+                </a:lnTo>
+                <a:lnTo>
+                  <a:pt x="18995" y="188046"/>
+                </a:lnTo>
+                <a:lnTo>
+                  <a:pt x="8442" y="226868"/>
+                </a:lnTo>
+                <a:lnTo>
+                  <a:pt x="2110" y="268864"/>
+                </a:lnTo>
+                <a:lnTo>
+                  <a:pt x="0" y="314036"/>
+                </a:lnTo>
+                <a:lnTo>
+                  <a:pt x="2110" y="359207"/>
+                </a:lnTo>
+                <a:lnTo>
+                  <a:pt x="8442" y="401204"/>
+                </a:lnTo>
+                <a:lnTo>
+                  <a:pt x="18995" y="440026"/>
+                </a:lnTo>
+                <a:lnTo>
+                  <a:pt x="33770" y="475672"/>
+                </a:lnTo>
+                <a:lnTo>
+                  <a:pt x="73818" y="535997"/>
+                </a:lnTo>
+                <a:lnTo>
+                  <a:pt x="126422" y="580736"/>
+                </a:lnTo>
+                <a:lnTo>
+                  <a:pt x="189489" y="608445"/>
+                </a:lnTo>
+                <a:lnTo>
+                  <a:pt x="260927" y="617681"/>
+                </a:lnTo>
+                <a:lnTo>
+                  <a:pt x="297692" y="615372"/>
+                </a:lnTo>
+                <a:lnTo>
+                  <a:pt x="364944" y="596900"/>
+                </a:lnTo>
+                <a:lnTo>
+                  <a:pt x="423303" y="560315"/>
+                </a:lnTo>
+                <a:lnTo>
+                  <a:pt x="433064" y="550718"/>
+                </a:lnTo>
+                <a:lnTo>
+                  <a:pt x="260927" y="550718"/>
+                </a:lnTo>
+                <a:lnTo>
+                  <a:pt x="234715" y="549022"/>
+                </a:lnTo>
+                <a:lnTo>
+                  <a:pt x="186080" y="535456"/>
+                </a:lnTo>
+                <a:lnTo>
+                  <a:pt x="143109" y="508414"/>
+                </a:lnTo>
+                <a:lnTo>
+                  <a:pt x="108617" y="468438"/>
+                </a:lnTo>
+                <a:lnTo>
+                  <a:pt x="83560" y="415726"/>
+                </a:lnTo>
+                <a:lnTo>
+                  <a:pt x="70860" y="350927"/>
+                </a:lnTo>
+                <a:lnTo>
+                  <a:pt x="69272" y="314036"/>
+                </a:lnTo>
+                <a:lnTo>
+                  <a:pt x="70860" y="277145"/>
+                </a:lnTo>
+                <a:lnTo>
+                  <a:pt x="83560" y="212346"/>
+                </a:lnTo>
+                <a:lnTo>
+                  <a:pt x="108617" y="159633"/>
+                </a:lnTo>
+                <a:lnTo>
+                  <a:pt x="143109" y="119657"/>
+                </a:lnTo>
+                <a:lnTo>
+                  <a:pt x="186080" y="92616"/>
+                </a:lnTo>
+                <a:lnTo>
+                  <a:pt x="234715" y="79050"/>
+                </a:lnTo>
+                <a:lnTo>
+                  <a:pt x="260927" y="77354"/>
+                </a:lnTo>
+                <a:lnTo>
+                  <a:pt x="433064" y="77354"/>
+                </a:lnTo>
+                <a:lnTo>
+                  <a:pt x="423303" y="67757"/>
+                </a:lnTo>
+                <a:lnTo>
+                  <a:pt x="395431" y="47336"/>
+                </a:lnTo>
+                <a:lnTo>
+                  <a:pt x="364944" y="31172"/>
+                </a:lnTo>
+                <a:lnTo>
+                  <a:pt x="332364" y="19627"/>
+                </a:lnTo>
+                <a:lnTo>
+                  <a:pt x="297692" y="12699"/>
+                </a:lnTo>
+                <a:lnTo>
+                  <a:pt x="260927" y="10390"/>
+                </a:lnTo>
+                <a:close/>
+              </a:path>
+              <a:path w="3031490" h="620394">
+                <a:moveTo>
+                  <a:pt x="433064" y="77354"/>
+                </a:moveTo>
+                <a:lnTo>
+                  <a:pt x="260927" y="77354"/>
+                </a:lnTo>
+                <a:lnTo>
+                  <a:pt x="287121" y="79050"/>
+                </a:lnTo>
+                <a:lnTo>
+                  <a:pt x="312015" y="84137"/>
+                </a:lnTo>
+                <a:lnTo>
+                  <a:pt x="357909" y="104486"/>
+                </a:lnTo>
+                <a:lnTo>
+                  <a:pt x="396947" y="138040"/>
+                </a:lnTo>
+                <a:lnTo>
+                  <a:pt x="426893" y="184438"/>
+                </a:lnTo>
+                <a:lnTo>
+                  <a:pt x="446159" y="243248"/>
+                </a:lnTo>
+                <a:lnTo>
+                  <a:pt x="452581" y="314036"/>
+                </a:lnTo>
+                <a:lnTo>
+                  <a:pt x="450976" y="350927"/>
+                </a:lnTo>
+                <a:lnTo>
+                  <a:pt x="438131" y="415726"/>
+                </a:lnTo>
+                <a:lnTo>
+                  <a:pt x="413056" y="468438"/>
+                </a:lnTo>
+                <a:lnTo>
+                  <a:pt x="378564" y="508414"/>
+                </a:lnTo>
+                <a:lnTo>
+                  <a:pt x="335611" y="535456"/>
+                </a:lnTo>
+                <a:lnTo>
+                  <a:pt x="287121" y="549022"/>
+                </a:lnTo>
+                <a:lnTo>
+                  <a:pt x="260927" y="550718"/>
+                </a:lnTo>
+                <a:lnTo>
+                  <a:pt x="433064" y="550718"/>
+                </a:lnTo>
+                <a:lnTo>
+                  <a:pt x="469629" y="507783"/>
+                </a:lnTo>
+                <a:lnTo>
+                  <a:pt x="502858" y="440026"/>
+                </a:lnTo>
+                <a:lnTo>
+                  <a:pt x="513411" y="401204"/>
+                </a:lnTo>
+                <a:lnTo>
+                  <a:pt x="519743" y="359207"/>
+                </a:lnTo>
+                <a:lnTo>
+                  <a:pt x="521854" y="314036"/>
+                </a:lnTo>
+                <a:lnTo>
+                  <a:pt x="519743" y="268864"/>
+                </a:lnTo>
+                <a:lnTo>
+                  <a:pt x="513411" y="226868"/>
+                </a:lnTo>
+                <a:lnTo>
+                  <a:pt x="502858" y="188046"/>
+                </a:lnTo>
+                <a:lnTo>
+                  <a:pt x="488084" y="152399"/>
+                </a:lnTo>
+                <a:lnTo>
+                  <a:pt x="448035" y="92074"/>
+                </a:lnTo>
+                <a:lnTo>
+                  <a:pt x="433064" y="77354"/>
+                </a:lnTo>
+                <a:close/>
+              </a:path>
+              <a:path w="3031490" h="620394">
+                <a:moveTo>
+                  <a:pt x="701097" y="166254"/>
+                </a:moveTo>
+                <a:lnTo>
+                  <a:pt x="632979" y="166254"/>
+                </a:lnTo>
+                <a:lnTo>
+                  <a:pt x="632979" y="609599"/>
+                </a:lnTo>
+                <a:lnTo>
+                  <a:pt x="1172152" y="609599"/>
+                </a:lnTo>
+                <a:lnTo>
+                  <a:pt x="1172152" y="546099"/>
+                </a:lnTo>
+                <a:lnTo>
+                  <a:pt x="701097" y="546099"/>
+                </a:lnTo>
+                <a:lnTo>
+                  <a:pt x="701097" y="166254"/>
+                </a:lnTo>
+                <a:close/>
+              </a:path>
+              <a:path w="3031490" h="620394">
+                <a:moveTo>
+                  <a:pt x="936625" y="166254"/>
+                </a:moveTo>
+                <a:lnTo>
+                  <a:pt x="868506" y="166254"/>
+                </a:lnTo>
+                <a:lnTo>
+                  <a:pt x="868506" y="546099"/>
+                </a:lnTo>
+                <a:lnTo>
+                  <a:pt x="936625" y="546099"/>
+                </a:lnTo>
+                <a:lnTo>
+                  <a:pt x="936625" y="166254"/>
+                </a:lnTo>
+                <a:close/>
+              </a:path>
+              <a:path w="3031490" h="620394">
+                <a:moveTo>
+                  <a:pt x="1172152" y="166254"/>
+                </a:moveTo>
+                <a:lnTo>
+                  <a:pt x="1104034" y="166254"/>
+                </a:lnTo>
+                <a:lnTo>
+                  <a:pt x="1104034" y="546099"/>
+                </a:lnTo>
+                <a:lnTo>
+                  <a:pt x="1172152" y="546099"/>
+                </a:lnTo>
+                <a:lnTo>
+                  <a:pt x="1172152" y="166254"/>
+                </a:lnTo>
+                <a:close/>
+              </a:path>
+              <a:path w="3031490" h="620394">
+                <a:moveTo>
+                  <a:pt x="1364672" y="166254"/>
+                </a:moveTo>
+                <a:lnTo>
+                  <a:pt x="1296554" y="166254"/>
+                </a:lnTo>
+                <a:lnTo>
+                  <a:pt x="1296554" y="609599"/>
+                </a:lnTo>
+                <a:lnTo>
+                  <a:pt x="1376218" y="609599"/>
+                </a:lnTo>
+                <a:lnTo>
+                  <a:pt x="1438446" y="509154"/>
+                </a:lnTo>
+                <a:lnTo>
+                  <a:pt x="1364672" y="509154"/>
+                </a:lnTo>
+                <a:lnTo>
+                  <a:pt x="1364672" y="166254"/>
+                </a:lnTo>
+                <a:close/>
+              </a:path>
+              <a:path w="3031490" h="620394">
+                <a:moveTo>
+                  <a:pt x="1656772" y="266699"/>
+                </a:moveTo>
+                <a:lnTo>
+                  <a:pt x="1588654" y="266699"/>
+                </a:lnTo>
+                <a:lnTo>
+                  <a:pt x="1588654" y="609599"/>
+                </a:lnTo>
+                <a:lnTo>
+                  <a:pt x="1656772" y="609599"/>
+                </a:lnTo>
+                <a:lnTo>
+                  <a:pt x="1656772" y="266699"/>
+                </a:lnTo>
+                <a:close/>
+              </a:path>
+              <a:path w="3031490" h="620394">
+                <a:moveTo>
+                  <a:pt x="1656772" y="166254"/>
+                </a:moveTo>
+                <a:lnTo>
+                  <a:pt x="1578263" y="166254"/>
+                </a:lnTo>
+                <a:lnTo>
+                  <a:pt x="1364672" y="509154"/>
+                </a:lnTo>
+                <a:lnTo>
+                  <a:pt x="1438446" y="509154"/>
+                </a:lnTo>
+                <a:lnTo>
+                  <a:pt x="1588654" y="266699"/>
+                </a:lnTo>
+                <a:lnTo>
+                  <a:pt x="1656772" y="266699"/>
+                </a:lnTo>
+                <a:lnTo>
+                  <a:pt x="1656772" y="166254"/>
+                </a:lnTo>
+                <a:close/>
+              </a:path>
+              <a:path w="3031490" h="620394">
+                <a:moveTo>
+                  <a:pt x="2012102" y="17715"/>
+                </a:moveTo>
+                <a:lnTo>
+                  <a:pt x="1962799" y="18472"/>
+                </a:lnTo>
+                <a:lnTo>
+                  <a:pt x="1915318" y="24389"/>
+                </a:lnTo>
+                <a:lnTo>
+                  <a:pt x="1874188" y="39543"/>
+                </a:lnTo>
+                <a:lnTo>
+                  <a:pt x="1839407" y="63932"/>
+                </a:lnTo>
+                <a:lnTo>
+                  <a:pt x="1810976" y="97559"/>
+                </a:lnTo>
+                <a:lnTo>
+                  <a:pt x="1778834" y="170203"/>
+                </a:lnTo>
+                <a:lnTo>
+                  <a:pt x="1768789" y="215114"/>
+                </a:lnTo>
+                <a:lnTo>
+                  <a:pt x="1762762" y="265753"/>
+                </a:lnTo>
+                <a:lnTo>
+                  <a:pt x="1760753" y="322118"/>
+                </a:lnTo>
+                <a:lnTo>
+                  <a:pt x="1760789" y="370356"/>
+                </a:lnTo>
+                <a:lnTo>
+                  <a:pt x="1762305" y="408799"/>
+                </a:lnTo>
+                <a:lnTo>
+                  <a:pt x="1774716" y="477639"/>
+                </a:lnTo>
+                <a:lnTo>
+                  <a:pt x="1799232" y="533147"/>
+                </a:lnTo>
+                <a:lnTo>
+                  <a:pt x="1834013" y="574999"/>
+                </a:lnTo>
+                <a:lnTo>
+                  <a:pt x="1878427" y="603087"/>
+                </a:lnTo>
+                <a:lnTo>
+                  <a:pt x="1930526" y="617086"/>
+                </a:lnTo>
+                <a:lnTo>
+                  <a:pt x="1959335" y="618836"/>
+                </a:lnTo>
+                <a:lnTo>
+                  <a:pt x="1988109" y="617140"/>
+                </a:lnTo>
+                <a:lnTo>
+                  <a:pt x="2039919" y="603574"/>
+                </a:lnTo>
+                <a:lnTo>
+                  <a:pt x="2083936" y="576551"/>
+                </a:lnTo>
+                <a:lnTo>
+                  <a:pt x="2103089" y="557645"/>
+                </a:lnTo>
+                <a:lnTo>
+                  <a:pt x="1959335" y="557645"/>
+                </a:lnTo>
+                <a:lnTo>
+                  <a:pt x="1930634" y="554849"/>
+                </a:lnTo>
+                <a:lnTo>
+                  <a:pt x="1882865" y="532479"/>
+                </a:lnTo>
+                <a:lnTo>
+                  <a:pt x="1848517" y="488679"/>
+                </a:lnTo>
+                <a:lnTo>
+                  <a:pt x="1831055" y="429076"/>
+                </a:lnTo>
+                <a:lnTo>
+                  <a:pt x="1828872" y="393699"/>
+                </a:lnTo>
+                <a:lnTo>
+                  <a:pt x="1829684" y="376021"/>
+                </a:lnTo>
+                <a:lnTo>
+                  <a:pt x="1838397" y="329045"/>
+                </a:lnTo>
+                <a:lnTo>
+                  <a:pt x="1856473" y="291486"/>
+                </a:lnTo>
+                <a:lnTo>
+                  <a:pt x="1882847" y="263885"/>
+                </a:lnTo>
+                <a:lnTo>
+                  <a:pt x="1887405" y="260927"/>
+                </a:lnTo>
+                <a:lnTo>
+                  <a:pt x="1819635" y="260927"/>
+                </a:lnTo>
+                <a:lnTo>
+                  <a:pt x="1827212" y="208251"/>
+                </a:lnTo>
+                <a:lnTo>
+                  <a:pt x="1840706" y="164522"/>
+                </a:lnTo>
+                <a:lnTo>
+                  <a:pt x="1860622" y="129886"/>
+                </a:lnTo>
+                <a:lnTo>
+                  <a:pt x="1903610" y="95286"/>
+                </a:lnTo>
+                <a:lnTo>
+                  <a:pt x="1941855" y="84029"/>
+                </a:lnTo>
+                <a:lnTo>
+                  <a:pt x="2038422" y="78509"/>
+                </a:lnTo>
+                <a:lnTo>
+                  <a:pt x="2054730" y="77264"/>
+                </a:lnTo>
+                <a:lnTo>
+                  <a:pt x="2098458" y="68984"/>
+                </a:lnTo>
+                <a:lnTo>
+                  <a:pt x="2134718" y="50637"/>
+                </a:lnTo>
+                <a:lnTo>
+                  <a:pt x="2145217" y="41563"/>
+                </a:lnTo>
+                <a:lnTo>
+                  <a:pt x="2125539" y="17949"/>
+                </a:lnTo>
+                <a:lnTo>
+                  <a:pt x="2040135" y="17949"/>
+                </a:lnTo>
+                <a:lnTo>
+                  <a:pt x="2012102" y="17715"/>
+                </a:lnTo>
+                <a:close/>
+              </a:path>
+              <a:path w="3031490" h="620394">
+                <a:moveTo>
+                  <a:pt x="2109365" y="241299"/>
+                </a:moveTo>
+                <a:lnTo>
+                  <a:pt x="1958181" y="241299"/>
+                </a:lnTo>
+                <a:lnTo>
+                  <a:pt x="1977808" y="242418"/>
+                </a:lnTo>
+                <a:lnTo>
+                  <a:pt x="1995992" y="245773"/>
+                </a:lnTo>
+                <a:lnTo>
+                  <a:pt x="2041759" y="269153"/>
+                </a:lnTo>
+                <a:lnTo>
+                  <a:pt x="2072769" y="311149"/>
+                </a:lnTo>
+                <a:lnTo>
+                  <a:pt x="2084676" y="348817"/>
+                </a:lnTo>
+                <a:lnTo>
+                  <a:pt x="2088644" y="393699"/>
+                </a:lnTo>
+                <a:lnTo>
+                  <a:pt x="2087670" y="417855"/>
+                </a:lnTo>
+                <a:lnTo>
+                  <a:pt x="2079877" y="461295"/>
+                </a:lnTo>
+                <a:lnTo>
+                  <a:pt x="2064417" y="497879"/>
+                </a:lnTo>
+                <a:lnTo>
+                  <a:pt x="2028319" y="537440"/>
+                </a:lnTo>
+                <a:lnTo>
+                  <a:pt x="1978692" y="556382"/>
+                </a:lnTo>
+                <a:lnTo>
+                  <a:pt x="1959335" y="557645"/>
+                </a:lnTo>
+                <a:lnTo>
+                  <a:pt x="2103089" y="557645"/>
+                </a:lnTo>
+                <a:lnTo>
+                  <a:pt x="2131940" y="513772"/>
+                </a:lnTo>
+                <a:lnTo>
+                  <a:pt x="2150557" y="458498"/>
+                </a:lnTo>
+                <a:lnTo>
+                  <a:pt x="2156763" y="393699"/>
+                </a:lnTo>
+                <a:lnTo>
+                  <a:pt x="2155247" y="360164"/>
+                </a:lnTo>
+                <a:lnTo>
+                  <a:pt x="2150701" y="329406"/>
+                </a:lnTo>
+                <a:lnTo>
+                  <a:pt x="2143124" y="301426"/>
+                </a:lnTo>
+                <a:lnTo>
+                  <a:pt x="2132517" y="276224"/>
+                </a:lnTo>
+                <a:lnTo>
+                  <a:pt x="2119312" y="253873"/>
+                </a:lnTo>
+                <a:lnTo>
+                  <a:pt x="2109365" y="241299"/>
+                </a:lnTo>
+                <a:close/>
+              </a:path>
+              <a:path w="3031490" h="620394">
+                <a:moveTo>
+                  <a:pt x="1973190" y="180109"/>
+                </a:moveTo>
+                <a:lnTo>
+                  <a:pt x="1929028" y="185015"/>
+                </a:lnTo>
+                <a:lnTo>
+                  <a:pt x="1887754" y="199736"/>
+                </a:lnTo>
+                <a:lnTo>
+                  <a:pt x="1852251" y="224847"/>
+                </a:lnTo>
+                <a:lnTo>
+                  <a:pt x="1825408" y="260927"/>
+                </a:lnTo>
+                <a:lnTo>
+                  <a:pt x="1887405" y="260927"/>
+                </a:lnTo>
+                <a:lnTo>
+                  <a:pt x="1893382" y="257048"/>
+                </a:lnTo>
+                <a:lnTo>
+                  <a:pt x="1904883" y="251366"/>
+                </a:lnTo>
+                <a:lnTo>
+                  <a:pt x="1916996" y="246982"/>
+                </a:lnTo>
+                <a:lnTo>
+                  <a:pt x="1929967" y="243825"/>
+                </a:lnTo>
+                <a:lnTo>
+                  <a:pt x="1943695" y="241931"/>
+                </a:lnTo>
+                <a:lnTo>
+                  <a:pt x="1958181" y="241299"/>
+                </a:lnTo>
+                <a:lnTo>
+                  <a:pt x="2109365" y="241299"/>
+                </a:lnTo>
+                <a:lnTo>
+                  <a:pt x="2103942" y="234444"/>
+                </a:lnTo>
+                <a:lnTo>
+                  <a:pt x="2066708" y="204354"/>
+                </a:lnTo>
+                <a:lnTo>
+                  <a:pt x="2022547" y="186170"/>
+                </a:lnTo>
+                <a:lnTo>
+                  <a:pt x="1998518" y="181624"/>
+                </a:lnTo>
+                <a:lnTo>
+                  <a:pt x="1973190" y="180109"/>
+                </a:lnTo>
+                <a:close/>
+              </a:path>
+              <a:path w="3031490" h="620394">
+                <a:moveTo>
+                  <a:pt x="2110581" y="0"/>
+                </a:moveTo>
+                <a:lnTo>
+                  <a:pt x="2075367" y="15297"/>
+                </a:lnTo>
+                <a:lnTo>
+                  <a:pt x="2040135" y="17949"/>
+                </a:lnTo>
+                <a:lnTo>
+                  <a:pt x="2125539" y="17949"/>
+                </a:lnTo>
+                <a:lnTo>
+                  <a:pt x="2110581" y="0"/>
+                </a:lnTo>
+                <a:close/>
+              </a:path>
+              <a:path w="3031490" h="620394">
+                <a:moveTo>
+                  <a:pt x="2329079" y="166254"/>
+                </a:moveTo>
+                <a:lnTo>
+                  <a:pt x="2260960" y="166254"/>
+                </a:lnTo>
+                <a:lnTo>
+                  <a:pt x="2260960" y="609599"/>
+                </a:lnTo>
+                <a:lnTo>
+                  <a:pt x="2329079" y="609599"/>
+                </a:lnTo>
+                <a:lnTo>
+                  <a:pt x="2329079" y="422563"/>
+                </a:lnTo>
+                <a:lnTo>
+                  <a:pt x="2475926" y="422563"/>
+                </a:lnTo>
+                <a:lnTo>
+                  <a:pt x="2442224" y="379845"/>
+                </a:lnTo>
+                <a:lnTo>
+                  <a:pt x="2459636" y="359063"/>
+                </a:lnTo>
+                <a:lnTo>
+                  <a:pt x="2329079" y="359063"/>
+                </a:lnTo>
+                <a:lnTo>
+                  <a:pt x="2329079" y="166254"/>
+                </a:lnTo>
+                <a:close/>
+              </a:path>
+              <a:path w="3031490" h="620394">
+                <a:moveTo>
+                  <a:pt x="2475926" y="422563"/>
+                </a:moveTo>
+                <a:lnTo>
+                  <a:pt x="2390269" y="422563"/>
+                </a:lnTo>
+                <a:lnTo>
+                  <a:pt x="2535742" y="609599"/>
+                </a:lnTo>
+                <a:lnTo>
+                  <a:pt x="2623488" y="609599"/>
+                </a:lnTo>
+                <a:lnTo>
+                  <a:pt x="2475926" y="422563"/>
+                </a:lnTo>
+                <a:close/>
+              </a:path>
+              <a:path w="3031490" h="620394">
+                <a:moveTo>
+                  <a:pt x="2621179" y="166254"/>
+                </a:moveTo>
+                <a:lnTo>
+                  <a:pt x="2533433" y="166254"/>
+                </a:lnTo>
+                <a:lnTo>
+                  <a:pt x="2374106" y="359063"/>
+                </a:lnTo>
+                <a:lnTo>
+                  <a:pt x="2459636" y="359063"/>
+                </a:lnTo>
+                <a:lnTo>
+                  <a:pt x="2621179" y="166254"/>
+                </a:lnTo>
+                <a:close/>
+              </a:path>
+              <a:path w="3031490" h="620394">
+                <a:moveTo>
+                  <a:pt x="3005925" y="220518"/>
+                </a:moveTo>
+                <a:lnTo>
+                  <a:pt x="2869550" y="220518"/>
+                </a:lnTo>
+                <a:lnTo>
+                  <a:pt x="2891577" y="221997"/>
+                </a:lnTo>
+                <a:lnTo>
+                  <a:pt x="2910609" y="226435"/>
+                </a:lnTo>
+                <a:lnTo>
+                  <a:pt x="2949917" y="257211"/>
+                </a:lnTo>
+                <a:lnTo>
+                  <a:pt x="2963068" y="310572"/>
+                </a:lnTo>
+                <a:lnTo>
+                  <a:pt x="2963068" y="312881"/>
+                </a:lnTo>
+                <a:lnTo>
+                  <a:pt x="2936225" y="341673"/>
+                </a:lnTo>
+                <a:lnTo>
+                  <a:pt x="2900777" y="346958"/>
+                </a:lnTo>
+                <a:lnTo>
+                  <a:pt x="2848768" y="353290"/>
+                </a:lnTo>
+                <a:lnTo>
+                  <a:pt x="2802605" y="360975"/>
+                </a:lnTo>
+                <a:lnTo>
+                  <a:pt x="2758281" y="372629"/>
+                </a:lnTo>
+                <a:lnTo>
+                  <a:pt x="2719946" y="391896"/>
+                </a:lnTo>
+                <a:lnTo>
+                  <a:pt x="2691750" y="421986"/>
+                </a:lnTo>
+                <a:lnTo>
+                  <a:pt x="2677679" y="465606"/>
+                </a:lnTo>
+                <a:lnTo>
+                  <a:pt x="2676741" y="483754"/>
+                </a:lnTo>
+                <a:lnTo>
+                  <a:pt x="2678004" y="504608"/>
+                </a:lnTo>
+                <a:lnTo>
+                  <a:pt x="2688106" y="541553"/>
+                </a:lnTo>
+                <a:lnTo>
+                  <a:pt x="2720686" y="584416"/>
+                </a:lnTo>
+                <a:lnTo>
+                  <a:pt x="2769159" y="611061"/>
+                </a:lnTo>
+                <a:lnTo>
+                  <a:pt x="2807403" y="618998"/>
+                </a:lnTo>
+                <a:lnTo>
+                  <a:pt x="2827987" y="619990"/>
+                </a:lnTo>
+                <a:lnTo>
+                  <a:pt x="2846586" y="619269"/>
+                </a:lnTo>
+                <a:lnTo>
+                  <a:pt x="2893507" y="608445"/>
+                </a:lnTo>
+                <a:lnTo>
+                  <a:pt x="2927764" y="588367"/>
+                </a:lnTo>
+                <a:lnTo>
+                  <a:pt x="2954268" y="558799"/>
+                </a:lnTo>
+                <a:lnTo>
+                  <a:pt x="2838377" y="558799"/>
+                </a:lnTo>
+                <a:lnTo>
+                  <a:pt x="2818912" y="557681"/>
+                </a:lnTo>
+                <a:lnTo>
+                  <a:pt x="2771125" y="540904"/>
+                </a:lnTo>
+                <a:lnTo>
+                  <a:pt x="2746501" y="503886"/>
+                </a:lnTo>
+                <a:lnTo>
+                  <a:pt x="2744859" y="487218"/>
+                </a:lnTo>
+                <a:lnTo>
+                  <a:pt x="2745725" y="474915"/>
+                </a:lnTo>
+                <a:lnTo>
+                  <a:pt x="2766327" y="439070"/>
+                </a:lnTo>
+                <a:lnTo>
+                  <a:pt x="2807421" y="419803"/>
+                </a:lnTo>
+                <a:lnTo>
+                  <a:pt x="2845305" y="412172"/>
+                </a:lnTo>
+                <a:lnTo>
+                  <a:pt x="2873880" y="408709"/>
+                </a:lnTo>
+                <a:lnTo>
+                  <a:pt x="2901210" y="404920"/>
+                </a:lnTo>
+                <a:lnTo>
+                  <a:pt x="2944018" y="396297"/>
+                </a:lnTo>
+                <a:lnTo>
+                  <a:pt x="2963068" y="386772"/>
+                </a:lnTo>
+                <a:lnTo>
+                  <a:pt x="3031187" y="386772"/>
+                </a:lnTo>
+                <a:lnTo>
+                  <a:pt x="3031187" y="317499"/>
+                </a:lnTo>
+                <a:lnTo>
+                  <a:pt x="3030104" y="292424"/>
+                </a:lnTo>
+                <a:lnTo>
+                  <a:pt x="3026857" y="270019"/>
+                </a:lnTo>
+                <a:lnTo>
+                  <a:pt x="3021445" y="250283"/>
+                </a:lnTo>
+                <a:lnTo>
+                  <a:pt x="3013868" y="233218"/>
+                </a:lnTo>
+                <a:lnTo>
+                  <a:pt x="3005925" y="220518"/>
+                </a:lnTo>
+                <a:close/>
+              </a:path>
+              <a:path w="3031490" h="620394">
+                <a:moveTo>
+                  <a:pt x="3031187" y="549563"/>
+                </a:moveTo>
+                <a:lnTo>
+                  <a:pt x="2963068" y="549563"/>
+                </a:lnTo>
+                <a:lnTo>
+                  <a:pt x="2963068" y="609599"/>
+                </a:lnTo>
+                <a:lnTo>
+                  <a:pt x="3031187" y="609599"/>
+                </a:lnTo>
+                <a:lnTo>
+                  <a:pt x="3031187" y="549563"/>
+                </a:lnTo>
+                <a:close/>
+              </a:path>
+              <a:path w="3031490" h="620394">
+                <a:moveTo>
+                  <a:pt x="3031187" y="386772"/>
+                </a:moveTo>
+                <a:lnTo>
+                  <a:pt x="2963068" y="386772"/>
+                </a:lnTo>
+                <a:lnTo>
+                  <a:pt x="2963059" y="449262"/>
+                </a:lnTo>
+                <a:lnTo>
+                  <a:pt x="2962166" y="462810"/>
+                </a:lnTo>
+                <a:lnTo>
+                  <a:pt x="2948637" y="501938"/>
+                </a:lnTo>
+                <a:lnTo>
+                  <a:pt x="2919628" y="534410"/>
+                </a:lnTo>
+                <a:lnTo>
+                  <a:pt x="2875611" y="554831"/>
+                </a:lnTo>
+                <a:lnTo>
+                  <a:pt x="2838377" y="558799"/>
+                </a:lnTo>
+                <a:lnTo>
+                  <a:pt x="2954268" y="558799"/>
+                </a:lnTo>
+                <a:lnTo>
+                  <a:pt x="2955564" y="556905"/>
+                </a:lnTo>
+                <a:lnTo>
+                  <a:pt x="2959605" y="549563"/>
+                </a:lnTo>
+                <a:lnTo>
+                  <a:pt x="3031187" y="549563"/>
+                </a:lnTo>
+                <a:lnTo>
+                  <a:pt x="3031187" y="386772"/>
+                </a:lnTo>
+                <a:close/>
+              </a:path>
+              <a:path w="3031490" h="620394">
+                <a:moveTo>
+                  <a:pt x="2867241" y="160481"/>
+                </a:moveTo>
+                <a:lnTo>
+                  <a:pt x="2816369" y="165677"/>
+                </a:lnTo>
+                <a:lnTo>
+                  <a:pt x="2766074" y="182129"/>
+                </a:lnTo>
+                <a:lnTo>
+                  <a:pt x="2721913" y="213843"/>
+                </a:lnTo>
+                <a:lnTo>
+                  <a:pt x="2698822" y="245304"/>
+                </a:lnTo>
+                <a:lnTo>
+                  <a:pt x="2689441" y="264390"/>
+                </a:lnTo>
+                <a:lnTo>
+                  <a:pt x="2754095" y="287481"/>
+                </a:lnTo>
+                <a:lnTo>
+                  <a:pt x="2760752" y="275539"/>
+                </a:lnTo>
+                <a:lnTo>
+                  <a:pt x="2769465" y="263957"/>
+                </a:lnTo>
+                <a:lnTo>
+                  <a:pt x="2808233" y="232532"/>
+                </a:lnTo>
+                <a:lnTo>
+                  <a:pt x="2846477" y="221853"/>
+                </a:lnTo>
+                <a:lnTo>
+                  <a:pt x="2869550" y="220518"/>
+                </a:lnTo>
+                <a:lnTo>
+                  <a:pt x="3005925" y="220518"/>
+                </a:lnTo>
+                <a:lnTo>
+                  <a:pt x="3004650" y="218479"/>
+                </a:lnTo>
+                <a:lnTo>
+                  <a:pt x="2970284" y="186170"/>
+                </a:lnTo>
+                <a:lnTo>
+                  <a:pt x="2930182" y="168798"/>
+                </a:lnTo>
+                <a:lnTo>
+                  <a:pt x="2890188" y="161780"/>
+                </a:lnTo>
+                <a:lnTo>
+                  <a:pt x="2878317" y="160806"/>
+                </a:lnTo>
+                <a:lnTo>
+                  <a:pt x="2867241" y="160481"/>
+                </a:lnTo>
+                <a:close/>
+              </a:path>
+            </a:pathLst>
+          </a:custGeom>
+          <a:solidFill>
+            <a:srgbClr val="000000"/>
+          </a:solidFill>
+        </p:spPr>
+        <p:txBody>
+          <a:bodyPr wrap="square" lIns="0" tIns="0" rIns="0" bIns="0" rtlCol="0"/>
+          <a:lstStyle/>
+          <a:p/>
+        </p:txBody>
+      </p:sp>
+      <p:pic>
+        <p:nvPicPr>
+          <p:cNvPr id="4" name="object 4"/>
+          <p:cNvPicPr/>
+          <p:nvPr/>
+        </p:nvPicPr>
+        <p:blipFill>
+          <a:blip r:embed="rId2" cstate="print"/>
+          <a:stretch>
+            <a:fillRect/>
+          </a:stretch>
+        </p:blipFill>
+        <p:spPr>
+          <a:xfrm>
+            <a:off x="1121063" y="2197100"/>
+            <a:ext cx="6945312" cy="1597890"/>
+          </a:xfrm>
+          <a:prstGeom prst="rect">
+            <a:avLst/>
+          </a:prstGeom>
+        </p:spPr>
+      </p:pic>
+      <p:grpSp>
+        <p:nvGrpSpPr>
+          <p:cNvPr id="5" name="object 5"/>
+          <p:cNvGrpSpPr/>
+          <p:nvPr/>
+        </p:nvGrpSpPr>
+        <p:grpSpPr>
+          <a:xfrm>
+            <a:off x="3886200" y="5054600"/>
+            <a:ext cx="2641600" cy="520700"/>
+            <a:chOff x="3886200" y="5054600"/>
+            <a:chExt cx="2641600" cy="520700"/>
+          </a:xfrm>
+        </p:grpSpPr>
+        <p:sp>
+          <p:nvSpPr>
+            <p:cNvPr id="6" name="object 6"/>
+            <p:cNvSpPr/>
+            <p:nvPr/>
+          </p:nvSpPr>
+          <p:spPr>
+            <a:xfrm>
+              <a:off x="3886200" y="5054600"/>
+              <a:ext cx="2641600" cy="520700"/>
+            </a:xfrm>
+            <a:custGeom>
+              <a:avLst/>
+              <a:gdLst/>
+              <a:ahLst/>
+              <a:cxnLst/>
+              <a:rect l="l" t="t" r="r" b="b"/>
+              <a:pathLst>
+                <a:path w="2641600" h="520700">
+                  <a:moveTo>
+                    <a:pt x="2641600" y="0"/>
+                  </a:moveTo>
+                  <a:lnTo>
+                    <a:pt x="0" y="0"/>
+                  </a:lnTo>
+                  <a:lnTo>
+                    <a:pt x="0" y="520700"/>
+                  </a:lnTo>
+                  <a:lnTo>
+                    <a:pt x="2641600" y="520700"/>
+                  </a:lnTo>
+                  <a:lnTo>
+                    <a:pt x="2641600" y="0"/>
+                  </a:lnTo>
+                  <a:close/>
+                </a:path>
+              </a:pathLst>
+            </a:custGeom>
+            <a:solidFill>
+              <a:srgbClr val="E0C345"/>
+            </a:solidFill>
+          </p:spPr>
+          <p:txBody>
+            <a:bodyPr wrap="square" lIns="0" tIns="0" rIns="0" bIns="0" rtlCol="0"/>
+            <a:lstStyle/>
+            <a:p/>
+          </p:txBody>
+        </p:sp>
+        <p:pic>
+          <p:nvPicPr>
+            <p:cNvPr id="7" name="object 7"/>
+            <p:cNvPicPr/>
+            <p:nvPr/>
+          </p:nvPicPr>
+          <p:blipFill>
+            <a:blip r:embed="rId3" cstate="print"/>
+            <a:stretch>
+              <a:fillRect/>
+            </a:stretch>
+          </p:blipFill>
+          <p:spPr>
+            <a:xfrm>
+              <a:off x="4932398" y="5110710"/>
+              <a:ext cx="575596" cy="328929"/>
             </a:xfrm>
             <a:prstGeom prst="rect">
               <a:avLst/>
@@ -20124,9 +21345,7 @@
         <p:txBody>
           <a:bodyPr wrap="square" lIns="0" tIns="0" rIns="0" bIns="0" rtlCol="0"/>
           <a:lstStyle/>
-          <a:p>
-            <a:endParaRPr/>
-          </a:p>
+          <a:p/>
         </p:txBody>
       </p:sp>
       <p:sp>
@@ -21329,9 +22548,7 @@
         <p:txBody>
           <a:bodyPr wrap="square" lIns="0" tIns="0" rIns="0" bIns="0" rtlCol="0"/>
           <a:lstStyle/>
-          <a:p>
-            <a:endParaRPr/>
-          </a:p>
+          <a:p/>
         </p:txBody>
       </p:sp>
       <p:sp>
@@ -21652,9 +22869,7 @@
         <p:txBody>
           <a:bodyPr wrap="square" lIns="0" tIns="0" rIns="0" bIns="0" rtlCol="0"/>
           <a:lstStyle/>
-          <a:p>
-            <a:endParaRPr/>
-          </a:p>
+          <a:p/>
         </p:txBody>
       </p:sp>
       <p:sp>
@@ -22350,9 +23565,7 @@
         <p:txBody>
           <a:bodyPr wrap="square" lIns="0" tIns="0" rIns="0" bIns="0" rtlCol="0"/>
           <a:lstStyle/>
-          <a:p>
-            <a:endParaRPr/>
-          </a:p>
+          <a:p/>
         </p:txBody>
       </p:sp>
       <p:sp>
@@ -23351,9 +24564,7 @@
         <p:txBody>
           <a:bodyPr wrap="square" lIns="0" tIns="0" rIns="0" bIns="0" rtlCol="0"/>
           <a:lstStyle/>
-          <a:p>
-            <a:endParaRPr/>
-          </a:p>
+          <a:p/>
         </p:txBody>
       </p:sp>
       <p:pic>
@@ -23594,7 +24805,7 @@
                   <a:pt x="52228" y="53466"/>
                 </a:lnTo>
                 <a:lnTo>
-                  <a:pt x="61086" y="49783"/>
+                  <a:pt x="61087" y="49783"/>
                 </a:lnTo>
                 <a:lnTo>
                   <a:pt x="99568" y="38226"/>
@@ -24207,9 +25418,7 @@
         <p:txBody>
           <a:bodyPr wrap="square" lIns="0" tIns="0" rIns="0" bIns="0" rtlCol="0"/>
           <a:lstStyle/>
-          <a:p>
-            <a:endParaRPr/>
-          </a:p>
+          <a:p/>
         </p:txBody>
       </p:sp>
       <p:grpSp>
@@ -24996,7 +26205,7 @@
                     <a:pt x="5226050" y="3324571"/>
                   </a:lnTo>
                   <a:lnTo>
-                    <a:pt x="5275130" y="3320172"/>
+                    <a:pt x="5275131" y="3320172"/>
                   </a:lnTo>
                   <a:lnTo>
                     <a:pt x="5321325" y="3307488"/>
@@ -25633,9 +26842,7 @@
           <p:txBody>
             <a:bodyPr wrap="square" lIns="0" tIns="0" rIns="0" bIns="0" rtlCol="0"/>
             <a:lstStyle/>
-            <a:p>
-              <a:endParaRPr/>
-            </a:p>
+            <a:p/>
           </p:txBody>
         </p:sp>
         <p:sp>
@@ -26295,9 +27502,7 @@
           <p:txBody>
             <a:bodyPr wrap="square" lIns="0" tIns="0" rIns="0" bIns="0" rtlCol="0"/>
             <a:lstStyle/>
-            <a:p>
-              <a:endParaRPr/>
-            </a:p>
+            <a:p/>
           </p:txBody>
         </p:sp>
       </p:grpSp>
@@ -26582,9 +27787,7 @@
           <p:txBody>
             <a:bodyPr wrap="square" lIns="0" tIns="0" rIns="0" bIns="0" rtlCol="0"/>
             <a:lstStyle/>
-            <a:p>
-              <a:endParaRPr/>
-            </a:p>
+            <a:p/>
           </p:txBody>
         </p:sp>
         <p:sp>
@@ -26710,9 +27913,7 @@
           <p:txBody>
             <a:bodyPr wrap="square" lIns="0" tIns="0" rIns="0" bIns="0" rtlCol="0"/>
             <a:lstStyle/>
-            <a:p>
-              <a:endParaRPr/>
-            </a:p>
+            <a:p/>
           </p:txBody>
         </p:sp>
       </p:grpSp>
@@ -27033,9 +28234,7 @@
           <p:txBody>
             <a:bodyPr wrap="square" lIns="0" tIns="0" rIns="0" bIns="0" rtlCol="0"/>
             <a:lstStyle/>
-            <a:p>
-              <a:endParaRPr/>
-            </a:p>
+            <a:p/>
           </p:txBody>
         </p:sp>
         <p:sp>
@@ -27191,9 +28390,7 @@
           <p:txBody>
             <a:bodyPr wrap="square" lIns="0" tIns="0" rIns="0" bIns="0" rtlCol="0"/>
             <a:lstStyle/>
-            <a:p>
-              <a:endParaRPr/>
-            </a:p>
+            <a:p/>
           </p:txBody>
         </p:sp>
       </p:grpSp>
@@ -27256,9 +28453,7 @@
           <p:txBody>
             <a:bodyPr wrap="square" lIns="0" tIns="0" rIns="0" bIns="0" rtlCol="0"/>
             <a:lstStyle/>
-            <a:p>
-              <a:endParaRPr/>
-            </a:p>
+            <a:p/>
           </p:txBody>
         </p:sp>
         <p:sp>
@@ -27306,9 +28501,7 @@
           <p:txBody>
             <a:bodyPr wrap="square" lIns="0" tIns="0" rIns="0" bIns="0" rtlCol="0"/>
             <a:lstStyle/>
-            <a:p>
-              <a:endParaRPr/>
-            </a:p>
+            <a:p/>
           </p:txBody>
         </p:sp>
         <p:pic>
@@ -27575,9 +28768,7 @@
         <p:txBody>
           <a:bodyPr wrap="square" lIns="0" tIns="0" rIns="0" bIns="0" rtlCol="0"/>
           <a:lstStyle/>
-          <a:p>
-            <a:endParaRPr/>
-          </a:p>
+          <a:p/>
         </p:txBody>
       </p:sp>
       <p:sp>
@@ -27799,9 +28990,7 @@
         <p:txBody>
           <a:bodyPr wrap="square" lIns="0" tIns="0" rIns="0" bIns="0" rtlCol="0"/>
           <a:lstStyle/>
-          <a:p>
-            <a:endParaRPr/>
-          </a:p>
+          <a:p/>
         </p:txBody>
       </p:sp>
       <p:sp>
@@ -28023,9 +29212,7 @@
         <p:txBody>
           <a:bodyPr wrap="square" lIns="0" tIns="0" rIns="0" bIns="0" rtlCol="0"/>
           <a:lstStyle/>
-          <a:p>
-            <a:endParaRPr/>
-          </a:p>
+          <a:p/>
         </p:txBody>
       </p:sp>
       <p:pic>
@@ -28095,9 +29282,7 @@
         <p:txBody>
           <a:bodyPr wrap="square" lIns="0" tIns="0" rIns="0" bIns="0" rtlCol="0"/>
           <a:lstStyle/>
-          <a:p>
-            <a:endParaRPr/>
-          </a:p>
+          <a:p/>
         </p:txBody>
       </p:sp>
       <p:sp>
@@ -29465,9 +30650,7 @@
         <p:txBody>
           <a:bodyPr wrap="square" lIns="0" tIns="0" rIns="0" bIns="0" rtlCol="0"/>
           <a:lstStyle/>
-          <a:p>
-            <a:endParaRPr/>
-          </a:p>
+          <a:p/>
         </p:txBody>
       </p:sp>
       <p:pic>
@@ -29562,9 +30745,7 @@
         <p:txBody>
           <a:bodyPr wrap="square" lIns="0" tIns="0" rIns="0" bIns="0" rtlCol="0"/>
           <a:lstStyle/>
-          <a:p>
-            <a:endParaRPr/>
-          </a:p>
+          <a:p/>
         </p:txBody>
       </p:sp>
       <p:pic>
@@ -29870,9 +31051,7 @@
           <p:txBody>
             <a:bodyPr wrap="square" lIns="0" tIns="0" rIns="0" bIns="0" rtlCol="0"/>
             <a:lstStyle/>
-            <a:p>
-              <a:endParaRPr/>
-            </a:p>
+            <a:p/>
           </p:txBody>
         </p:sp>
         <p:sp>
@@ -29998,9 +31177,7 @@
           <p:txBody>
             <a:bodyPr wrap="square" lIns="0" tIns="0" rIns="0" bIns="0" rtlCol="0"/>
             <a:lstStyle/>
-            <a:p>
-              <a:endParaRPr/>
-            </a:p>
+            <a:p/>
           </p:txBody>
         </p:sp>
       </p:grpSp>
@@ -30343,9 +31520,7 @@
           <p:txBody>
             <a:bodyPr wrap="square" lIns="0" tIns="0" rIns="0" bIns="0" rtlCol="0"/>
             <a:lstStyle/>
-            <a:p>
-              <a:endParaRPr/>
-            </a:p>
+            <a:p/>
           </p:txBody>
         </p:sp>
         <p:sp>
@@ -30501,9 +31676,7 @@
           <p:txBody>
             <a:bodyPr wrap="square" lIns="0" tIns="0" rIns="0" bIns="0" rtlCol="0"/>
             <a:lstStyle/>
-            <a:p>
-              <a:endParaRPr/>
-            </a:p>
+            <a:p/>
           </p:txBody>
         </p:sp>
       </p:grpSp>
@@ -30824,9 +31997,7 @@
           <p:txBody>
             <a:bodyPr wrap="square" lIns="0" tIns="0" rIns="0" bIns="0" rtlCol="0"/>
             <a:lstStyle/>
-            <a:p>
-              <a:endParaRPr/>
-            </a:p>
+            <a:p/>
           </p:txBody>
         </p:sp>
         <p:sp>
@@ -30982,9 +32153,7 @@
           <p:txBody>
             <a:bodyPr wrap="square" lIns="0" tIns="0" rIns="0" bIns="0" rtlCol="0"/>
             <a:lstStyle/>
-            <a:p>
-              <a:endParaRPr/>
-            </a:p>
+            <a:p/>
           </p:txBody>
         </p:sp>
         <p:sp>
@@ -31512,9 +32681,7 @@
           <p:txBody>
             <a:bodyPr wrap="square" lIns="0" tIns="0" rIns="0" bIns="0" rtlCol="0"/>
             <a:lstStyle/>
-            <a:p>
-              <a:endParaRPr/>
-            </a:p>
+            <a:p/>
           </p:txBody>
         </p:sp>
       </p:grpSp>
@@ -31577,9 +32744,7 @@
           <p:txBody>
             <a:bodyPr wrap="square" lIns="0" tIns="0" rIns="0" bIns="0" rtlCol="0"/>
             <a:lstStyle/>
-            <a:p>
-              <a:endParaRPr/>
-            </a:p>
+            <a:p/>
           </p:txBody>
         </p:sp>
         <p:sp>
@@ -31627,9 +32792,7 @@
           <p:txBody>
             <a:bodyPr wrap="square" lIns="0" tIns="0" rIns="0" bIns="0" rtlCol="0"/>
             <a:lstStyle/>
-            <a:p>
-              <a:endParaRPr/>
-            </a:p>
+            <a:p/>
           </p:txBody>
         </p:sp>
         <p:pic>
@@ -31896,9 +33059,7 @@
         <p:txBody>
           <a:bodyPr wrap="square" lIns="0" tIns="0" rIns="0" bIns="0" rtlCol="0"/>
           <a:lstStyle/>
-          <a:p>
-            <a:endParaRPr/>
-          </a:p>
+          <a:p/>
         </p:txBody>
       </p:sp>
       <p:sp>
@@ -32120,9 +33281,7 @@
         <p:txBody>
           <a:bodyPr wrap="square" lIns="0" tIns="0" rIns="0" bIns="0" rtlCol="0"/>
           <a:lstStyle/>
-          <a:p>
-            <a:endParaRPr/>
-          </a:p>
+          <a:p/>
         </p:txBody>
       </p:sp>
     </p:spTree>
@@ -32134,7 +33293,7 @@
 </file>
 
 <file path=ppt/slides/slide4.xml><?xml version="1.0" encoding="utf-8"?>
-<p:sld xmlns:a="http://schemas.openxmlformats.org/drawingml/2006/main" xmlns:r="http://schemas.openxmlformats.org/officeDocument/2006/relationships" xmlns:p="http://schemas.openxmlformats.org/presentationml/2006/main">
+<p:sld xmlns:a="http://schemas.openxmlformats.org/drawingml/2006/main" xmlns:r="http://schemas.openxmlformats.org/officeDocument/2006/relationships" xmlns:p="http://schemas.openxmlformats.org/presentationml/2006/main" showMasterSp="0">
   <p:cSld>
     <p:spTree>
       <p:nvGrpSpPr>
@@ -32150,23 +33309,167 @@
           <a:chExt cx="0" cy="0"/>
         </a:xfrm>
       </p:grpSpPr>
+      <p:sp>
+        <p:nvSpPr>
+          <p:cNvPr id="2" name="object 2"/>
+          <p:cNvSpPr/>
+          <p:nvPr/>
+        </p:nvSpPr>
+        <p:spPr>
+          <a:xfrm>
+            <a:off x="1321126" y="0"/>
+            <a:ext cx="12465050" cy="20104100"/>
+          </a:xfrm>
+          <a:custGeom>
+            <a:avLst/>
+            <a:gdLst/>
+            <a:ahLst/>
+            <a:cxnLst/>
+            <a:rect l="l" t="t" r="r" b="b"/>
+            <a:pathLst>
+              <a:path w="12465050" h="20104100">
+                <a:moveTo>
+                  <a:pt x="0" y="20104099"/>
+                </a:moveTo>
+                <a:lnTo>
+                  <a:pt x="12464541" y="20104099"/>
+                </a:lnTo>
+                <a:lnTo>
+                  <a:pt x="12464541" y="0"/>
+                </a:lnTo>
+                <a:lnTo>
+                  <a:pt x="0" y="0"/>
+                </a:lnTo>
+                <a:lnTo>
+                  <a:pt x="0" y="20104099"/>
+                </a:lnTo>
+                <a:close/>
+              </a:path>
+            </a:pathLst>
+          </a:custGeom>
+          <a:solidFill>
+            <a:srgbClr val="F9F9F9"/>
+          </a:solidFill>
+        </p:spPr>
+        <p:txBody>
+          <a:bodyPr wrap="square" lIns="0" tIns="0" rIns="0" bIns="0" rtlCol="0"/>
+          <a:lstStyle/>
+          <a:p/>
+        </p:txBody>
+      </p:sp>
+      <p:sp>
+        <p:nvSpPr>
+          <p:cNvPr id="3" name="object 3"/>
+          <p:cNvSpPr/>
+          <p:nvPr/>
+        </p:nvSpPr>
+        <p:spPr>
+          <a:xfrm>
+            <a:off x="0" y="0"/>
+            <a:ext cx="19685" cy="20104100"/>
+          </a:xfrm>
+          <a:custGeom>
+            <a:avLst/>
+            <a:gdLst/>
+            <a:ahLst/>
+            <a:cxnLst/>
+            <a:rect l="l" t="t" r="r" b="b"/>
+            <a:pathLst>
+              <a:path w="19685" h="20104100">
+                <a:moveTo>
+                  <a:pt x="0" y="20104099"/>
+                </a:moveTo>
+                <a:lnTo>
+                  <a:pt x="19146" y="20104099"/>
+                </a:lnTo>
+                <a:lnTo>
+                  <a:pt x="19146" y="0"/>
+                </a:lnTo>
+                <a:lnTo>
+                  <a:pt x="0" y="0"/>
+                </a:lnTo>
+                <a:lnTo>
+                  <a:pt x="0" y="20104099"/>
+                </a:lnTo>
+                <a:close/>
+              </a:path>
+            </a:pathLst>
+          </a:custGeom>
+          <a:solidFill>
+            <a:srgbClr val="F9F9F9"/>
+          </a:solidFill>
+        </p:spPr>
+        <p:txBody>
+          <a:bodyPr wrap="square" lIns="0" tIns="0" rIns="0" bIns="0" rtlCol="0"/>
+          <a:lstStyle/>
+          <a:p/>
+        </p:txBody>
+      </p:sp>
       <p:grpSp>
         <p:nvGrpSpPr>
-          <p:cNvPr id="2" name="object 2"/>
+          <p:cNvPr id="4" name="object 4"/>
           <p:cNvGrpSpPr/>
           <p:nvPr/>
         </p:nvGrpSpPr>
         <p:grpSpPr>
           <a:xfrm>
-            <a:off x="19146" y="0"/>
-            <a:ext cx="13766800" cy="20104100"/>
-            <a:chOff x="19146" y="0"/>
-            <a:chExt cx="13766800" cy="20104100"/>
+            <a:off x="19146" y="1"/>
+            <a:ext cx="1302385" cy="20104100"/>
+            <a:chOff x="19146" y="1"/>
+            <a:chExt cx="1302385" cy="20104100"/>
           </a:xfrm>
         </p:grpSpPr>
+        <p:sp>
+          <p:nvSpPr>
+            <p:cNvPr id="5" name="object 5"/>
+            <p:cNvSpPr/>
+            <p:nvPr/>
+          </p:nvSpPr>
+          <p:spPr>
+            <a:xfrm>
+              <a:off x="19146" y="1"/>
+              <a:ext cx="1302385" cy="20104100"/>
+            </a:xfrm>
+            <a:custGeom>
+              <a:avLst/>
+              <a:gdLst/>
+              <a:ahLst/>
+              <a:cxnLst/>
+              <a:rect l="l" t="t" r="r" b="b"/>
+              <a:pathLst>
+                <a:path w="1302385" h="20104100">
+                  <a:moveTo>
+                    <a:pt x="0" y="0"/>
+                  </a:moveTo>
+                  <a:lnTo>
+                    <a:pt x="1301979" y="0"/>
+                  </a:lnTo>
+                  <a:lnTo>
+                    <a:pt x="1301979" y="20104098"/>
+                  </a:lnTo>
+                  <a:lnTo>
+                    <a:pt x="0" y="20104098"/>
+                  </a:lnTo>
+                  <a:lnTo>
+                    <a:pt x="0" y="0"/>
+                  </a:lnTo>
+                  <a:close/>
+                </a:path>
+              </a:pathLst>
+            </a:custGeom>
+            <a:solidFill>
+              <a:srgbClr val="111111"/>
+            </a:solidFill>
+          </p:spPr>
+          <p:txBody>
+            <a:bodyPr wrap="square" lIns="0" tIns="0" rIns="0" bIns="0" rtlCol="0"/>
+            <a:lstStyle/>
+            <a:p/>
+          </p:txBody>
+        </p:sp>
         <p:pic>
           <p:nvPicPr>
-            <p:cNvPr id="3" name="object 3"/>
+            <p:cNvPr id="6" name="object 6"/>
             <p:cNvPicPr/>
             <p:nvPr/>
           </p:nvPicPr>
@@ -32186,9 +33489,24 @@
             </a:prstGeom>
           </p:spPr>
         </p:pic>
+      </p:grpSp>
+      <p:grpSp>
+        <p:nvGrpSpPr>
+          <p:cNvPr id="7" name="object 7"/>
+          <p:cNvGrpSpPr/>
+          <p:nvPr/>
+        </p:nvGrpSpPr>
+        <p:grpSpPr>
+          <a:xfrm>
+            <a:off x="1611333" y="1708957"/>
+            <a:ext cx="1343025" cy="363855"/>
+            <a:chOff x="1611333" y="1708957"/>
+            <a:chExt cx="1343025" cy="363855"/>
+          </a:xfrm>
+        </p:grpSpPr>
         <p:pic>
           <p:nvPicPr>
-            <p:cNvPr id="4" name="object 4"/>
+            <p:cNvPr id="8" name="object 8"/>
             <p:cNvPicPr/>
             <p:nvPr/>
           </p:nvPicPr>
@@ -32210,7 +33528,7 @@
         </p:pic>
         <p:sp>
           <p:nvSpPr>
-            <p:cNvPr id="5" name="object 5"/>
+            <p:cNvPr id="9" name="object 9"/>
             <p:cNvSpPr/>
             <p:nvPr/>
           </p:nvSpPr>
@@ -33159,14 +34477,27 @@
           <p:txBody>
             <a:bodyPr wrap="square" lIns="0" tIns="0" rIns="0" bIns="0" rtlCol="0"/>
             <a:lstStyle/>
-            <a:p>
-              <a:endParaRPr/>
-            </a:p>
+            <a:p/>
           </p:txBody>
         </p:sp>
+      </p:grpSp>
+      <p:grpSp>
+        <p:nvGrpSpPr>
+          <p:cNvPr id="10" name="object 10"/>
+          <p:cNvGrpSpPr/>
+          <p:nvPr/>
+        </p:nvGrpSpPr>
+        <p:grpSpPr>
+          <a:xfrm>
+            <a:off x="3120922" y="1570034"/>
+            <a:ext cx="478790" cy="555625"/>
+            <a:chOff x="3120922" y="1570034"/>
+            <a:chExt cx="478790" cy="555625"/>
+          </a:xfrm>
+        </p:grpSpPr>
         <p:sp>
           <p:nvSpPr>
-            <p:cNvPr id="6" name="object 6"/>
+            <p:cNvPr id="11" name="object 11"/>
             <p:cNvSpPr/>
             <p:nvPr/>
           </p:nvSpPr>
@@ -33305,14 +34636,12 @@
           <p:txBody>
             <a:bodyPr wrap="square" lIns="0" tIns="0" rIns="0" bIns="0" rtlCol="0"/>
             <a:lstStyle/>
-            <a:p>
-              <a:endParaRPr/>
-            </a:p>
+            <a:p/>
           </p:txBody>
         </p:sp>
         <p:sp>
           <p:nvSpPr>
-            <p:cNvPr id="7" name="object 7"/>
+            <p:cNvPr id="12" name="object 12"/>
             <p:cNvSpPr/>
             <p:nvPr/>
           </p:nvSpPr>
@@ -33427,14 +34756,27 @@
           <p:txBody>
             <a:bodyPr wrap="square" lIns="0" tIns="0" rIns="0" bIns="0" rtlCol="0"/>
             <a:lstStyle/>
-            <a:p>
-              <a:endParaRPr/>
-            </a:p>
+            <a:p/>
           </p:txBody>
         </p:sp>
+      </p:grpSp>
+      <p:grpSp>
+        <p:nvGrpSpPr>
+          <p:cNvPr id="13" name="object 13"/>
+          <p:cNvGrpSpPr/>
+          <p:nvPr/>
+        </p:nvGrpSpPr>
+        <p:grpSpPr>
+          <a:xfrm>
+            <a:off x="823310" y="1914676"/>
+            <a:ext cx="12962890" cy="18027015"/>
+            <a:chOff x="823310" y="1914676"/>
+            <a:chExt cx="12962890" cy="18027015"/>
+          </a:xfrm>
+        </p:grpSpPr>
         <p:sp>
           <p:nvSpPr>
-            <p:cNvPr id="8" name="object 8"/>
+            <p:cNvPr id="14" name="object 14"/>
             <p:cNvSpPr/>
             <p:nvPr/>
           </p:nvSpPr>
@@ -33573,20 +34915,18 @@
           <p:txBody>
             <a:bodyPr wrap="square" lIns="0" tIns="0" rIns="0" bIns="0" rtlCol="0"/>
             <a:lstStyle/>
-            <a:p>
-              <a:endParaRPr/>
-            </a:p>
+            <a:p/>
           </p:txBody>
         </p:sp>
         <p:sp>
           <p:nvSpPr>
-            <p:cNvPr id="9" name="object 9"/>
+            <p:cNvPr id="15" name="object 15"/>
             <p:cNvSpPr/>
             <p:nvPr/>
           </p:nvSpPr>
           <p:spPr>
             <a:xfrm>
-              <a:off x="970759" y="2053599"/>
+              <a:off x="970759" y="2053598"/>
               <a:ext cx="175895" cy="282575"/>
             </a:xfrm>
             <a:custGeom>
@@ -33695,14 +35035,12 @@
           <p:txBody>
             <a:bodyPr wrap="square" lIns="0" tIns="0" rIns="0" bIns="0" rtlCol="0"/>
             <a:lstStyle/>
-            <a:p>
-              <a:endParaRPr/>
-            </a:p>
+            <a:p/>
           </p:txBody>
         </p:sp>
         <p:sp>
           <p:nvSpPr>
-            <p:cNvPr id="10" name="object 10"/>
+            <p:cNvPr id="16" name="object 16"/>
             <p:cNvSpPr/>
             <p:nvPr/>
           </p:nvSpPr>
@@ -33745,14 +35083,12 @@
           <p:txBody>
             <a:bodyPr wrap="square" lIns="0" tIns="0" rIns="0" bIns="0" rtlCol="0"/>
             <a:lstStyle/>
-            <a:p>
-              <a:endParaRPr/>
-            </a:p>
+            <a:p/>
           </p:txBody>
         </p:sp>
         <p:sp>
           <p:nvSpPr>
-            <p:cNvPr id="11" name="object 11"/>
+            <p:cNvPr id="17" name="object 17"/>
             <p:cNvSpPr/>
             <p:nvPr/>
           </p:nvSpPr>
@@ -34203,14 +35539,12 @@
           <p:txBody>
             <a:bodyPr wrap="square" lIns="0" tIns="0" rIns="0" bIns="0" rtlCol="0"/>
             <a:lstStyle/>
-            <a:p>
-              <a:endParaRPr/>
-            </a:p>
+            <a:p/>
           </p:txBody>
         </p:sp>
         <p:pic>
           <p:nvPicPr>
-            <p:cNvPr id="12" name="object 12"/>
+            <p:cNvPr id="18" name="object 18"/>
             <p:cNvPicPr/>
             <p:nvPr/>
           </p:nvPicPr>
@@ -34232,7 +35566,7 @@
         </p:pic>
         <p:pic>
           <p:nvPicPr>
-            <p:cNvPr id="13" name="object 13"/>
+            <p:cNvPr id="19" name="object 19"/>
             <p:cNvPicPr/>
             <p:nvPr/>
           </p:nvPicPr>
@@ -34244,7 +35578,7 @@
           </p:blipFill>
           <p:spPr>
             <a:xfrm>
-              <a:off x="3161661" y="3597360"/>
+              <a:off x="3161661" y="3597361"/>
               <a:ext cx="7618272" cy="248146"/>
             </a:xfrm>
             <a:prstGeom prst="rect">
@@ -34254,13 +35588,13 @@
         </p:pic>
         <p:sp>
           <p:nvSpPr>
-            <p:cNvPr id="14" name="object 14"/>
+            <p:cNvPr id="20" name="object 20"/>
             <p:cNvSpPr/>
             <p:nvPr/>
           </p:nvSpPr>
           <p:spPr>
             <a:xfrm>
-              <a:off x="10980667" y="3436843"/>
+              <a:off x="10980668" y="3436843"/>
               <a:ext cx="1627505" cy="402590"/>
             </a:xfrm>
             <a:custGeom>
@@ -34297,14 +35631,12 @@
           <p:txBody>
             <a:bodyPr wrap="square" lIns="0" tIns="0" rIns="0" bIns="0" rtlCol="0"/>
             <a:lstStyle/>
-            <a:p>
-              <a:endParaRPr/>
-            </a:p>
+            <a:p/>
           </p:txBody>
         </p:sp>
         <p:pic>
           <p:nvPicPr>
-            <p:cNvPr id="15" name="object 15"/>
+            <p:cNvPr id="21" name="object 21"/>
             <p:cNvPicPr/>
             <p:nvPr/>
           </p:nvPicPr>
@@ -34326,13 +35658,13 @@
         </p:pic>
         <p:sp>
           <p:nvSpPr>
-            <p:cNvPr id="16" name="object 16"/>
+            <p:cNvPr id="22" name="object 22"/>
             <p:cNvSpPr/>
             <p:nvPr/>
           </p:nvSpPr>
           <p:spPr>
             <a:xfrm>
-              <a:off x="10980667" y="4145274"/>
+              <a:off x="10980668" y="4145273"/>
               <a:ext cx="1627505" cy="402590"/>
             </a:xfrm>
             <a:custGeom>
@@ -34369,14 +35701,12 @@
           <p:txBody>
             <a:bodyPr wrap="square" lIns="0" tIns="0" rIns="0" bIns="0" rtlCol="0"/>
             <a:lstStyle/>
-            <a:p>
-              <a:endParaRPr/>
-            </a:p>
+            <a:p/>
           </p:txBody>
         </p:sp>
         <p:sp>
           <p:nvSpPr>
-            <p:cNvPr id="17" name="object 17"/>
+            <p:cNvPr id="23" name="object 23"/>
             <p:cNvSpPr/>
             <p:nvPr/>
           </p:nvSpPr>
@@ -36153,14 +37483,27 @@
           <p:txBody>
             <a:bodyPr wrap="square" lIns="0" tIns="0" rIns="0" bIns="0" rtlCol="0"/>
             <a:lstStyle/>
-            <a:p>
-              <a:endParaRPr/>
-            </a:p>
+            <a:p/>
           </p:txBody>
         </p:sp>
+      </p:grpSp>
+      <p:grpSp>
+        <p:nvGrpSpPr>
+          <p:cNvPr id="24" name="object 24"/>
+          <p:cNvGrpSpPr/>
+          <p:nvPr/>
+        </p:nvGrpSpPr>
+        <p:grpSpPr>
+          <a:xfrm>
+            <a:off x="1340273" y="727576"/>
+            <a:ext cx="9841865" cy="536575"/>
+            <a:chOff x="1340273" y="727576"/>
+            <a:chExt cx="9841865" cy="536575"/>
+          </a:xfrm>
+        </p:grpSpPr>
         <p:sp>
           <p:nvSpPr>
-            <p:cNvPr id="18" name="object 18"/>
+            <p:cNvPr id="25" name="object 25"/>
             <p:cNvSpPr/>
             <p:nvPr/>
           </p:nvSpPr>
@@ -36205,14 +37548,12 @@
           <p:txBody>
             <a:bodyPr wrap="square" lIns="0" tIns="0" rIns="0" bIns="0" rtlCol="0"/>
             <a:lstStyle/>
-            <a:p>
-              <a:endParaRPr/>
-            </a:p>
+            <a:p/>
           </p:txBody>
         </p:sp>
         <p:sp>
           <p:nvSpPr>
-            <p:cNvPr id="19" name="object 19"/>
+            <p:cNvPr id="26" name="object 26"/>
             <p:cNvSpPr/>
             <p:nvPr/>
           </p:nvSpPr>
@@ -36696,20 +38037,33 @@
           <p:txBody>
             <a:bodyPr wrap="square" lIns="0" tIns="0" rIns="0" bIns="0" rtlCol="0"/>
             <a:lstStyle/>
-            <a:p>
-              <a:endParaRPr/>
-            </a:p>
+            <a:p/>
           </p:txBody>
         </p:sp>
+      </p:grpSp>
+      <p:grpSp>
+        <p:nvGrpSpPr>
+          <p:cNvPr id="27" name="object 27"/>
+          <p:cNvGrpSpPr/>
+          <p:nvPr/>
+        </p:nvGrpSpPr>
+        <p:grpSpPr>
+          <a:xfrm>
+            <a:off x="11267869" y="785017"/>
+            <a:ext cx="2518410" cy="478790"/>
+            <a:chOff x="11267869" y="785017"/>
+            <a:chExt cx="2518410" cy="478790"/>
+          </a:xfrm>
+        </p:grpSpPr>
         <p:sp>
           <p:nvSpPr>
-            <p:cNvPr id="20" name="object 20"/>
+            <p:cNvPr id="28" name="object 28"/>
             <p:cNvSpPr/>
             <p:nvPr/>
           </p:nvSpPr>
           <p:spPr>
             <a:xfrm>
-              <a:off x="11267868" y="785018"/>
+              <a:off x="11267869" y="785017"/>
               <a:ext cx="2518410" cy="478790"/>
             </a:xfrm>
             <a:custGeom>
@@ -36746,14 +38100,12 @@
           <p:txBody>
             <a:bodyPr wrap="square" lIns="0" tIns="0" rIns="0" bIns="0" rtlCol="0"/>
             <a:lstStyle/>
-            <a:p>
-              <a:endParaRPr/>
-            </a:p>
+            <a:p/>
           </p:txBody>
         </p:sp>
         <p:sp>
           <p:nvSpPr>
-            <p:cNvPr id="21" name="object 21"/>
+            <p:cNvPr id="29" name="object 29"/>
             <p:cNvSpPr/>
             <p:nvPr/>
           </p:nvSpPr>
@@ -37324,56 +38676,54 @@
           <p:txBody>
             <a:bodyPr wrap="square" lIns="0" tIns="0" rIns="0" bIns="0" rtlCol="0"/>
             <a:lstStyle/>
-            <a:p>
-              <a:endParaRPr/>
-            </a:p>
+            <a:p/>
           </p:txBody>
         </p:sp>
-        <p:pic>
-          <p:nvPicPr>
-            <p:cNvPr id="22" name="object 22"/>
-            <p:cNvPicPr/>
-            <p:nvPr/>
-          </p:nvPicPr>
-          <p:blipFill>
-            <a:blip r:embed="rId7" cstate="print"/>
-            <a:stretch>
-              <a:fillRect/>
-            </a:stretch>
-          </p:blipFill>
-          <p:spPr>
-            <a:xfrm>
-              <a:off x="258481" y="18266010"/>
-              <a:ext cx="823310" cy="832884"/>
-            </a:xfrm>
-            <a:prstGeom prst="rect">
-              <a:avLst/>
-            </a:prstGeom>
-          </p:spPr>
-        </p:pic>
-        <p:pic>
-          <p:nvPicPr>
-            <p:cNvPr id="23" name="object 23"/>
-            <p:cNvPicPr/>
-            <p:nvPr/>
-          </p:nvPicPr>
-          <p:blipFill>
-            <a:blip r:embed="rId8" cstate="print"/>
-            <a:stretch>
-              <a:fillRect/>
-            </a:stretch>
-          </p:blipFill>
-          <p:spPr>
-            <a:xfrm>
-              <a:off x="335068" y="220187"/>
-              <a:ext cx="660563" cy="880751"/>
-            </a:xfrm>
-            <a:prstGeom prst="rect">
-              <a:avLst/>
-            </a:prstGeom>
-          </p:spPr>
-        </p:pic>
       </p:grpSp>
+      <p:pic>
+        <p:nvPicPr>
+          <p:cNvPr id="30" name="object 30"/>
+          <p:cNvPicPr/>
+          <p:nvPr/>
+        </p:nvPicPr>
+        <p:blipFill>
+          <a:blip r:embed="rId7" cstate="print"/>
+          <a:stretch>
+            <a:fillRect/>
+          </a:stretch>
+        </p:blipFill>
+        <p:spPr>
+          <a:xfrm>
+            <a:off x="258481" y="18266010"/>
+            <a:ext cx="823310" cy="832884"/>
+          </a:xfrm>
+          <a:prstGeom prst="rect">
+            <a:avLst/>
+          </a:prstGeom>
+        </p:spPr>
+      </p:pic>
+      <p:pic>
+        <p:nvPicPr>
+          <p:cNvPr id="31" name="object 31"/>
+          <p:cNvPicPr/>
+          <p:nvPr/>
+        </p:nvPicPr>
+        <p:blipFill>
+          <a:blip r:embed="rId8" cstate="print"/>
+          <a:stretch>
+            <a:fillRect/>
+          </a:stretch>
+        </p:blipFill>
+        <p:spPr>
+          <a:xfrm>
+            <a:off x="335068" y="220187"/>
+            <a:ext cx="660563" cy="880751"/>
+          </a:xfrm>
+          <a:prstGeom prst="rect">
+            <a:avLst/>
+          </a:prstGeom>
+        </p:spPr>
+      </p:pic>
     </p:spTree>
   </p:cSld>
   <p:clrMapOvr>
@@ -37444,9 +38794,7 @@
         <p:txBody>
           <a:bodyPr wrap="square" lIns="0" tIns="0" rIns="0" bIns="0" rtlCol="0"/>
           <a:lstStyle/>
-          <a:p>
-            <a:endParaRPr/>
-          </a:p>
+          <a:p/>
         </p:txBody>
       </p:sp>
       <p:pic>
@@ -37530,9 +38878,7 @@
           <p:txBody>
             <a:bodyPr wrap="square" lIns="0" tIns="0" rIns="0" bIns="0" rtlCol="0"/>
             <a:lstStyle/>
-            <a:p>
-              <a:endParaRPr/>
-            </a:p>
+            <a:p/>
           </p:txBody>
         </p:sp>
         <p:pic>
@@ -38783,9 +40129,7 @@
           <p:txBody>
             <a:bodyPr wrap="square" lIns="0" tIns="0" rIns="0" bIns="0" rtlCol="0"/>
             <a:lstStyle/>
-            <a:p>
-              <a:endParaRPr/>
-            </a:p>
+            <a:p/>
           </p:txBody>
         </p:sp>
         <p:pic>
@@ -39227,9 +40571,7 @@
           <p:txBody>
             <a:bodyPr wrap="square" lIns="0" tIns="0" rIns="0" bIns="0" rtlCol="0"/>
             <a:lstStyle/>
-            <a:p>
-              <a:endParaRPr/>
-            </a:p>
+            <a:p/>
           </p:txBody>
         </p:sp>
         <p:pic>
@@ -39361,9 +40703,7 @@
           <p:txBody>
             <a:bodyPr wrap="square" lIns="0" tIns="0" rIns="0" bIns="0" rtlCol="0"/>
             <a:lstStyle/>
-            <a:p>
-              <a:endParaRPr/>
-            </a:p>
+            <a:p/>
           </p:txBody>
         </p:sp>
         <p:sp>
@@ -40227,9 +41567,7 @@
           <p:txBody>
             <a:bodyPr wrap="square" lIns="0" tIns="0" rIns="0" bIns="0" rtlCol="0"/>
             <a:lstStyle/>
-            <a:p>
-              <a:endParaRPr/>
-            </a:p>
+            <a:p/>
           </p:txBody>
         </p:sp>
         <p:sp>
@@ -40277,9 +41615,7 @@
           <p:txBody>
             <a:bodyPr wrap="square" lIns="0" tIns="0" rIns="0" bIns="0" rtlCol="0"/>
             <a:lstStyle/>
-            <a:p>
-              <a:endParaRPr/>
-            </a:p>
+            <a:p/>
           </p:txBody>
         </p:sp>
         <p:sp>
@@ -40327,9 +41663,7 @@
           <p:txBody>
             <a:bodyPr wrap="square" lIns="0" tIns="0" rIns="0" bIns="0" rtlCol="0"/>
             <a:lstStyle/>
-            <a:p>
-              <a:endParaRPr/>
-            </a:p>
+            <a:p/>
           </p:txBody>
         </p:sp>
         <p:sp>
@@ -40377,9 +41711,7 @@
           <p:txBody>
             <a:bodyPr wrap="square" lIns="0" tIns="0" rIns="0" bIns="0" rtlCol="0"/>
             <a:lstStyle/>
-            <a:p>
-              <a:endParaRPr/>
-            </a:p>
+            <a:p/>
           </p:txBody>
         </p:sp>
         <p:pic>
@@ -40458,7 +41790,7 @@
 </file>
 
 <file path=ppt/slides/slide6.xml><?xml version="1.0" encoding="utf-8"?>
-<p:sld xmlns:a="http://schemas.openxmlformats.org/drawingml/2006/main" xmlns:r="http://schemas.openxmlformats.org/officeDocument/2006/relationships" xmlns:p="http://schemas.openxmlformats.org/presentationml/2006/main">
+<p:sld xmlns:a="http://schemas.openxmlformats.org/drawingml/2006/main" xmlns:r="http://schemas.openxmlformats.org/officeDocument/2006/relationships" xmlns:p="http://schemas.openxmlformats.org/presentationml/2006/main" showMasterSp="0">
   <p:cSld>
     <p:spTree>
       <p:nvGrpSpPr>
@@ -40474,23 +41806,167 @@
           <a:chExt cx="0" cy="0"/>
         </a:xfrm>
       </p:grpSpPr>
+      <p:sp>
+        <p:nvSpPr>
+          <p:cNvPr id="2" name="object 2"/>
+          <p:cNvSpPr/>
+          <p:nvPr/>
+        </p:nvSpPr>
+        <p:spPr>
+          <a:xfrm>
+            <a:off x="1321126" y="0"/>
+            <a:ext cx="12465050" cy="20104100"/>
+          </a:xfrm>
+          <a:custGeom>
+            <a:avLst/>
+            <a:gdLst/>
+            <a:ahLst/>
+            <a:cxnLst/>
+            <a:rect l="l" t="t" r="r" b="b"/>
+            <a:pathLst>
+              <a:path w="12465050" h="20104100">
+                <a:moveTo>
+                  <a:pt x="0" y="20104099"/>
+                </a:moveTo>
+                <a:lnTo>
+                  <a:pt x="12464541" y="20104099"/>
+                </a:lnTo>
+                <a:lnTo>
+                  <a:pt x="12464541" y="0"/>
+                </a:lnTo>
+                <a:lnTo>
+                  <a:pt x="0" y="0"/>
+                </a:lnTo>
+                <a:lnTo>
+                  <a:pt x="0" y="20104099"/>
+                </a:lnTo>
+                <a:close/>
+              </a:path>
+            </a:pathLst>
+          </a:custGeom>
+          <a:solidFill>
+            <a:srgbClr val="F9F9F9"/>
+          </a:solidFill>
+        </p:spPr>
+        <p:txBody>
+          <a:bodyPr wrap="square" lIns="0" tIns="0" rIns="0" bIns="0" rtlCol="0"/>
+          <a:lstStyle/>
+          <a:p/>
+        </p:txBody>
+      </p:sp>
+      <p:sp>
+        <p:nvSpPr>
+          <p:cNvPr id="3" name="object 3"/>
+          <p:cNvSpPr/>
+          <p:nvPr/>
+        </p:nvSpPr>
+        <p:spPr>
+          <a:xfrm>
+            <a:off x="0" y="0"/>
+            <a:ext cx="19685" cy="20104100"/>
+          </a:xfrm>
+          <a:custGeom>
+            <a:avLst/>
+            <a:gdLst/>
+            <a:ahLst/>
+            <a:cxnLst/>
+            <a:rect l="l" t="t" r="r" b="b"/>
+            <a:pathLst>
+              <a:path w="19685" h="20104100">
+                <a:moveTo>
+                  <a:pt x="0" y="20104099"/>
+                </a:moveTo>
+                <a:lnTo>
+                  <a:pt x="19146" y="20104099"/>
+                </a:lnTo>
+                <a:lnTo>
+                  <a:pt x="19146" y="0"/>
+                </a:lnTo>
+                <a:lnTo>
+                  <a:pt x="0" y="0"/>
+                </a:lnTo>
+                <a:lnTo>
+                  <a:pt x="0" y="20104099"/>
+                </a:lnTo>
+                <a:close/>
+              </a:path>
+            </a:pathLst>
+          </a:custGeom>
+          <a:solidFill>
+            <a:srgbClr val="F9F9F9"/>
+          </a:solidFill>
+        </p:spPr>
+        <p:txBody>
+          <a:bodyPr wrap="square" lIns="0" tIns="0" rIns="0" bIns="0" rtlCol="0"/>
+          <a:lstStyle/>
+          <a:p/>
+        </p:txBody>
+      </p:sp>
       <p:grpSp>
         <p:nvGrpSpPr>
-          <p:cNvPr id="2" name="object 2"/>
+          <p:cNvPr id="4" name="object 4"/>
           <p:cNvGrpSpPr/>
           <p:nvPr/>
         </p:nvGrpSpPr>
         <p:grpSpPr>
           <a:xfrm>
-            <a:off x="19146" y="0"/>
-            <a:ext cx="13766800" cy="20104100"/>
-            <a:chOff x="19146" y="0"/>
-            <a:chExt cx="13766800" cy="20104100"/>
+            <a:off x="19146" y="1"/>
+            <a:ext cx="1302385" cy="20104100"/>
+            <a:chOff x="19146" y="1"/>
+            <a:chExt cx="1302385" cy="20104100"/>
           </a:xfrm>
         </p:grpSpPr>
+        <p:sp>
+          <p:nvSpPr>
+            <p:cNvPr id="5" name="object 5"/>
+            <p:cNvSpPr/>
+            <p:nvPr/>
+          </p:nvSpPr>
+          <p:spPr>
+            <a:xfrm>
+              <a:off x="19146" y="1"/>
+              <a:ext cx="1302385" cy="20104100"/>
+            </a:xfrm>
+            <a:custGeom>
+              <a:avLst/>
+              <a:gdLst/>
+              <a:ahLst/>
+              <a:cxnLst/>
+              <a:rect l="l" t="t" r="r" b="b"/>
+              <a:pathLst>
+                <a:path w="1302385" h="20104100">
+                  <a:moveTo>
+                    <a:pt x="0" y="0"/>
+                  </a:moveTo>
+                  <a:lnTo>
+                    <a:pt x="1301979" y="0"/>
+                  </a:lnTo>
+                  <a:lnTo>
+                    <a:pt x="1301979" y="20104098"/>
+                  </a:lnTo>
+                  <a:lnTo>
+                    <a:pt x="0" y="20104098"/>
+                  </a:lnTo>
+                  <a:lnTo>
+                    <a:pt x="0" y="0"/>
+                  </a:lnTo>
+                  <a:close/>
+                </a:path>
+              </a:pathLst>
+            </a:custGeom>
+            <a:solidFill>
+              <a:srgbClr val="111111"/>
+            </a:solidFill>
+          </p:spPr>
+          <p:txBody>
+            <a:bodyPr wrap="square" lIns="0" tIns="0" rIns="0" bIns="0" rtlCol="0"/>
+            <a:lstStyle/>
+            <a:p/>
+          </p:txBody>
+        </p:sp>
         <p:pic>
           <p:nvPicPr>
-            <p:cNvPr id="3" name="object 3"/>
+            <p:cNvPr id="6" name="object 6"/>
             <p:cNvPicPr/>
             <p:nvPr/>
           </p:nvPicPr>
@@ -40512,7 +41988,7 @@
         </p:pic>
         <p:pic>
           <p:nvPicPr>
-            <p:cNvPr id="4" name="object 4"/>
+            <p:cNvPr id="7" name="object 7"/>
             <p:cNvPicPr/>
             <p:nvPr/>
           </p:nvPicPr>
@@ -40534,7 +42010,7 @@
         </p:pic>
         <p:sp>
           <p:nvSpPr>
-            <p:cNvPr id="5" name="object 5"/>
+            <p:cNvPr id="8" name="object 8"/>
             <p:cNvSpPr/>
             <p:nvPr/>
           </p:nvSpPr>
@@ -40673,14 +42149,12 @@
           <p:txBody>
             <a:bodyPr wrap="square" lIns="0" tIns="0" rIns="0" bIns="0" rtlCol="0"/>
             <a:lstStyle/>
-            <a:p>
-              <a:endParaRPr/>
-            </a:p>
+            <a:p/>
           </p:txBody>
         </p:sp>
         <p:sp>
           <p:nvSpPr>
-            <p:cNvPr id="6" name="object 6"/>
+            <p:cNvPr id="9" name="object 9"/>
             <p:cNvSpPr/>
             <p:nvPr/>
           </p:nvSpPr>
@@ -40795,20 +42269,33 @@
           <p:txBody>
             <a:bodyPr wrap="square" lIns="0" tIns="0" rIns="0" bIns="0" rtlCol="0"/>
             <a:lstStyle/>
-            <a:p>
-              <a:endParaRPr/>
-            </a:p>
+            <a:p/>
           </p:txBody>
         </p:sp>
+      </p:grpSp>
+      <p:grpSp>
+        <p:nvGrpSpPr>
+          <p:cNvPr id="10" name="object 10"/>
+          <p:cNvGrpSpPr/>
+          <p:nvPr/>
+        </p:nvGrpSpPr>
+        <p:grpSpPr>
+          <a:xfrm>
+            <a:off x="1407286" y="1254112"/>
+            <a:ext cx="9841865" cy="536575"/>
+            <a:chOff x="1407286" y="1254112"/>
+            <a:chExt cx="9841865" cy="536575"/>
+          </a:xfrm>
+        </p:grpSpPr>
         <p:sp>
           <p:nvSpPr>
-            <p:cNvPr id="7" name="object 7"/>
+            <p:cNvPr id="11" name="object 11"/>
             <p:cNvSpPr/>
             <p:nvPr/>
           </p:nvSpPr>
           <p:spPr>
             <a:xfrm>
-              <a:off x="1407287" y="1254112"/>
+              <a:off x="1407286" y="1254112"/>
               <a:ext cx="9841865" cy="536575"/>
             </a:xfrm>
             <a:custGeom>
@@ -40847,14 +42334,12 @@
           <p:txBody>
             <a:bodyPr wrap="square" lIns="0" tIns="0" rIns="0" bIns="0" rtlCol="0"/>
             <a:lstStyle/>
-            <a:p>
-              <a:endParaRPr/>
-            </a:p>
+            <a:p/>
           </p:txBody>
         </p:sp>
         <p:sp>
           <p:nvSpPr>
-            <p:cNvPr id="8" name="object 8"/>
+            <p:cNvPr id="12" name="object 12"/>
             <p:cNvSpPr/>
             <p:nvPr/>
           </p:nvSpPr>
@@ -41338,20 +42823,33 @@
           <p:txBody>
             <a:bodyPr wrap="square" lIns="0" tIns="0" rIns="0" bIns="0" rtlCol="0"/>
             <a:lstStyle/>
-            <a:p>
-              <a:endParaRPr/>
-            </a:p>
+            <a:p/>
           </p:txBody>
         </p:sp>
+      </p:grpSp>
+      <p:grpSp>
+        <p:nvGrpSpPr>
+          <p:cNvPr id="13" name="object 13"/>
+          <p:cNvGrpSpPr/>
+          <p:nvPr/>
+        </p:nvGrpSpPr>
+        <p:grpSpPr>
+          <a:xfrm>
+            <a:off x="11334883" y="1311553"/>
+            <a:ext cx="2451100" cy="478790"/>
+            <a:chOff x="11334883" y="1311553"/>
+            <a:chExt cx="2451100" cy="478790"/>
+          </a:xfrm>
+        </p:grpSpPr>
         <p:sp>
           <p:nvSpPr>
-            <p:cNvPr id="9" name="object 9"/>
+            <p:cNvPr id="14" name="object 14"/>
             <p:cNvSpPr/>
             <p:nvPr/>
           </p:nvSpPr>
           <p:spPr>
             <a:xfrm>
-              <a:off x="11334882" y="1311552"/>
+              <a:off x="11334883" y="1311553"/>
               <a:ext cx="2451100" cy="478790"/>
             </a:xfrm>
             <a:custGeom>
@@ -41366,10 +42864,10 @@
                     <a:pt x="0" y="0"/>
                   </a:moveTo>
                   <a:lnTo>
-                    <a:pt x="2450785" y="0"/>
-                  </a:lnTo>
-                  <a:lnTo>
-                    <a:pt x="2450785" y="478669"/>
+                    <a:pt x="2450784" y="0"/>
+                  </a:lnTo>
+                  <a:lnTo>
+                    <a:pt x="2450784" y="478669"/>
                   </a:lnTo>
                   <a:lnTo>
                     <a:pt x="0" y="478669"/>
@@ -41388,20 +42886,18 @@
           <p:txBody>
             <a:bodyPr wrap="square" lIns="0" tIns="0" rIns="0" bIns="0" rtlCol="0"/>
             <a:lstStyle/>
-            <a:p>
-              <a:endParaRPr/>
-            </a:p>
+            <a:p/>
           </p:txBody>
         </p:sp>
         <p:sp>
           <p:nvSpPr>
-            <p:cNvPr id="10" name="object 10"/>
+            <p:cNvPr id="15" name="object 15"/>
             <p:cNvSpPr/>
             <p:nvPr/>
           </p:nvSpPr>
           <p:spPr>
             <a:xfrm>
-              <a:off x="12225193" y="1450802"/>
+              <a:off x="12225194" y="1450802"/>
               <a:ext cx="892175" cy="227965"/>
             </a:xfrm>
             <a:custGeom>
@@ -41966,290 +43462,312 @@
           <p:txBody>
             <a:bodyPr wrap="square" lIns="0" tIns="0" rIns="0" bIns="0" rtlCol="0"/>
             <a:lstStyle/>
-            <a:p>
-              <a:endParaRPr/>
-            </a:p>
+            <a:p/>
           </p:txBody>
         </p:sp>
-        <p:pic>
-          <p:nvPicPr>
-            <p:cNvPr id="11" name="object 11"/>
-            <p:cNvPicPr/>
-            <p:nvPr/>
-          </p:nvPicPr>
-          <p:blipFill>
-            <a:blip r:embed="rId4" cstate="print"/>
-            <a:stretch>
-              <a:fillRect/>
-            </a:stretch>
-          </p:blipFill>
-          <p:spPr>
-            <a:xfrm>
-              <a:off x="258481" y="18266010"/>
-              <a:ext cx="823310" cy="832884"/>
-            </a:xfrm>
-            <a:prstGeom prst="rect">
-              <a:avLst/>
-            </a:prstGeom>
-          </p:spPr>
-        </p:pic>
-        <p:sp>
-          <p:nvSpPr>
-            <p:cNvPr id="12" name="object 12"/>
-            <p:cNvSpPr/>
-            <p:nvPr/>
-          </p:nvSpPr>
-          <p:spPr>
-            <a:xfrm>
-              <a:off x="1560461" y="1943396"/>
-              <a:ext cx="1991360" cy="393065"/>
-            </a:xfrm>
-            <a:custGeom>
-              <a:avLst/>
-              <a:gdLst/>
-              <a:ahLst/>
-              <a:cxnLst/>
-              <a:rect l="l" t="t" r="r" b="b"/>
-              <a:pathLst>
-                <a:path w="1991360" h="393064">
-                  <a:moveTo>
-                    <a:pt x="1991263" y="0"/>
-                  </a:moveTo>
-                  <a:lnTo>
-                    <a:pt x="0" y="0"/>
-                  </a:lnTo>
-                  <a:lnTo>
-                    <a:pt x="0" y="392508"/>
-                  </a:lnTo>
-                  <a:lnTo>
-                    <a:pt x="1991263" y="392508"/>
-                  </a:lnTo>
-                  <a:lnTo>
-                    <a:pt x="1991263" y="0"/>
-                  </a:lnTo>
-                  <a:close/>
-                </a:path>
-              </a:pathLst>
-            </a:custGeom>
-            <a:solidFill>
-              <a:srgbClr val="D8D8D8"/>
-            </a:solidFill>
-          </p:spPr>
-          <p:txBody>
-            <a:bodyPr wrap="square" lIns="0" tIns="0" rIns="0" bIns="0" rtlCol="0"/>
-            <a:lstStyle/>
-            <a:p>
-              <a:endParaRPr/>
-            </a:p>
-          </p:txBody>
-        </p:sp>
-        <p:sp>
-          <p:nvSpPr>
-            <p:cNvPr id="13" name="object 13"/>
-            <p:cNvSpPr/>
-            <p:nvPr/>
-          </p:nvSpPr>
-          <p:spPr>
-            <a:xfrm>
-              <a:off x="7764012" y="1962543"/>
-              <a:ext cx="1991360" cy="393065"/>
-            </a:xfrm>
-            <a:custGeom>
-              <a:avLst/>
-              <a:gdLst/>
-              <a:ahLst/>
-              <a:cxnLst/>
-              <a:rect l="l" t="t" r="r" b="b"/>
-              <a:pathLst>
-                <a:path w="1991359" h="393064">
-                  <a:moveTo>
-                    <a:pt x="1991263" y="0"/>
-                  </a:moveTo>
-                  <a:lnTo>
-                    <a:pt x="0" y="0"/>
-                  </a:lnTo>
-                  <a:lnTo>
-                    <a:pt x="0" y="392508"/>
-                  </a:lnTo>
-                  <a:lnTo>
-                    <a:pt x="1991263" y="392508"/>
-                  </a:lnTo>
-                  <a:lnTo>
-                    <a:pt x="1991263" y="0"/>
-                  </a:lnTo>
-                  <a:close/>
-                </a:path>
-              </a:pathLst>
-            </a:custGeom>
-            <a:solidFill>
-              <a:srgbClr val="E0C345"/>
-            </a:solidFill>
-          </p:spPr>
-          <p:txBody>
-            <a:bodyPr wrap="square" lIns="0" tIns="0" rIns="0" bIns="0" rtlCol="0"/>
-            <a:lstStyle/>
-            <a:p>
-              <a:endParaRPr/>
-            </a:p>
-          </p:txBody>
-        </p:sp>
-        <p:sp>
-          <p:nvSpPr>
-            <p:cNvPr id="14" name="object 14"/>
-            <p:cNvSpPr/>
-            <p:nvPr/>
-          </p:nvSpPr>
-          <p:spPr>
-            <a:xfrm>
-              <a:off x="3628301" y="1943403"/>
-              <a:ext cx="4059554" cy="393065"/>
-            </a:xfrm>
-            <a:custGeom>
-              <a:avLst/>
-              <a:gdLst/>
-              <a:ahLst/>
-              <a:cxnLst/>
-              <a:rect l="l" t="t" r="r" b="b"/>
-              <a:pathLst>
-                <a:path w="4059554" h="393064">
-                  <a:moveTo>
-                    <a:pt x="1991271" y="0"/>
-                  </a:moveTo>
-                  <a:lnTo>
-                    <a:pt x="0" y="0"/>
-                  </a:lnTo>
-                  <a:lnTo>
-                    <a:pt x="0" y="392506"/>
-                  </a:lnTo>
-                  <a:lnTo>
-                    <a:pt x="1991271" y="392506"/>
-                  </a:lnTo>
-                  <a:lnTo>
-                    <a:pt x="1991271" y="0"/>
-                  </a:lnTo>
-                  <a:close/>
-                </a:path>
-                <a:path w="4059554" h="393064">
-                  <a:moveTo>
-                    <a:pt x="4059123" y="0"/>
-                  </a:moveTo>
-                  <a:lnTo>
-                    <a:pt x="2067852" y="0"/>
-                  </a:lnTo>
-                  <a:lnTo>
-                    <a:pt x="2067852" y="392506"/>
-                  </a:lnTo>
-                  <a:lnTo>
-                    <a:pt x="4059123" y="392506"/>
-                  </a:lnTo>
-                  <a:lnTo>
-                    <a:pt x="4059123" y="0"/>
-                  </a:lnTo>
-                  <a:close/>
-                </a:path>
-              </a:pathLst>
-            </a:custGeom>
-            <a:solidFill>
-              <a:srgbClr val="D8D8D8"/>
-            </a:solidFill>
-          </p:spPr>
-          <p:txBody>
-            <a:bodyPr wrap="square" lIns="0" tIns="0" rIns="0" bIns="0" rtlCol="0"/>
-            <a:lstStyle/>
-            <a:p>
-              <a:endParaRPr/>
-            </a:p>
-          </p:txBody>
-        </p:sp>
-        <p:pic>
-          <p:nvPicPr>
-            <p:cNvPr id="15" name="object 15"/>
-            <p:cNvPicPr/>
-            <p:nvPr/>
-          </p:nvPicPr>
-          <p:blipFill>
-            <a:blip r:embed="rId5" cstate="print"/>
-            <a:stretch>
-              <a:fillRect/>
-            </a:stretch>
-          </p:blipFill>
-          <p:spPr>
-            <a:xfrm>
-              <a:off x="2041278" y="2017372"/>
-              <a:ext cx="851187" cy="241945"/>
-            </a:xfrm>
-            <a:prstGeom prst="rect">
-              <a:avLst/>
-            </a:prstGeom>
-          </p:spPr>
-        </p:pic>
-        <p:pic>
-          <p:nvPicPr>
-            <p:cNvPr id="16" name="object 16"/>
-            <p:cNvPicPr/>
-            <p:nvPr/>
-          </p:nvPicPr>
-          <p:blipFill>
-            <a:blip r:embed="rId6" cstate="print"/>
-            <a:stretch>
-              <a:fillRect/>
-            </a:stretch>
-          </p:blipFill>
-          <p:spPr>
-            <a:xfrm>
-              <a:off x="3938834" y="2027591"/>
-              <a:ext cx="1366273" cy="245216"/>
-            </a:xfrm>
-            <a:prstGeom prst="rect">
-              <a:avLst/>
-            </a:prstGeom>
-          </p:spPr>
-        </p:pic>
-        <p:pic>
-          <p:nvPicPr>
-            <p:cNvPr id="17" name="object 17"/>
-            <p:cNvPicPr/>
-            <p:nvPr/>
-          </p:nvPicPr>
-          <p:blipFill>
-            <a:blip r:embed="rId7" cstate="print"/>
-            <a:stretch>
-              <a:fillRect/>
-            </a:stretch>
-          </p:blipFill>
-          <p:spPr>
-            <a:xfrm>
-              <a:off x="5925678" y="2008444"/>
-              <a:ext cx="1534079" cy="289166"/>
-            </a:xfrm>
-            <a:prstGeom prst="rect">
-              <a:avLst/>
-            </a:prstGeom>
-          </p:spPr>
-        </p:pic>
-        <p:pic>
-          <p:nvPicPr>
-            <p:cNvPr id="18" name="object 18"/>
-            <p:cNvPicPr/>
-            <p:nvPr/>
-          </p:nvPicPr>
-          <p:blipFill>
-            <a:blip r:embed="rId8" cstate="print"/>
-            <a:stretch>
-              <a:fillRect/>
-            </a:stretch>
-          </p:blipFill>
-          <p:spPr>
-            <a:xfrm>
-              <a:off x="8502712" y="2008444"/>
-              <a:ext cx="525284" cy="244781"/>
-            </a:xfrm>
-            <a:prstGeom prst="rect">
-              <a:avLst/>
-            </a:prstGeom>
-          </p:spPr>
-        </p:pic>
       </p:grpSp>
+      <p:pic>
+        <p:nvPicPr>
+          <p:cNvPr id="16" name="object 16"/>
+          <p:cNvPicPr/>
+          <p:nvPr/>
+        </p:nvPicPr>
+        <p:blipFill>
+          <a:blip r:embed="rId4" cstate="print"/>
+          <a:stretch>
+            <a:fillRect/>
+          </a:stretch>
+        </p:blipFill>
+        <p:spPr>
+          <a:xfrm>
+            <a:off x="258481" y="18266010"/>
+            <a:ext cx="823310" cy="832884"/>
+          </a:xfrm>
+          <a:prstGeom prst="rect">
+            <a:avLst/>
+          </a:prstGeom>
+        </p:spPr>
+      </p:pic>
+      <p:sp>
+        <p:nvSpPr>
+          <p:cNvPr id="17" name="object 17"/>
+          <p:cNvSpPr/>
+          <p:nvPr/>
+        </p:nvSpPr>
+        <p:spPr>
+          <a:xfrm>
+            <a:off x="1560461" y="1943396"/>
+            <a:ext cx="1991360" cy="393065"/>
+          </a:xfrm>
+          <a:custGeom>
+            <a:avLst/>
+            <a:gdLst/>
+            <a:ahLst/>
+            <a:cxnLst/>
+            <a:rect l="l" t="t" r="r" b="b"/>
+            <a:pathLst>
+              <a:path w="1991360" h="393064">
+                <a:moveTo>
+                  <a:pt x="1991263" y="0"/>
+                </a:moveTo>
+                <a:lnTo>
+                  <a:pt x="0" y="0"/>
+                </a:lnTo>
+                <a:lnTo>
+                  <a:pt x="0" y="392508"/>
+                </a:lnTo>
+                <a:lnTo>
+                  <a:pt x="1991263" y="392508"/>
+                </a:lnTo>
+                <a:lnTo>
+                  <a:pt x="1991263" y="0"/>
+                </a:lnTo>
+                <a:close/>
+              </a:path>
+            </a:pathLst>
+          </a:custGeom>
+          <a:solidFill>
+            <a:srgbClr val="D8D8D8"/>
+          </a:solidFill>
+        </p:spPr>
+        <p:txBody>
+          <a:bodyPr wrap="square" lIns="0" tIns="0" rIns="0" bIns="0" rtlCol="0"/>
+          <a:lstStyle/>
+          <a:p/>
+        </p:txBody>
+      </p:sp>
+      <p:sp>
+        <p:nvSpPr>
+          <p:cNvPr id="18" name="object 18"/>
+          <p:cNvSpPr/>
+          <p:nvPr/>
+        </p:nvSpPr>
+        <p:spPr>
+          <a:xfrm>
+            <a:off x="7764012" y="1962543"/>
+            <a:ext cx="1991360" cy="393065"/>
+          </a:xfrm>
+          <a:custGeom>
+            <a:avLst/>
+            <a:gdLst/>
+            <a:ahLst/>
+            <a:cxnLst/>
+            <a:rect l="l" t="t" r="r" b="b"/>
+            <a:pathLst>
+              <a:path w="1991359" h="393064">
+                <a:moveTo>
+                  <a:pt x="1991263" y="0"/>
+                </a:moveTo>
+                <a:lnTo>
+                  <a:pt x="0" y="0"/>
+                </a:lnTo>
+                <a:lnTo>
+                  <a:pt x="0" y="392508"/>
+                </a:lnTo>
+                <a:lnTo>
+                  <a:pt x="1991263" y="392508"/>
+                </a:lnTo>
+                <a:lnTo>
+                  <a:pt x="1991263" y="0"/>
+                </a:lnTo>
+                <a:close/>
+              </a:path>
+            </a:pathLst>
+          </a:custGeom>
+          <a:solidFill>
+            <a:srgbClr val="E0C345"/>
+          </a:solidFill>
+        </p:spPr>
+        <p:txBody>
+          <a:bodyPr wrap="square" lIns="0" tIns="0" rIns="0" bIns="0" rtlCol="0"/>
+          <a:lstStyle/>
+          <a:p/>
+        </p:txBody>
+      </p:sp>
+      <p:sp>
+        <p:nvSpPr>
+          <p:cNvPr id="19" name="object 19"/>
+          <p:cNvSpPr/>
+          <p:nvPr/>
+        </p:nvSpPr>
+        <p:spPr>
+          <a:xfrm>
+            <a:off x="5696161" y="1943396"/>
+            <a:ext cx="1991360" cy="393065"/>
+          </a:xfrm>
+          <a:custGeom>
+            <a:avLst/>
+            <a:gdLst/>
+            <a:ahLst/>
+            <a:cxnLst/>
+            <a:rect l="l" t="t" r="r" b="b"/>
+            <a:pathLst>
+              <a:path w="1991359" h="393064">
+                <a:moveTo>
+                  <a:pt x="1991263" y="0"/>
+                </a:moveTo>
+                <a:lnTo>
+                  <a:pt x="0" y="0"/>
+                </a:lnTo>
+                <a:lnTo>
+                  <a:pt x="0" y="392508"/>
+                </a:lnTo>
+                <a:lnTo>
+                  <a:pt x="1991263" y="392508"/>
+                </a:lnTo>
+                <a:lnTo>
+                  <a:pt x="1991263" y="0"/>
+                </a:lnTo>
+                <a:close/>
+              </a:path>
+            </a:pathLst>
+          </a:custGeom>
+          <a:solidFill>
+            <a:srgbClr val="D8D8D8"/>
+          </a:solidFill>
+        </p:spPr>
+        <p:txBody>
+          <a:bodyPr wrap="square" lIns="0" tIns="0" rIns="0" bIns="0" rtlCol="0"/>
+          <a:lstStyle/>
+          <a:p/>
+        </p:txBody>
+      </p:sp>
+      <p:sp>
+        <p:nvSpPr>
+          <p:cNvPr id="20" name="object 20"/>
+          <p:cNvSpPr/>
+          <p:nvPr/>
+        </p:nvSpPr>
+        <p:spPr>
+          <a:xfrm>
+            <a:off x="3628311" y="1943396"/>
+            <a:ext cx="1991360" cy="393065"/>
+          </a:xfrm>
+          <a:custGeom>
+            <a:avLst/>
+            <a:gdLst/>
+            <a:ahLst/>
+            <a:cxnLst/>
+            <a:rect l="l" t="t" r="r" b="b"/>
+            <a:pathLst>
+              <a:path w="1991360" h="393064">
+                <a:moveTo>
+                  <a:pt x="1991263" y="0"/>
+                </a:moveTo>
+                <a:lnTo>
+                  <a:pt x="0" y="0"/>
+                </a:lnTo>
+                <a:lnTo>
+                  <a:pt x="0" y="392508"/>
+                </a:lnTo>
+                <a:lnTo>
+                  <a:pt x="1991263" y="392508"/>
+                </a:lnTo>
+                <a:lnTo>
+                  <a:pt x="1991263" y="0"/>
+                </a:lnTo>
+                <a:close/>
+              </a:path>
+            </a:pathLst>
+          </a:custGeom>
+          <a:solidFill>
+            <a:srgbClr val="D8D8D8"/>
+          </a:solidFill>
+        </p:spPr>
+        <p:txBody>
+          <a:bodyPr wrap="square" lIns="0" tIns="0" rIns="0" bIns="0" rtlCol="0"/>
+          <a:lstStyle/>
+          <a:p/>
+        </p:txBody>
+      </p:sp>
+      <p:pic>
+        <p:nvPicPr>
+          <p:cNvPr id="21" name="object 21"/>
+          <p:cNvPicPr/>
+          <p:nvPr/>
+        </p:nvPicPr>
+        <p:blipFill>
+          <a:blip r:embed="rId5" cstate="print"/>
+          <a:stretch>
+            <a:fillRect/>
+          </a:stretch>
+        </p:blipFill>
+        <p:spPr>
+          <a:xfrm>
+            <a:off x="2041278" y="2017372"/>
+            <a:ext cx="851187" cy="241945"/>
+          </a:xfrm>
+          <a:prstGeom prst="rect">
+            <a:avLst/>
+          </a:prstGeom>
+        </p:spPr>
+      </p:pic>
+      <p:pic>
+        <p:nvPicPr>
+          <p:cNvPr id="22" name="object 22"/>
+          <p:cNvPicPr/>
+          <p:nvPr/>
+        </p:nvPicPr>
+        <p:blipFill>
+          <a:blip r:embed="rId6" cstate="print"/>
+          <a:stretch>
+            <a:fillRect/>
+          </a:stretch>
+        </p:blipFill>
+        <p:spPr>
+          <a:xfrm>
+            <a:off x="3938834" y="2027591"/>
+            <a:ext cx="1366273" cy="245216"/>
+          </a:xfrm>
+          <a:prstGeom prst="rect">
+            <a:avLst/>
+          </a:prstGeom>
+        </p:spPr>
+      </p:pic>
+      <p:pic>
+        <p:nvPicPr>
+          <p:cNvPr id="23" name="object 23"/>
+          <p:cNvPicPr/>
+          <p:nvPr/>
+        </p:nvPicPr>
+        <p:blipFill>
+          <a:blip r:embed="rId7" cstate="print"/>
+          <a:stretch>
+            <a:fillRect/>
+          </a:stretch>
+        </p:blipFill>
+        <p:spPr>
+          <a:xfrm>
+            <a:off x="5925678" y="2008444"/>
+            <a:ext cx="1534079" cy="289166"/>
+          </a:xfrm>
+          <a:prstGeom prst="rect">
+            <a:avLst/>
+          </a:prstGeom>
+        </p:spPr>
+      </p:pic>
+      <p:pic>
+        <p:nvPicPr>
+          <p:cNvPr id="24" name="object 24"/>
+          <p:cNvPicPr/>
+          <p:nvPr/>
+        </p:nvPicPr>
+        <p:blipFill>
+          <a:blip r:embed="rId8" cstate="print"/>
+          <a:stretch>
+            <a:fillRect/>
+          </a:stretch>
+        </p:blipFill>
+        <p:spPr>
+          <a:xfrm>
+            <a:off x="8502712" y="2008444"/>
+            <a:ext cx="525284" cy="244781"/>
+          </a:xfrm>
+          <a:prstGeom prst="rect">
+            <a:avLst/>
+          </a:prstGeom>
+        </p:spPr>
+      </p:pic>
     </p:spTree>
   </p:cSld>
   <p:clrMapOvr>
@@ -42259,7 +43777,7 @@
 </file>
 
 <file path=ppt/slides/slide7.xml><?xml version="1.0" encoding="utf-8"?>
-<p:sld xmlns:a="http://schemas.openxmlformats.org/drawingml/2006/main" xmlns:r="http://schemas.openxmlformats.org/officeDocument/2006/relationships" xmlns:p="http://schemas.openxmlformats.org/presentationml/2006/main">
+<p:sld xmlns:a="http://schemas.openxmlformats.org/drawingml/2006/main" xmlns:r="http://schemas.openxmlformats.org/officeDocument/2006/relationships" xmlns:p="http://schemas.openxmlformats.org/presentationml/2006/main" showMasterSp="0">
   <p:cSld>
     <p:spTree>
       <p:nvGrpSpPr>
@@ -42275,23 +43793,167 @@
           <a:chExt cx="0" cy="0"/>
         </a:xfrm>
       </p:grpSpPr>
+      <p:sp>
+        <p:nvSpPr>
+          <p:cNvPr id="2" name="object 2"/>
+          <p:cNvSpPr/>
+          <p:nvPr/>
+        </p:nvSpPr>
+        <p:spPr>
+          <a:xfrm>
+            <a:off x="1321126" y="0"/>
+            <a:ext cx="12465050" cy="20104100"/>
+          </a:xfrm>
+          <a:custGeom>
+            <a:avLst/>
+            <a:gdLst/>
+            <a:ahLst/>
+            <a:cxnLst/>
+            <a:rect l="l" t="t" r="r" b="b"/>
+            <a:pathLst>
+              <a:path w="12465050" h="20104100">
+                <a:moveTo>
+                  <a:pt x="0" y="20104099"/>
+                </a:moveTo>
+                <a:lnTo>
+                  <a:pt x="12464541" y="20104099"/>
+                </a:lnTo>
+                <a:lnTo>
+                  <a:pt x="12464541" y="0"/>
+                </a:lnTo>
+                <a:lnTo>
+                  <a:pt x="0" y="0"/>
+                </a:lnTo>
+                <a:lnTo>
+                  <a:pt x="0" y="20104099"/>
+                </a:lnTo>
+                <a:close/>
+              </a:path>
+            </a:pathLst>
+          </a:custGeom>
+          <a:solidFill>
+            <a:srgbClr val="F9F9F9"/>
+          </a:solidFill>
+        </p:spPr>
+        <p:txBody>
+          <a:bodyPr wrap="square" lIns="0" tIns="0" rIns="0" bIns="0" rtlCol="0"/>
+          <a:lstStyle/>
+          <a:p/>
+        </p:txBody>
+      </p:sp>
+      <p:sp>
+        <p:nvSpPr>
+          <p:cNvPr id="3" name="object 3"/>
+          <p:cNvSpPr/>
+          <p:nvPr/>
+        </p:nvSpPr>
+        <p:spPr>
+          <a:xfrm>
+            <a:off x="0" y="0"/>
+            <a:ext cx="19685" cy="20104100"/>
+          </a:xfrm>
+          <a:custGeom>
+            <a:avLst/>
+            <a:gdLst/>
+            <a:ahLst/>
+            <a:cxnLst/>
+            <a:rect l="l" t="t" r="r" b="b"/>
+            <a:pathLst>
+              <a:path w="19685" h="20104100">
+                <a:moveTo>
+                  <a:pt x="0" y="20104099"/>
+                </a:moveTo>
+                <a:lnTo>
+                  <a:pt x="19146" y="20104099"/>
+                </a:lnTo>
+                <a:lnTo>
+                  <a:pt x="19146" y="0"/>
+                </a:lnTo>
+                <a:lnTo>
+                  <a:pt x="0" y="0"/>
+                </a:lnTo>
+                <a:lnTo>
+                  <a:pt x="0" y="20104099"/>
+                </a:lnTo>
+                <a:close/>
+              </a:path>
+            </a:pathLst>
+          </a:custGeom>
+          <a:solidFill>
+            <a:srgbClr val="F9F9F9"/>
+          </a:solidFill>
+        </p:spPr>
+        <p:txBody>
+          <a:bodyPr wrap="square" lIns="0" tIns="0" rIns="0" bIns="0" rtlCol="0"/>
+          <a:lstStyle/>
+          <a:p/>
+        </p:txBody>
+      </p:sp>
       <p:grpSp>
         <p:nvGrpSpPr>
-          <p:cNvPr id="2" name="object 2"/>
+          <p:cNvPr id="4" name="object 4"/>
           <p:cNvGrpSpPr/>
           <p:nvPr/>
         </p:nvGrpSpPr>
         <p:grpSpPr>
           <a:xfrm>
-            <a:off x="0" y="0"/>
-            <a:ext cx="13785850" cy="20104100"/>
-            <a:chOff x="0" y="0"/>
-            <a:chExt cx="13785850" cy="20104100"/>
+            <a:off x="19146" y="1"/>
+            <a:ext cx="1302385" cy="20104100"/>
+            <a:chOff x="19146" y="1"/>
+            <a:chExt cx="1302385" cy="20104100"/>
           </a:xfrm>
         </p:grpSpPr>
+        <p:sp>
+          <p:nvSpPr>
+            <p:cNvPr id="5" name="object 5"/>
+            <p:cNvSpPr/>
+            <p:nvPr/>
+          </p:nvSpPr>
+          <p:spPr>
+            <a:xfrm>
+              <a:off x="19146" y="1"/>
+              <a:ext cx="1302385" cy="20104100"/>
+            </a:xfrm>
+            <a:custGeom>
+              <a:avLst/>
+              <a:gdLst/>
+              <a:ahLst/>
+              <a:cxnLst/>
+              <a:rect l="l" t="t" r="r" b="b"/>
+              <a:pathLst>
+                <a:path w="1302385" h="20104100">
+                  <a:moveTo>
+                    <a:pt x="0" y="0"/>
+                  </a:moveTo>
+                  <a:lnTo>
+                    <a:pt x="1301979" y="0"/>
+                  </a:lnTo>
+                  <a:lnTo>
+                    <a:pt x="1301979" y="20104098"/>
+                  </a:lnTo>
+                  <a:lnTo>
+                    <a:pt x="0" y="20104098"/>
+                  </a:lnTo>
+                  <a:lnTo>
+                    <a:pt x="0" y="0"/>
+                  </a:lnTo>
+                  <a:close/>
+                </a:path>
+              </a:pathLst>
+            </a:custGeom>
+            <a:solidFill>
+              <a:srgbClr val="111111"/>
+            </a:solidFill>
+          </p:spPr>
+          <p:txBody>
+            <a:bodyPr wrap="square" lIns="0" tIns="0" rIns="0" bIns="0" rtlCol="0"/>
+            <a:lstStyle/>
+            <a:p/>
+          </p:txBody>
+        </p:sp>
         <p:pic>
           <p:nvPicPr>
-            <p:cNvPr id="3" name="object 3"/>
+            <p:cNvPr id="6" name="object 6"/>
             <p:cNvPicPr/>
             <p:nvPr/>
           </p:nvPicPr>
@@ -42313,7 +43975,7 @@
         </p:pic>
         <p:sp>
           <p:nvSpPr>
-            <p:cNvPr id="4" name="object 4"/>
+            <p:cNvPr id="7" name="object 7"/>
             <p:cNvSpPr/>
             <p:nvPr/>
           </p:nvSpPr>
@@ -42452,14 +44114,12 @@
           <p:txBody>
             <a:bodyPr wrap="square" lIns="0" tIns="0" rIns="0" bIns="0" rtlCol="0"/>
             <a:lstStyle/>
-            <a:p>
-              <a:endParaRPr/>
-            </a:p>
+            <a:p/>
           </p:txBody>
         </p:sp>
         <p:sp>
           <p:nvSpPr>
-            <p:cNvPr id="5" name="object 5"/>
+            <p:cNvPr id="8" name="object 8"/>
             <p:cNvSpPr/>
             <p:nvPr/>
           </p:nvSpPr>
@@ -42574,14 +44234,12 @@
           <p:txBody>
             <a:bodyPr wrap="square" lIns="0" tIns="0" rIns="0" bIns="0" rtlCol="0"/>
             <a:lstStyle/>
-            <a:p>
-              <a:endParaRPr/>
-            </a:p>
+            <a:p/>
           </p:txBody>
         </p:sp>
         <p:pic>
           <p:nvPicPr>
-            <p:cNvPr id="6" name="object 6"/>
+            <p:cNvPr id="9" name="object 9"/>
             <p:cNvPicPr/>
             <p:nvPr/>
           </p:nvPicPr>
@@ -42603,7 +44261,7 @@
         </p:pic>
         <p:pic>
           <p:nvPicPr>
-            <p:cNvPr id="7" name="object 7"/>
+            <p:cNvPr id="10" name="object 10"/>
             <p:cNvPicPr/>
             <p:nvPr/>
           </p:nvPicPr>
@@ -42623,1013 +44281,1026 @@
             </a:prstGeom>
           </p:spPr>
         </p:pic>
-        <p:pic>
-          <p:nvPicPr>
-            <p:cNvPr id="8" name="object 8"/>
-            <p:cNvPicPr/>
-            <p:nvPr/>
-          </p:nvPicPr>
-          <p:blipFill>
-            <a:blip r:embed="rId5" cstate="print"/>
-            <a:stretch>
-              <a:fillRect/>
-            </a:stretch>
-          </p:blipFill>
-          <p:spPr>
-            <a:xfrm>
-              <a:off x="1637048" y="1254112"/>
-              <a:ext cx="3187935" cy="3293242"/>
-            </a:xfrm>
-            <a:prstGeom prst="rect">
-              <a:avLst/>
-            </a:prstGeom>
-          </p:spPr>
-        </p:pic>
-        <p:pic>
-          <p:nvPicPr>
-            <p:cNvPr id="9" name="object 9"/>
-            <p:cNvPicPr/>
-            <p:nvPr/>
-          </p:nvPicPr>
-          <p:blipFill>
-            <a:blip r:embed="rId6" cstate="print"/>
-            <a:stretch>
-              <a:fillRect/>
-            </a:stretch>
-          </p:blipFill>
-          <p:spPr>
-            <a:xfrm>
-              <a:off x="5097281" y="785887"/>
-              <a:ext cx="5210339" cy="339256"/>
-            </a:xfrm>
-            <a:prstGeom prst="rect">
-              <a:avLst/>
-            </a:prstGeom>
-          </p:spPr>
-        </p:pic>
-        <p:pic>
-          <p:nvPicPr>
-            <p:cNvPr id="10" name="object 10"/>
-            <p:cNvPicPr/>
-            <p:nvPr/>
-          </p:nvPicPr>
-          <p:blipFill>
-            <a:blip r:embed="rId7" cstate="print"/>
-            <a:stretch>
-              <a:fillRect/>
-            </a:stretch>
-          </p:blipFill>
-          <p:spPr>
-            <a:xfrm>
-              <a:off x="5082594" y="1540172"/>
-              <a:ext cx="6231209" cy="459685"/>
-            </a:xfrm>
-            <a:prstGeom prst="rect">
-              <a:avLst/>
-            </a:prstGeom>
-          </p:spPr>
-        </p:pic>
+      </p:grpSp>
+      <p:pic>
+        <p:nvPicPr>
+          <p:cNvPr id="11" name="object 11"/>
+          <p:cNvPicPr/>
+          <p:nvPr/>
+        </p:nvPicPr>
+        <p:blipFill>
+          <a:blip r:embed="rId5" cstate="print"/>
+          <a:stretch>
+            <a:fillRect/>
+          </a:stretch>
+        </p:blipFill>
+        <p:spPr>
+          <a:xfrm>
+            <a:off x="1637048" y="1254112"/>
+            <a:ext cx="3187935" cy="3293242"/>
+          </a:xfrm>
+          <a:prstGeom prst="rect">
+            <a:avLst/>
+          </a:prstGeom>
+        </p:spPr>
+      </p:pic>
+      <p:pic>
+        <p:nvPicPr>
+          <p:cNvPr id="12" name="object 12"/>
+          <p:cNvPicPr/>
+          <p:nvPr/>
+        </p:nvPicPr>
+        <p:blipFill>
+          <a:blip r:embed="rId6" cstate="print"/>
+          <a:stretch>
+            <a:fillRect/>
+          </a:stretch>
+        </p:blipFill>
+        <p:spPr>
+          <a:xfrm>
+            <a:off x="5097281" y="785887"/>
+            <a:ext cx="5210339" cy="339256"/>
+          </a:xfrm>
+          <a:prstGeom prst="rect">
+            <a:avLst/>
+          </a:prstGeom>
+        </p:spPr>
+      </p:pic>
+      <p:pic>
+        <p:nvPicPr>
+          <p:cNvPr id="13" name="object 13"/>
+          <p:cNvPicPr/>
+          <p:nvPr/>
+        </p:nvPicPr>
+        <p:blipFill>
+          <a:blip r:embed="rId7" cstate="print"/>
+          <a:stretch>
+            <a:fillRect/>
+          </a:stretch>
+        </p:blipFill>
+        <p:spPr>
+          <a:xfrm>
+            <a:off x="5082594" y="1540172"/>
+            <a:ext cx="6231209" cy="459685"/>
+          </a:xfrm>
+          <a:prstGeom prst="rect">
+            <a:avLst/>
+          </a:prstGeom>
+        </p:spPr>
+      </p:pic>
+      <p:sp>
+        <p:nvSpPr>
+          <p:cNvPr id="14" name="object 14"/>
+          <p:cNvSpPr/>
+          <p:nvPr/>
+        </p:nvSpPr>
+        <p:spPr>
+          <a:xfrm>
+            <a:off x="1551322" y="4915713"/>
+            <a:ext cx="1609725" cy="347980"/>
+          </a:xfrm>
+          <a:custGeom>
+            <a:avLst/>
+            <a:gdLst/>
+            <a:ahLst/>
+            <a:cxnLst/>
+            <a:rect l="l" t="t" r="r" b="b"/>
+            <a:pathLst>
+              <a:path w="1609725" h="347979">
+                <a:moveTo>
+                  <a:pt x="119776" y="0"/>
+                </a:moveTo>
+                <a:lnTo>
+                  <a:pt x="70209" y="9270"/>
+                </a:lnTo>
+                <a:lnTo>
+                  <a:pt x="32391" y="36063"/>
+                </a:lnTo>
+                <a:lnTo>
+                  <a:pt x="8261" y="77338"/>
+                </a:lnTo>
+                <a:lnTo>
+                  <a:pt x="0" y="129567"/>
+                </a:lnTo>
+                <a:lnTo>
+                  <a:pt x="897" y="148027"/>
+                </a:lnTo>
+                <a:lnTo>
+                  <a:pt x="14360" y="196798"/>
+                </a:lnTo>
+                <a:lnTo>
+                  <a:pt x="43029" y="233300"/>
+                </a:lnTo>
+                <a:lnTo>
+                  <a:pt x="85222" y="254687"/>
+                </a:lnTo>
+                <a:lnTo>
+                  <a:pt x="120102" y="258807"/>
+                </a:lnTo>
+                <a:lnTo>
+                  <a:pt x="135339" y="258093"/>
+                </a:lnTo>
+                <a:lnTo>
+                  <a:pt x="174931" y="247384"/>
+                </a:lnTo>
+                <a:lnTo>
+                  <a:pt x="211811" y="215401"/>
+                </a:lnTo>
+                <a:lnTo>
+                  <a:pt x="214500" y="210668"/>
+                </a:lnTo>
+                <a:lnTo>
+                  <a:pt x="120591" y="210668"/>
+                </a:lnTo>
+                <a:lnTo>
+                  <a:pt x="111667" y="210056"/>
+                </a:lnTo>
+                <a:lnTo>
+                  <a:pt x="76410" y="188843"/>
+                </a:lnTo>
+                <a:lnTo>
+                  <a:pt x="61764" y="152412"/>
+                </a:lnTo>
+                <a:lnTo>
+                  <a:pt x="59888" y="128587"/>
+                </a:lnTo>
+                <a:lnTo>
+                  <a:pt x="60357" y="116390"/>
+                </a:lnTo>
+                <a:lnTo>
+                  <a:pt x="71606" y="76655"/>
+                </a:lnTo>
+                <a:lnTo>
+                  <a:pt x="103580" y="50097"/>
+                </a:lnTo>
+                <a:lnTo>
+                  <a:pt x="120591" y="47649"/>
+                </a:lnTo>
+                <a:lnTo>
+                  <a:pt x="214391" y="47649"/>
+                </a:lnTo>
+                <a:lnTo>
+                  <a:pt x="211484" y="42753"/>
+                </a:lnTo>
+                <a:lnTo>
+                  <a:pt x="173789" y="11259"/>
+                </a:lnTo>
+                <a:lnTo>
+                  <a:pt x="134595" y="703"/>
+                </a:lnTo>
+                <a:lnTo>
+                  <a:pt x="119776" y="0"/>
+                </a:lnTo>
+                <a:close/>
+              </a:path>
+              <a:path w="1609725" h="347979">
+                <a:moveTo>
+                  <a:pt x="227476" y="168241"/>
+                </a:moveTo>
+                <a:lnTo>
+                  <a:pt x="171015" y="168241"/>
+                </a:lnTo>
+                <a:lnTo>
+                  <a:pt x="169274" y="177270"/>
+                </a:lnTo>
+                <a:lnTo>
+                  <a:pt x="166065" y="184940"/>
+                </a:lnTo>
+                <a:lnTo>
+                  <a:pt x="156709" y="197559"/>
+                </a:lnTo>
+                <a:lnTo>
+                  <a:pt x="150889" y="202400"/>
+                </a:lnTo>
+                <a:lnTo>
+                  <a:pt x="137073" y="209036"/>
+                </a:lnTo>
+                <a:lnTo>
+                  <a:pt x="129295" y="210668"/>
+                </a:lnTo>
+                <a:lnTo>
+                  <a:pt x="214500" y="210668"/>
+                </a:lnTo>
+                <a:lnTo>
+                  <a:pt x="217869" y="204743"/>
+                </a:lnTo>
+                <a:lnTo>
+                  <a:pt x="222499" y="193330"/>
+                </a:lnTo>
+                <a:lnTo>
+                  <a:pt x="225701" y="181163"/>
+                </a:lnTo>
+                <a:lnTo>
+                  <a:pt x="227476" y="168241"/>
+                </a:lnTo>
+                <a:close/>
+              </a:path>
+              <a:path w="1609725" h="347979">
+                <a:moveTo>
+                  <a:pt x="214391" y="47649"/>
+                </a:moveTo>
+                <a:lnTo>
+                  <a:pt x="120591" y="47649"/>
+                </a:lnTo>
+                <a:lnTo>
+                  <a:pt x="130739" y="48414"/>
+                </a:lnTo>
+                <a:lnTo>
+                  <a:pt x="139806" y="50708"/>
+                </a:lnTo>
+                <a:lnTo>
+                  <a:pt x="168710" y="81397"/>
+                </a:lnTo>
+                <a:lnTo>
+                  <a:pt x="171015" y="90076"/>
+                </a:lnTo>
+                <a:lnTo>
+                  <a:pt x="227476" y="90076"/>
+                </a:lnTo>
+                <a:lnTo>
+                  <a:pt x="225742" y="76961"/>
+                </a:lnTo>
+                <a:lnTo>
+                  <a:pt x="222499" y="64701"/>
+                </a:lnTo>
+                <a:lnTo>
+                  <a:pt x="217746" y="53299"/>
+                </a:lnTo>
+                <a:lnTo>
+                  <a:pt x="214391" y="47649"/>
+                </a:lnTo>
+                <a:close/>
+              </a:path>
+              <a:path w="1609725" h="347979">
+                <a:moveTo>
+                  <a:pt x="396003" y="51728"/>
+                </a:moveTo>
+                <a:lnTo>
+                  <a:pt x="338889" y="51728"/>
+                </a:lnTo>
+                <a:lnTo>
+                  <a:pt x="338889" y="253912"/>
+                </a:lnTo>
+                <a:lnTo>
+                  <a:pt x="396003" y="253912"/>
+                </a:lnTo>
+                <a:lnTo>
+                  <a:pt x="396003" y="51728"/>
+                </a:lnTo>
+                <a:close/>
+              </a:path>
+              <a:path w="1609725" h="347979">
+                <a:moveTo>
+                  <a:pt x="477105" y="3263"/>
+                </a:moveTo>
+                <a:lnTo>
+                  <a:pt x="257787" y="3263"/>
+                </a:lnTo>
+                <a:lnTo>
+                  <a:pt x="257787" y="51728"/>
+                </a:lnTo>
+                <a:lnTo>
+                  <a:pt x="477105" y="51728"/>
+                </a:lnTo>
+                <a:lnTo>
+                  <a:pt x="477105" y="3263"/>
+                </a:lnTo>
+                <a:close/>
+              </a:path>
+              <a:path w="1609725" h="347979">
+                <a:moveTo>
+                  <a:pt x="709446" y="45201"/>
+                </a:moveTo>
+                <a:lnTo>
+                  <a:pt x="616789" y="45201"/>
+                </a:lnTo>
+                <a:lnTo>
+                  <a:pt x="626468" y="45833"/>
+                </a:lnTo>
+                <a:lnTo>
+                  <a:pt x="634943" y="47730"/>
+                </a:lnTo>
+                <a:lnTo>
+                  <a:pt x="659217" y="83875"/>
+                </a:lnTo>
+                <a:lnTo>
+                  <a:pt x="659217" y="90511"/>
+                </a:lnTo>
+                <a:lnTo>
+                  <a:pt x="597207" y="107374"/>
+                </a:lnTo>
+                <a:lnTo>
+                  <a:pt x="588140" y="108506"/>
+                </a:lnTo>
+                <a:lnTo>
+                  <a:pt x="545682" y="119000"/>
+                </a:lnTo>
+                <a:lnTo>
+                  <a:pt x="514178" y="141907"/>
+                </a:lnTo>
+                <a:lnTo>
+                  <a:pt x="502073" y="183611"/>
+                </a:lnTo>
+                <a:lnTo>
+                  <a:pt x="502755" y="195411"/>
+                </a:lnTo>
+                <a:lnTo>
+                  <a:pt x="519091" y="232970"/>
+                </a:lnTo>
+                <a:lnTo>
+                  <a:pt x="552872" y="254197"/>
+                </a:lnTo>
+                <a:lnTo>
+                  <a:pt x="585947" y="258970"/>
+                </a:lnTo>
+                <a:lnTo>
+                  <a:pt x="595422" y="258634"/>
+                </a:lnTo>
+                <a:lnTo>
+                  <a:pt x="633474" y="247180"/>
+                </a:lnTo>
+                <a:lnTo>
+                  <a:pt x="659543" y="219480"/>
+                </a:lnTo>
+                <a:lnTo>
+                  <a:pt x="718289" y="219480"/>
+                </a:lnTo>
+                <a:lnTo>
+                  <a:pt x="718289" y="215564"/>
+                </a:lnTo>
+                <a:lnTo>
+                  <a:pt x="601287" y="215564"/>
+                </a:lnTo>
+                <a:lnTo>
+                  <a:pt x="592475" y="215044"/>
+                </a:lnTo>
+                <a:lnTo>
+                  <a:pt x="559767" y="190260"/>
+                </a:lnTo>
+                <a:lnTo>
+                  <a:pt x="559022" y="174986"/>
+                </a:lnTo>
+                <a:lnTo>
+                  <a:pt x="561035" y="168785"/>
+                </a:lnTo>
+                <a:lnTo>
+                  <a:pt x="565060" y="163998"/>
+                </a:lnTo>
+                <a:lnTo>
+                  <a:pt x="569085" y="159103"/>
+                </a:lnTo>
+                <a:lnTo>
+                  <a:pt x="574579" y="155295"/>
+                </a:lnTo>
+                <a:lnTo>
+                  <a:pt x="588504" y="149856"/>
+                </a:lnTo>
+                <a:lnTo>
+                  <a:pt x="596391" y="147897"/>
+                </a:lnTo>
+                <a:lnTo>
+                  <a:pt x="624404" y="143981"/>
+                </a:lnTo>
+                <a:lnTo>
+                  <a:pt x="629789" y="143111"/>
+                </a:lnTo>
+                <a:lnTo>
+                  <a:pt x="659380" y="134462"/>
+                </a:lnTo>
+                <a:lnTo>
+                  <a:pt x="718289" y="134462"/>
+                </a:lnTo>
+                <a:lnTo>
+                  <a:pt x="718180" y="83875"/>
+                </a:lnTo>
+                <a:lnTo>
+                  <a:pt x="717717" y="74197"/>
+                </a:lnTo>
+                <a:lnTo>
+                  <a:pt x="716004" y="63274"/>
+                </a:lnTo>
+                <a:lnTo>
+                  <a:pt x="713148" y="53391"/>
+                </a:lnTo>
+                <a:lnTo>
+                  <a:pt x="709446" y="45201"/>
+                </a:lnTo>
+                <a:close/>
+              </a:path>
+              <a:path w="1609725" h="347979">
+                <a:moveTo>
+                  <a:pt x="718289" y="219480"/>
+                </a:moveTo>
+                <a:lnTo>
+                  <a:pt x="661501" y="219480"/>
+                </a:lnTo>
+                <a:lnTo>
+                  <a:pt x="661501" y="253912"/>
+                </a:lnTo>
+                <a:lnTo>
+                  <a:pt x="718289" y="253912"/>
+                </a:lnTo>
+                <a:lnTo>
+                  <a:pt x="718289" y="219480"/>
+                </a:lnTo>
+                <a:close/>
+              </a:path>
+              <a:path w="1609725" h="347979">
+                <a:moveTo>
+                  <a:pt x="718289" y="134462"/>
+                </a:moveTo>
+                <a:lnTo>
+                  <a:pt x="659380" y="134462"/>
+                </a:lnTo>
+                <a:lnTo>
+                  <a:pt x="659366" y="164202"/>
+                </a:lnTo>
+                <a:lnTo>
+                  <a:pt x="658931" y="170801"/>
+                </a:lnTo>
+                <a:lnTo>
+                  <a:pt x="638278" y="204671"/>
+                </a:lnTo>
+                <a:lnTo>
+                  <a:pt x="601287" y="215564"/>
+                </a:lnTo>
+                <a:lnTo>
+                  <a:pt x="718289" y="215564"/>
+                </a:lnTo>
+                <a:lnTo>
+                  <a:pt x="718289" y="134462"/>
+                </a:lnTo>
+                <a:close/>
+              </a:path>
+              <a:path w="1609725" h="347979">
+                <a:moveTo>
+                  <a:pt x="616463" y="0"/>
+                </a:moveTo>
+                <a:lnTo>
+                  <a:pt x="568487" y="7832"/>
+                </a:lnTo>
+                <a:lnTo>
+                  <a:pt x="531771" y="31004"/>
+                </a:lnTo>
+                <a:lnTo>
+                  <a:pt x="510231" y="69189"/>
+                </a:lnTo>
+                <a:lnTo>
+                  <a:pt x="565387" y="77022"/>
+                </a:lnTo>
+                <a:lnTo>
+                  <a:pt x="568099" y="70790"/>
+                </a:lnTo>
+                <a:lnTo>
+                  <a:pt x="571832" y="64987"/>
+                </a:lnTo>
+                <a:lnTo>
+                  <a:pt x="606498" y="45793"/>
+                </a:lnTo>
+                <a:lnTo>
+                  <a:pt x="616789" y="45201"/>
+                </a:lnTo>
+                <a:lnTo>
+                  <a:pt x="709446" y="45201"/>
+                </a:lnTo>
+                <a:lnTo>
+                  <a:pt x="709150" y="44548"/>
+                </a:lnTo>
+                <a:lnTo>
+                  <a:pt x="677707" y="13727"/>
+                </a:lnTo>
+                <a:lnTo>
+                  <a:pt x="634535" y="1060"/>
+                </a:lnTo>
+                <a:lnTo>
+                  <a:pt x="625509" y="265"/>
+                </a:lnTo>
+                <a:lnTo>
+                  <a:pt x="616463" y="0"/>
+                </a:lnTo>
+                <a:close/>
+              </a:path>
+              <a:path w="1609725" h="347979">
+                <a:moveTo>
+                  <a:pt x="887835" y="51728"/>
+                </a:moveTo>
+                <a:lnTo>
+                  <a:pt x="830721" y="51728"/>
+                </a:lnTo>
+                <a:lnTo>
+                  <a:pt x="830721" y="253912"/>
+                </a:lnTo>
+                <a:lnTo>
+                  <a:pt x="887835" y="253912"/>
+                </a:lnTo>
+                <a:lnTo>
+                  <a:pt x="887835" y="51728"/>
+                </a:lnTo>
+                <a:close/>
+              </a:path>
+              <a:path w="1609725" h="347979">
+                <a:moveTo>
+                  <a:pt x="968937" y="3263"/>
+                </a:moveTo>
+                <a:lnTo>
+                  <a:pt x="749620" y="3263"/>
+                </a:lnTo>
+                <a:lnTo>
+                  <a:pt x="749620" y="51728"/>
+                </a:lnTo>
+                <a:lnTo>
+                  <a:pt x="968937" y="51728"/>
+                </a:lnTo>
+                <a:lnTo>
+                  <a:pt x="968937" y="3263"/>
+                </a:lnTo>
+                <a:close/>
+              </a:path>
+              <a:path w="1609725" h="347979">
+                <a:moveTo>
+                  <a:pt x="1027887" y="295686"/>
+                </a:moveTo>
+                <a:lnTo>
+                  <a:pt x="1014180" y="341704"/>
+                </a:lnTo>
+                <a:lnTo>
+                  <a:pt x="1018205" y="343336"/>
+                </a:lnTo>
+                <a:lnTo>
+                  <a:pt x="1023590" y="344750"/>
+                </a:lnTo>
+                <a:lnTo>
+                  <a:pt x="1030335" y="345947"/>
+                </a:lnTo>
+                <a:lnTo>
+                  <a:pt x="1037188" y="347252"/>
+                </a:lnTo>
+                <a:lnTo>
+                  <a:pt x="1044640" y="347905"/>
+                </a:lnTo>
+                <a:lnTo>
+                  <a:pt x="1052691" y="347905"/>
+                </a:lnTo>
+                <a:lnTo>
+                  <a:pt x="1092507" y="340235"/>
+                </a:lnTo>
+                <a:lnTo>
+                  <a:pt x="1126408" y="310913"/>
+                </a:lnTo>
+                <a:lnTo>
+                  <a:pt x="1132995" y="299385"/>
+                </a:lnTo>
+                <a:lnTo>
+                  <a:pt x="1044151" y="299385"/>
+                </a:lnTo>
+                <a:lnTo>
+                  <a:pt x="1036481" y="298189"/>
+                </a:lnTo>
+                <a:lnTo>
+                  <a:pt x="1027887" y="295686"/>
+                </a:lnTo>
+                <a:close/>
+              </a:path>
+              <a:path w="1609725" h="347979">
+                <a:moveTo>
+                  <a:pt x="1058728" y="3263"/>
+                </a:moveTo>
+                <a:lnTo>
+                  <a:pt x="996066" y="3263"/>
+                </a:lnTo>
+                <a:lnTo>
+                  <a:pt x="1086959" y="259134"/>
+                </a:lnTo>
+                <a:lnTo>
+                  <a:pt x="1081900" y="272678"/>
+                </a:lnTo>
+                <a:lnTo>
+                  <a:pt x="1078310" y="282142"/>
+                </a:lnTo>
+                <a:lnTo>
+                  <a:pt x="1073904" y="288887"/>
+                </a:lnTo>
+                <a:lnTo>
+                  <a:pt x="1068683" y="292912"/>
+                </a:lnTo>
+                <a:lnTo>
+                  <a:pt x="1063569" y="297046"/>
+                </a:lnTo>
+                <a:lnTo>
+                  <a:pt x="1057640" y="299168"/>
+                </a:lnTo>
+                <a:lnTo>
+                  <a:pt x="1044151" y="299385"/>
+                </a:lnTo>
+                <a:lnTo>
+                  <a:pt x="1132995" y="299385"/>
+                </a:lnTo>
+                <a:lnTo>
+                  <a:pt x="1135710" y="293861"/>
+                </a:lnTo>
+                <a:lnTo>
+                  <a:pt x="1139504" y="284264"/>
+                </a:lnTo>
+                <a:lnTo>
+                  <a:pt x="1172257" y="192555"/>
+                </a:lnTo>
+                <a:lnTo>
+                  <a:pt x="1116495" y="192555"/>
+                </a:lnTo>
+                <a:lnTo>
+                  <a:pt x="1058728" y="3263"/>
+                </a:lnTo>
+                <a:close/>
+              </a:path>
+              <a:path w="1609725" h="347979">
+                <a:moveTo>
+                  <a:pt x="1239861" y="3263"/>
+                </a:moveTo>
+                <a:lnTo>
+                  <a:pt x="1177036" y="3263"/>
+                </a:lnTo>
+                <a:lnTo>
+                  <a:pt x="1119106" y="192555"/>
+                </a:lnTo>
+                <a:lnTo>
+                  <a:pt x="1172257" y="192555"/>
+                </a:lnTo>
+                <a:lnTo>
+                  <a:pt x="1239861" y="3263"/>
+                </a:lnTo>
+                <a:close/>
+              </a:path>
+              <a:path w="1609725" h="347979">
+                <a:moveTo>
+                  <a:pt x="1381218" y="0"/>
+                </a:moveTo>
+                <a:lnTo>
+                  <a:pt x="1331651" y="9270"/>
+                </a:lnTo>
+                <a:lnTo>
+                  <a:pt x="1293834" y="36063"/>
+                </a:lnTo>
+                <a:lnTo>
+                  <a:pt x="1269703" y="77338"/>
+                </a:lnTo>
+                <a:lnTo>
+                  <a:pt x="1261442" y="129567"/>
+                </a:lnTo>
+                <a:lnTo>
+                  <a:pt x="1262339" y="148027"/>
+                </a:lnTo>
+                <a:lnTo>
+                  <a:pt x="1275802" y="196798"/>
+                </a:lnTo>
+                <a:lnTo>
+                  <a:pt x="1304471" y="233300"/>
+                </a:lnTo>
+                <a:lnTo>
+                  <a:pt x="1346664" y="254687"/>
+                </a:lnTo>
+                <a:lnTo>
+                  <a:pt x="1381544" y="258807"/>
+                </a:lnTo>
+                <a:lnTo>
+                  <a:pt x="1396782" y="258093"/>
+                </a:lnTo>
+                <a:lnTo>
+                  <a:pt x="1436374" y="247384"/>
+                </a:lnTo>
+                <a:lnTo>
+                  <a:pt x="1473253" y="215401"/>
+                </a:lnTo>
+                <a:lnTo>
+                  <a:pt x="1475943" y="210668"/>
+                </a:lnTo>
+                <a:lnTo>
+                  <a:pt x="1382034" y="210668"/>
+                </a:lnTo>
+                <a:lnTo>
+                  <a:pt x="1373110" y="210056"/>
+                </a:lnTo>
+                <a:lnTo>
+                  <a:pt x="1337852" y="188843"/>
+                </a:lnTo>
+                <a:lnTo>
+                  <a:pt x="1323207" y="152412"/>
+                </a:lnTo>
+                <a:lnTo>
+                  <a:pt x="1321330" y="128587"/>
+                </a:lnTo>
+                <a:lnTo>
+                  <a:pt x="1321799" y="116390"/>
+                </a:lnTo>
+                <a:lnTo>
+                  <a:pt x="1333049" y="76655"/>
+                </a:lnTo>
+                <a:lnTo>
+                  <a:pt x="1365022" y="50097"/>
+                </a:lnTo>
+                <a:lnTo>
+                  <a:pt x="1382034" y="47649"/>
+                </a:lnTo>
+                <a:lnTo>
+                  <a:pt x="1475834" y="47649"/>
+                </a:lnTo>
+                <a:lnTo>
+                  <a:pt x="1472927" y="42753"/>
+                </a:lnTo>
+                <a:lnTo>
+                  <a:pt x="1435232" y="11259"/>
+                </a:lnTo>
+                <a:lnTo>
+                  <a:pt x="1396037" y="703"/>
+                </a:lnTo>
+                <a:lnTo>
+                  <a:pt x="1381218" y="0"/>
+                </a:lnTo>
+                <a:close/>
+              </a:path>
+              <a:path w="1609725" h="347979">
+                <a:moveTo>
+                  <a:pt x="1488919" y="168241"/>
+                </a:moveTo>
+                <a:lnTo>
+                  <a:pt x="1432457" y="168241"/>
+                </a:lnTo>
+                <a:lnTo>
+                  <a:pt x="1430717" y="177270"/>
+                </a:lnTo>
+                <a:lnTo>
+                  <a:pt x="1427507" y="184940"/>
+                </a:lnTo>
+                <a:lnTo>
+                  <a:pt x="1418152" y="197559"/>
+                </a:lnTo>
+                <a:lnTo>
+                  <a:pt x="1412332" y="202400"/>
+                </a:lnTo>
+                <a:lnTo>
+                  <a:pt x="1398515" y="209036"/>
+                </a:lnTo>
+                <a:lnTo>
+                  <a:pt x="1390737" y="210668"/>
+                </a:lnTo>
+                <a:lnTo>
+                  <a:pt x="1475943" y="210668"/>
+                </a:lnTo>
+                <a:lnTo>
+                  <a:pt x="1479311" y="204743"/>
+                </a:lnTo>
+                <a:lnTo>
+                  <a:pt x="1483941" y="193330"/>
+                </a:lnTo>
+                <a:lnTo>
+                  <a:pt x="1487144" y="181163"/>
+                </a:lnTo>
+                <a:lnTo>
+                  <a:pt x="1488919" y="168241"/>
+                </a:lnTo>
+                <a:close/>
+              </a:path>
+              <a:path w="1609725" h="347979">
+                <a:moveTo>
+                  <a:pt x="1475834" y="47649"/>
+                </a:moveTo>
+                <a:lnTo>
+                  <a:pt x="1382034" y="47649"/>
+                </a:lnTo>
+                <a:lnTo>
+                  <a:pt x="1392182" y="48414"/>
+                </a:lnTo>
+                <a:lnTo>
+                  <a:pt x="1401249" y="50708"/>
+                </a:lnTo>
+                <a:lnTo>
+                  <a:pt x="1430152" y="81397"/>
+                </a:lnTo>
+                <a:lnTo>
+                  <a:pt x="1432457" y="90076"/>
+                </a:lnTo>
+                <a:lnTo>
+                  <a:pt x="1488919" y="90076"/>
+                </a:lnTo>
+                <a:lnTo>
+                  <a:pt x="1487185" y="76961"/>
+                </a:lnTo>
+                <a:lnTo>
+                  <a:pt x="1483942" y="64701"/>
+                </a:lnTo>
+                <a:lnTo>
+                  <a:pt x="1479189" y="53299"/>
+                </a:lnTo>
+                <a:lnTo>
+                  <a:pt x="1475834" y="47649"/>
+                </a:lnTo>
+                <a:close/>
+              </a:path>
+              <a:path w="1609725" h="347979">
+                <a:moveTo>
+                  <a:pt x="1573814" y="186028"/>
+                </a:moveTo>
+                <a:lnTo>
+                  <a:pt x="1540443" y="207976"/>
+                </a:lnTo>
+                <a:lnTo>
+                  <a:pt x="1537914" y="221602"/>
+                </a:lnTo>
+                <a:lnTo>
+                  <a:pt x="1538506" y="228822"/>
+                </a:lnTo>
+                <a:lnTo>
+                  <a:pt x="1566655" y="256849"/>
+                </a:lnTo>
+                <a:lnTo>
+                  <a:pt x="1573814" y="257502"/>
+                </a:lnTo>
+                <a:lnTo>
+                  <a:pt x="1580233" y="257502"/>
+                </a:lnTo>
+                <a:lnTo>
+                  <a:pt x="1586108" y="255924"/>
+                </a:lnTo>
+                <a:lnTo>
+                  <a:pt x="1596878" y="249506"/>
+                </a:lnTo>
+                <a:lnTo>
+                  <a:pt x="1601229" y="245154"/>
+                </a:lnTo>
+                <a:lnTo>
+                  <a:pt x="1604493" y="239715"/>
+                </a:lnTo>
+                <a:lnTo>
+                  <a:pt x="1607865" y="234275"/>
+                </a:lnTo>
+                <a:lnTo>
+                  <a:pt x="1609606" y="228238"/>
+                </a:lnTo>
+                <a:lnTo>
+                  <a:pt x="1609714" y="221602"/>
+                </a:lnTo>
+                <a:lnTo>
+                  <a:pt x="1608970" y="214523"/>
+                </a:lnTo>
+                <a:lnTo>
+                  <a:pt x="1580760" y="186680"/>
+                </a:lnTo>
+                <a:lnTo>
+                  <a:pt x="1573814" y="186028"/>
+                </a:lnTo>
+                <a:close/>
+              </a:path>
+              <a:path w="1609725" h="347979">
+                <a:moveTo>
+                  <a:pt x="1573814" y="7016"/>
+                </a:moveTo>
+                <a:lnTo>
+                  <a:pt x="1540443" y="29128"/>
+                </a:lnTo>
+                <a:lnTo>
+                  <a:pt x="1537914" y="42753"/>
+                </a:lnTo>
+                <a:lnTo>
+                  <a:pt x="1538506" y="49913"/>
+                </a:lnTo>
+                <a:lnTo>
+                  <a:pt x="1566655" y="78001"/>
+                </a:lnTo>
+                <a:lnTo>
+                  <a:pt x="1573814" y="78654"/>
+                </a:lnTo>
+                <a:lnTo>
+                  <a:pt x="1580233" y="78654"/>
+                </a:lnTo>
+                <a:lnTo>
+                  <a:pt x="1586108" y="77022"/>
+                </a:lnTo>
+                <a:lnTo>
+                  <a:pt x="1591438" y="73758"/>
+                </a:lnTo>
+                <a:lnTo>
+                  <a:pt x="1596878" y="70494"/>
+                </a:lnTo>
+                <a:lnTo>
+                  <a:pt x="1601229" y="66143"/>
+                </a:lnTo>
+                <a:lnTo>
+                  <a:pt x="1604493" y="60703"/>
+                </a:lnTo>
+                <a:lnTo>
+                  <a:pt x="1607865" y="55264"/>
+                </a:lnTo>
+                <a:lnTo>
+                  <a:pt x="1609606" y="49281"/>
+                </a:lnTo>
+                <a:lnTo>
+                  <a:pt x="1609714" y="42753"/>
+                </a:lnTo>
+                <a:lnTo>
+                  <a:pt x="1608970" y="35675"/>
+                </a:lnTo>
+                <a:lnTo>
+                  <a:pt x="1580760" y="7679"/>
+                </a:lnTo>
+                <a:lnTo>
+                  <a:pt x="1573814" y="7016"/>
+                </a:lnTo>
+                <a:close/>
+              </a:path>
+            </a:pathLst>
+          </a:custGeom>
+          <a:solidFill>
+            <a:srgbClr val="000000"/>
+          </a:solidFill>
+        </p:spPr>
+        <p:txBody>
+          <a:bodyPr wrap="square" lIns="0" tIns="0" rIns="0" bIns="0" rtlCol="0"/>
+          <a:lstStyle/>
+          <a:p/>
+        </p:txBody>
+      </p:sp>
+      <p:pic>
+        <p:nvPicPr>
+          <p:cNvPr id="15" name="object 15"/>
+          <p:cNvPicPr/>
+          <p:nvPr/>
+        </p:nvPicPr>
+        <p:blipFill>
+          <a:blip r:embed="rId8" cstate="print"/>
+          <a:stretch>
+            <a:fillRect/>
+          </a:stretch>
+        </p:blipFill>
+        <p:spPr>
+          <a:xfrm>
+            <a:off x="3268765" y="4787995"/>
+            <a:ext cx="3467059" cy="437329"/>
+          </a:xfrm>
+          <a:prstGeom prst="rect">
+            <a:avLst/>
+          </a:prstGeom>
+        </p:spPr>
+      </p:pic>
+      <p:pic>
+        <p:nvPicPr>
+          <p:cNvPr id="16" name="object 16"/>
+          <p:cNvPicPr/>
+          <p:nvPr/>
+        </p:nvPicPr>
+        <p:blipFill>
+          <a:blip r:embed="rId9" cstate="print"/>
+          <a:stretch>
+            <a:fillRect/>
+          </a:stretch>
+        </p:blipFill>
+        <p:spPr>
+          <a:xfrm>
+            <a:off x="258481" y="373361"/>
+            <a:ext cx="660563" cy="880751"/>
+          </a:xfrm>
+          <a:prstGeom prst="rect">
+            <a:avLst/>
+          </a:prstGeom>
+        </p:spPr>
+      </p:pic>
+      <p:pic>
+        <p:nvPicPr>
+          <p:cNvPr id="17" name="object 17"/>
+          <p:cNvPicPr/>
+          <p:nvPr/>
+        </p:nvPicPr>
+        <p:blipFill>
+          <a:blip r:embed="rId10" cstate="print"/>
+          <a:stretch>
+            <a:fillRect/>
+          </a:stretch>
+        </p:blipFill>
+        <p:spPr>
+          <a:xfrm>
+            <a:off x="19146" y="10138210"/>
+            <a:ext cx="1388140" cy="1388140"/>
+          </a:xfrm>
+          <a:prstGeom prst="rect">
+            <a:avLst/>
+          </a:prstGeom>
+        </p:spPr>
+      </p:pic>
+      <p:grpSp>
+        <p:nvGrpSpPr>
+          <p:cNvPr id="18" name="object 18"/>
+          <p:cNvGrpSpPr/>
+          <p:nvPr/>
+        </p:nvGrpSpPr>
+        <p:grpSpPr>
+          <a:xfrm>
+            <a:off x="5313226" y="2374198"/>
+            <a:ext cx="4126229" cy="363855"/>
+            <a:chOff x="5313226" y="2374198"/>
+            <a:chExt cx="4126229" cy="363855"/>
+          </a:xfrm>
+        </p:grpSpPr>
         <p:sp>
           <p:nvSpPr>
-            <p:cNvPr id="11" name="object 11"/>
-            <p:cNvSpPr/>
-            <p:nvPr/>
-          </p:nvSpPr>
-          <p:spPr>
-            <a:xfrm>
-              <a:off x="1551322" y="4915713"/>
-              <a:ext cx="1609725" cy="347980"/>
-            </a:xfrm>
-            <a:custGeom>
-              <a:avLst/>
-              <a:gdLst/>
-              <a:ahLst/>
-              <a:cxnLst/>
-              <a:rect l="l" t="t" r="r" b="b"/>
-              <a:pathLst>
-                <a:path w="1609725" h="347979">
-                  <a:moveTo>
-                    <a:pt x="119776" y="0"/>
-                  </a:moveTo>
-                  <a:lnTo>
-                    <a:pt x="70209" y="9270"/>
-                  </a:lnTo>
-                  <a:lnTo>
-                    <a:pt x="32391" y="36063"/>
-                  </a:lnTo>
-                  <a:lnTo>
-                    <a:pt x="8261" y="77338"/>
-                  </a:lnTo>
-                  <a:lnTo>
-                    <a:pt x="0" y="129567"/>
-                  </a:lnTo>
-                  <a:lnTo>
-                    <a:pt x="897" y="148027"/>
-                  </a:lnTo>
-                  <a:lnTo>
-                    <a:pt x="14360" y="196798"/>
-                  </a:lnTo>
-                  <a:lnTo>
-                    <a:pt x="43029" y="233300"/>
-                  </a:lnTo>
-                  <a:lnTo>
-                    <a:pt x="85222" y="254687"/>
-                  </a:lnTo>
-                  <a:lnTo>
-                    <a:pt x="120102" y="258807"/>
-                  </a:lnTo>
-                  <a:lnTo>
-                    <a:pt x="135339" y="258093"/>
-                  </a:lnTo>
-                  <a:lnTo>
-                    <a:pt x="174931" y="247384"/>
-                  </a:lnTo>
-                  <a:lnTo>
-                    <a:pt x="211811" y="215401"/>
-                  </a:lnTo>
-                  <a:lnTo>
-                    <a:pt x="214500" y="210668"/>
-                  </a:lnTo>
-                  <a:lnTo>
-                    <a:pt x="120591" y="210668"/>
-                  </a:lnTo>
-                  <a:lnTo>
-                    <a:pt x="111667" y="210056"/>
-                  </a:lnTo>
-                  <a:lnTo>
-                    <a:pt x="76410" y="188843"/>
-                  </a:lnTo>
-                  <a:lnTo>
-                    <a:pt x="61764" y="152412"/>
-                  </a:lnTo>
-                  <a:lnTo>
-                    <a:pt x="59888" y="128587"/>
-                  </a:lnTo>
-                  <a:lnTo>
-                    <a:pt x="60357" y="116390"/>
-                  </a:lnTo>
-                  <a:lnTo>
-                    <a:pt x="71606" y="76655"/>
-                  </a:lnTo>
-                  <a:lnTo>
-                    <a:pt x="103580" y="50097"/>
-                  </a:lnTo>
-                  <a:lnTo>
-                    <a:pt x="120591" y="47649"/>
-                  </a:lnTo>
-                  <a:lnTo>
-                    <a:pt x="214391" y="47649"/>
-                  </a:lnTo>
-                  <a:lnTo>
-                    <a:pt x="211484" y="42753"/>
-                  </a:lnTo>
-                  <a:lnTo>
-                    <a:pt x="173789" y="11259"/>
-                  </a:lnTo>
-                  <a:lnTo>
-                    <a:pt x="134595" y="703"/>
-                  </a:lnTo>
-                  <a:lnTo>
-                    <a:pt x="119776" y="0"/>
-                  </a:lnTo>
-                  <a:close/>
-                </a:path>
-                <a:path w="1609725" h="347979">
-                  <a:moveTo>
-                    <a:pt x="227476" y="168241"/>
-                  </a:moveTo>
-                  <a:lnTo>
-                    <a:pt x="171015" y="168241"/>
-                  </a:lnTo>
-                  <a:lnTo>
-                    <a:pt x="169274" y="177270"/>
-                  </a:lnTo>
-                  <a:lnTo>
-                    <a:pt x="166065" y="184940"/>
-                  </a:lnTo>
-                  <a:lnTo>
-                    <a:pt x="156709" y="197559"/>
-                  </a:lnTo>
-                  <a:lnTo>
-                    <a:pt x="150889" y="202400"/>
-                  </a:lnTo>
-                  <a:lnTo>
-                    <a:pt x="137073" y="209036"/>
-                  </a:lnTo>
-                  <a:lnTo>
-                    <a:pt x="129295" y="210668"/>
-                  </a:lnTo>
-                  <a:lnTo>
-                    <a:pt x="214500" y="210668"/>
-                  </a:lnTo>
-                  <a:lnTo>
-                    <a:pt x="217869" y="204743"/>
-                  </a:lnTo>
-                  <a:lnTo>
-                    <a:pt x="222499" y="193330"/>
-                  </a:lnTo>
-                  <a:lnTo>
-                    <a:pt x="225701" y="181163"/>
-                  </a:lnTo>
-                  <a:lnTo>
-                    <a:pt x="227476" y="168241"/>
-                  </a:lnTo>
-                  <a:close/>
-                </a:path>
-                <a:path w="1609725" h="347979">
-                  <a:moveTo>
-                    <a:pt x="214391" y="47649"/>
-                  </a:moveTo>
-                  <a:lnTo>
-                    <a:pt x="120591" y="47649"/>
-                  </a:lnTo>
-                  <a:lnTo>
-                    <a:pt x="130739" y="48414"/>
-                  </a:lnTo>
-                  <a:lnTo>
-                    <a:pt x="139806" y="50708"/>
-                  </a:lnTo>
-                  <a:lnTo>
-                    <a:pt x="168710" y="81397"/>
-                  </a:lnTo>
-                  <a:lnTo>
-                    <a:pt x="171015" y="90076"/>
-                  </a:lnTo>
-                  <a:lnTo>
-                    <a:pt x="227476" y="90076"/>
-                  </a:lnTo>
-                  <a:lnTo>
-                    <a:pt x="225742" y="76961"/>
-                  </a:lnTo>
-                  <a:lnTo>
-                    <a:pt x="222499" y="64701"/>
-                  </a:lnTo>
-                  <a:lnTo>
-                    <a:pt x="217746" y="53299"/>
-                  </a:lnTo>
-                  <a:lnTo>
-                    <a:pt x="214391" y="47649"/>
-                  </a:lnTo>
-                  <a:close/>
-                </a:path>
-                <a:path w="1609725" h="347979">
-                  <a:moveTo>
-                    <a:pt x="396003" y="51728"/>
-                  </a:moveTo>
-                  <a:lnTo>
-                    <a:pt x="338889" y="51728"/>
-                  </a:lnTo>
-                  <a:lnTo>
-                    <a:pt x="338889" y="253912"/>
-                  </a:lnTo>
-                  <a:lnTo>
-                    <a:pt x="396003" y="253912"/>
-                  </a:lnTo>
-                  <a:lnTo>
-                    <a:pt x="396003" y="51728"/>
-                  </a:lnTo>
-                  <a:close/>
-                </a:path>
-                <a:path w="1609725" h="347979">
-                  <a:moveTo>
-                    <a:pt x="477105" y="3263"/>
-                  </a:moveTo>
-                  <a:lnTo>
-                    <a:pt x="257787" y="3263"/>
-                  </a:lnTo>
-                  <a:lnTo>
-                    <a:pt x="257787" y="51728"/>
-                  </a:lnTo>
-                  <a:lnTo>
-                    <a:pt x="477105" y="51728"/>
-                  </a:lnTo>
-                  <a:lnTo>
-                    <a:pt x="477105" y="3263"/>
-                  </a:lnTo>
-                  <a:close/>
-                </a:path>
-                <a:path w="1609725" h="347979">
-                  <a:moveTo>
-                    <a:pt x="709446" y="45201"/>
-                  </a:moveTo>
-                  <a:lnTo>
-                    <a:pt x="616789" y="45201"/>
-                  </a:lnTo>
-                  <a:lnTo>
-                    <a:pt x="626468" y="45833"/>
-                  </a:lnTo>
-                  <a:lnTo>
-                    <a:pt x="634943" y="47730"/>
-                  </a:lnTo>
-                  <a:lnTo>
-                    <a:pt x="659217" y="83875"/>
-                  </a:lnTo>
-                  <a:lnTo>
-                    <a:pt x="659217" y="90511"/>
-                  </a:lnTo>
-                  <a:lnTo>
-                    <a:pt x="597207" y="107374"/>
-                  </a:lnTo>
-                  <a:lnTo>
-                    <a:pt x="588140" y="108506"/>
-                  </a:lnTo>
-                  <a:lnTo>
-                    <a:pt x="545682" y="119000"/>
-                  </a:lnTo>
-                  <a:lnTo>
-                    <a:pt x="514178" y="141907"/>
-                  </a:lnTo>
-                  <a:lnTo>
-                    <a:pt x="502073" y="183611"/>
-                  </a:lnTo>
-                  <a:lnTo>
-                    <a:pt x="502755" y="195411"/>
-                  </a:lnTo>
-                  <a:lnTo>
-                    <a:pt x="519091" y="232970"/>
-                  </a:lnTo>
-                  <a:lnTo>
-                    <a:pt x="552872" y="254197"/>
-                  </a:lnTo>
-                  <a:lnTo>
-                    <a:pt x="585947" y="258970"/>
-                  </a:lnTo>
-                  <a:lnTo>
-                    <a:pt x="595422" y="258634"/>
-                  </a:lnTo>
-                  <a:lnTo>
-                    <a:pt x="633474" y="247180"/>
-                  </a:lnTo>
-                  <a:lnTo>
-                    <a:pt x="659543" y="219480"/>
-                  </a:lnTo>
-                  <a:lnTo>
-                    <a:pt x="718289" y="219480"/>
-                  </a:lnTo>
-                  <a:lnTo>
-                    <a:pt x="718289" y="215564"/>
-                  </a:lnTo>
-                  <a:lnTo>
-                    <a:pt x="601287" y="215564"/>
-                  </a:lnTo>
-                  <a:lnTo>
-                    <a:pt x="592475" y="215044"/>
-                  </a:lnTo>
-                  <a:lnTo>
-                    <a:pt x="559767" y="190260"/>
-                  </a:lnTo>
-                  <a:lnTo>
-                    <a:pt x="559022" y="174986"/>
-                  </a:lnTo>
-                  <a:lnTo>
-                    <a:pt x="561035" y="168785"/>
-                  </a:lnTo>
-                  <a:lnTo>
-                    <a:pt x="565060" y="163998"/>
-                  </a:lnTo>
-                  <a:lnTo>
-                    <a:pt x="569085" y="159103"/>
-                  </a:lnTo>
-                  <a:lnTo>
-                    <a:pt x="574579" y="155295"/>
-                  </a:lnTo>
-                  <a:lnTo>
-                    <a:pt x="588504" y="149856"/>
-                  </a:lnTo>
-                  <a:lnTo>
-                    <a:pt x="596391" y="147897"/>
-                  </a:lnTo>
-                  <a:lnTo>
-                    <a:pt x="624404" y="143981"/>
-                  </a:lnTo>
-                  <a:lnTo>
-                    <a:pt x="629789" y="143111"/>
-                  </a:lnTo>
-                  <a:lnTo>
-                    <a:pt x="659380" y="134462"/>
-                  </a:lnTo>
-                  <a:lnTo>
-                    <a:pt x="718289" y="134462"/>
-                  </a:lnTo>
-                  <a:lnTo>
-                    <a:pt x="718180" y="83875"/>
-                  </a:lnTo>
-                  <a:lnTo>
-                    <a:pt x="717717" y="74197"/>
-                  </a:lnTo>
-                  <a:lnTo>
-                    <a:pt x="716004" y="63274"/>
-                  </a:lnTo>
-                  <a:lnTo>
-                    <a:pt x="713148" y="53391"/>
-                  </a:lnTo>
-                  <a:lnTo>
-                    <a:pt x="709446" y="45201"/>
-                  </a:lnTo>
-                  <a:close/>
-                </a:path>
-                <a:path w="1609725" h="347979">
-                  <a:moveTo>
-                    <a:pt x="718289" y="219480"/>
-                  </a:moveTo>
-                  <a:lnTo>
-                    <a:pt x="661501" y="219480"/>
-                  </a:lnTo>
-                  <a:lnTo>
-                    <a:pt x="661501" y="253912"/>
-                  </a:lnTo>
-                  <a:lnTo>
-                    <a:pt x="718289" y="253912"/>
-                  </a:lnTo>
-                  <a:lnTo>
-                    <a:pt x="718289" y="219480"/>
-                  </a:lnTo>
-                  <a:close/>
-                </a:path>
-                <a:path w="1609725" h="347979">
-                  <a:moveTo>
-                    <a:pt x="718289" y="134462"/>
-                  </a:moveTo>
-                  <a:lnTo>
-                    <a:pt x="659380" y="134462"/>
-                  </a:lnTo>
-                  <a:lnTo>
-                    <a:pt x="659366" y="164202"/>
-                  </a:lnTo>
-                  <a:lnTo>
-                    <a:pt x="658931" y="170801"/>
-                  </a:lnTo>
-                  <a:lnTo>
-                    <a:pt x="638278" y="204671"/>
-                  </a:lnTo>
-                  <a:lnTo>
-                    <a:pt x="601287" y="215564"/>
-                  </a:lnTo>
-                  <a:lnTo>
-                    <a:pt x="718289" y="215564"/>
-                  </a:lnTo>
-                  <a:lnTo>
-                    <a:pt x="718289" y="134462"/>
-                  </a:lnTo>
-                  <a:close/>
-                </a:path>
-                <a:path w="1609725" h="347979">
-                  <a:moveTo>
-                    <a:pt x="616463" y="0"/>
-                  </a:moveTo>
-                  <a:lnTo>
-                    <a:pt x="568487" y="7832"/>
-                  </a:lnTo>
-                  <a:lnTo>
-                    <a:pt x="531771" y="31004"/>
-                  </a:lnTo>
-                  <a:lnTo>
-                    <a:pt x="510231" y="69189"/>
-                  </a:lnTo>
-                  <a:lnTo>
-                    <a:pt x="565387" y="77022"/>
-                  </a:lnTo>
-                  <a:lnTo>
-                    <a:pt x="568099" y="70790"/>
-                  </a:lnTo>
-                  <a:lnTo>
-                    <a:pt x="571832" y="64987"/>
-                  </a:lnTo>
-                  <a:lnTo>
-                    <a:pt x="606498" y="45793"/>
-                  </a:lnTo>
-                  <a:lnTo>
-                    <a:pt x="616789" y="45201"/>
-                  </a:lnTo>
-                  <a:lnTo>
-                    <a:pt x="709446" y="45201"/>
-                  </a:lnTo>
-                  <a:lnTo>
-                    <a:pt x="709150" y="44548"/>
-                  </a:lnTo>
-                  <a:lnTo>
-                    <a:pt x="677707" y="13727"/>
-                  </a:lnTo>
-                  <a:lnTo>
-                    <a:pt x="634535" y="1060"/>
-                  </a:lnTo>
-                  <a:lnTo>
-                    <a:pt x="625509" y="265"/>
-                  </a:lnTo>
-                  <a:lnTo>
-                    <a:pt x="616463" y="0"/>
-                  </a:lnTo>
-                  <a:close/>
-                </a:path>
-                <a:path w="1609725" h="347979">
-                  <a:moveTo>
-                    <a:pt x="887835" y="51728"/>
-                  </a:moveTo>
-                  <a:lnTo>
-                    <a:pt x="830721" y="51728"/>
-                  </a:lnTo>
-                  <a:lnTo>
-                    <a:pt x="830721" y="253912"/>
-                  </a:lnTo>
-                  <a:lnTo>
-                    <a:pt x="887835" y="253912"/>
-                  </a:lnTo>
-                  <a:lnTo>
-                    <a:pt x="887835" y="51728"/>
-                  </a:lnTo>
-                  <a:close/>
-                </a:path>
-                <a:path w="1609725" h="347979">
-                  <a:moveTo>
-                    <a:pt x="968937" y="3263"/>
-                  </a:moveTo>
-                  <a:lnTo>
-                    <a:pt x="749620" y="3263"/>
-                  </a:lnTo>
-                  <a:lnTo>
-                    <a:pt x="749620" y="51728"/>
-                  </a:lnTo>
-                  <a:lnTo>
-                    <a:pt x="968937" y="51728"/>
-                  </a:lnTo>
-                  <a:lnTo>
-                    <a:pt x="968937" y="3263"/>
-                  </a:lnTo>
-                  <a:close/>
-                </a:path>
-                <a:path w="1609725" h="347979">
-                  <a:moveTo>
-                    <a:pt x="1027887" y="295686"/>
-                  </a:moveTo>
-                  <a:lnTo>
-                    <a:pt x="1014180" y="341704"/>
-                  </a:lnTo>
-                  <a:lnTo>
-                    <a:pt x="1018205" y="343336"/>
-                  </a:lnTo>
-                  <a:lnTo>
-                    <a:pt x="1023590" y="344750"/>
-                  </a:lnTo>
-                  <a:lnTo>
-                    <a:pt x="1030335" y="345947"/>
-                  </a:lnTo>
-                  <a:lnTo>
-                    <a:pt x="1037188" y="347252"/>
-                  </a:lnTo>
-                  <a:lnTo>
-                    <a:pt x="1044640" y="347905"/>
-                  </a:lnTo>
-                  <a:lnTo>
-                    <a:pt x="1052691" y="347905"/>
-                  </a:lnTo>
-                  <a:lnTo>
-                    <a:pt x="1092507" y="340235"/>
-                  </a:lnTo>
-                  <a:lnTo>
-                    <a:pt x="1126408" y="310913"/>
-                  </a:lnTo>
-                  <a:lnTo>
-                    <a:pt x="1132995" y="299385"/>
-                  </a:lnTo>
-                  <a:lnTo>
-                    <a:pt x="1044151" y="299385"/>
-                  </a:lnTo>
-                  <a:lnTo>
-                    <a:pt x="1036481" y="298189"/>
-                  </a:lnTo>
-                  <a:lnTo>
-                    <a:pt x="1027887" y="295686"/>
-                  </a:lnTo>
-                  <a:close/>
-                </a:path>
-                <a:path w="1609725" h="347979">
-                  <a:moveTo>
-                    <a:pt x="1058728" y="3263"/>
-                  </a:moveTo>
-                  <a:lnTo>
-                    <a:pt x="996066" y="3263"/>
-                  </a:lnTo>
-                  <a:lnTo>
-                    <a:pt x="1086959" y="259134"/>
-                  </a:lnTo>
-                  <a:lnTo>
-                    <a:pt x="1081900" y="272678"/>
-                  </a:lnTo>
-                  <a:lnTo>
-                    <a:pt x="1078310" y="282142"/>
-                  </a:lnTo>
-                  <a:lnTo>
-                    <a:pt x="1073904" y="288887"/>
-                  </a:lnTo>
-                  <a:lnTo>
-                    <a:pt x="1068683" y="292912"/>
-                  </a:lnTo>
-                  <a:lnTo>
-                    <a:pt x="1063569" y="297046"/>
-                  </a:lnTo>
-                  <a:lnTo>
-                    <a:pt x="1057640" y="299168"/>
-                  </a:lnTo>
-                  <a:lnTo>
-                    <a:pt x="1044151" y="299385"/>
-                  </a:lnTo>
-                  <a:lnTo>
-                    <a:pt x="1132995" y="299385"/>
-                  </a:lnTo>
-                  <a:lnTo>
-                    <a:pt x="1135710" y="293861"/>
-                  </a:lnTo>
-                  <a:lnTo>
-                    <a:pt x="1139504" y="284264"/>
-                  </a:lnTo>
-                  <a:lnTo>
-                    <a:pt x="1172257" y="192555"/>
-                  </a:lnTo>
-                  <a:lnTo>
-                    <a:pt x="1116495" y="192555"/>
-                  </a:lnTo>
-                  <a:lnTo>
-                    <a:pt x="1058728" y="3263"/>
-                  </a:lnTo>
-                  <a:close/>
-                </a:path>
-                <a:path w="1609725" h="347979">
-                  <a:moveTo>
-                    <a:pt x="1239861" y="3263"/>
-                  </a:moveTo>
-                  <a:lnTo>
-                    <a:pt x="1177036" y="3263"/>
-                  </a:lnTo>
-                  <a:lnTo>
-                    <a:pt x="1119106" y="192555"/>
-                  </a:lnTo>
-                  <a:lnTo>
-                    <a:pt x="1172257" y="192555"/>
-                  </a:lnTo>
-                  <a:lnTo>
-                    <a:pt x="1239861" y="3263"/>
-                  </a:lnTo>
-                  <a:close/>
-                </a:path>
-                <a:path w="1609725" h="347979">
-                  <a:moveTo>
-                    <a:pt x="1381218" y="0"/>
-                  </a:moveTo>
-                  <a:lnTo>
-                    <a:pt x="1331651" y="9270"/>
-                  </a:lnTo>
-                  <a:lnTo>
-                    <a:pt x="1293834" y="36063"/>
-                  </a:lnTo>
-                  <a:lnTo>
-                    <a:pt x="1269703" y="77338"/>
-                  </a:lnTo>
-                  <a:lnTo>
-                    <a:pt x="1261442" y="129567"/>
-                  </a:lnTo>
-                  <a:lnTo>
-                    <a:pt x="1262339" y="148027"/>
-                  </a:lnTo>
-                  <a:lnTo>
-                    <a:pt x="1275802" y="196798"/>
-                  </a:lnTo>
-                  <a:lnTo>
-                    <a:pt x="1304471" y="233300"/>
-                  </a:lnTo>
-                  <a:lnTo>
-                    <a:pt x="1346664" y="254687"/>
-                  </a:lnTo>
-                  <a:lnTo>
-                    <a:pt x="1381544" y="258807"/>
-                  </a:lnTo>
-                  <a:lnTo>
-                    <a:pt x="1396782" y="258093"/>
-                  </a:lnTo>
-                  <a:lnTo>
-                    <a:pt x="1436374" y="247384"/>
-                  </a:lnTo>
-                  <a:lnTo>
-                    <a:pt x="1473253" y="215401"/>
-                  </a:lnTo>
-                  <a:lnTo>
-                    <a:pt x="1475943" y="210668"/>
-                  </a:lnTo>
-                  <a:lnTo>
-                    <a:pt x="1382034" y="210668"/>
-                  </a:lnTo>
-                  <a:lnTo>
-                    <a:pt x="1373110" y="210056"/>
-                  </a:lnTo>
-                  <a:lnTo>
-                    <a:pt x="1337852" y="188843"/>
-                  </a:lnTo>
-                  <a:lnTo>
-                    <a:pt x="1323207" y="152412"/>
-                  </a:lnTo>
-                  <a:lnTo>
-                    <a:pt x="1321330" y="128587"/>
-                  </a:lnTo>
-                  <a:lnTo>
-                    <a:pt x="1321799" y="116390"/>
-                  </a:lnTo>
-                  <a:lnTo>
-                    <a:pt x="1333049" y="76655"/>
-                  </a:lnTo>
-                  <a:lnTo>
-                    <a:pt x="1365022" y="50097"/>
-                  </a:lnTo>
-                  <a:lnTo>
-                    <a:pt x="1382034" y="47649"/>
-                  </a:lnTo>
-                  <a:lnTo>
-                    <a:pt x="1475834" y="47649"/>
-                  </a:lnTo>
-                  <a:lnTo>
-                    <a:pt x="1472927" y="42753"/>
-                  </a:lnTo>
-                  <a:lnTo>
-                    <a:pt x="1435232" y="11259"/>
-                  </a:lnTo>
-                  <a:lnTo>
-                    <a:pt x="1396037" y="703"/>
-                  </a:lnTo>
-                  <a:lnTo>
-                    <a:pt x="1381218" y="0"/>
-                  </a:lnTo>
-                  <a:close/>
-                </a:path>
-                <a:path w="1609725" h="347979">
-                  <a:moveTo>
-                    <a:pt x="1488919" y="168241"/>
-                  </a:moveTo>
-                  <a:lnTo>
-                    <a:pt x="1432457" y="168241"/>
-                  </a:lnTo>
-                  <a:lnTo>
-                    <a:pt x="1430717" y="177270"/>
-                  </a:lnTo>
-                  <a:lnTo>
-                    <a:pt x="1427507" y="184940"/>
-                  </a:lnTo>
-                  <a:lnTo>
-                    <a:pt x="1418152" y="197559"/>
-                  </a:lnTo>
-                  <a:lnTo>
-                    <a:pt x="1412332" y="202400"/>
-                  </a:lnTo>
-                  <a:lnTo>
-                    <a:pt x="1398515" y="209036"/>
-                  </a:lnTo>
-                  <a:lnTo>
-                    <a:pt x="1390737" y="210668"/>
-                  </a:lnTo>
-                  <a:lnTo>
-                    <a:pt x="1475943" y="210668"/>
-                  </a:lnTo>
-                  <a:lnTo>
-                    <a:pt x="1479311" y="204743"/>
-                  </a:lnTo>
-                  <a:lnTo>
-                    <a:pt x="1483941" y="193330"/>
-                  </a:lnTo>
-                  <a:lnTo>
-                    <a:pt x="1487144" y="181163"/>
-                  </a:lnTo>
-                  <a:lnTo>
-                    <a:pt x="1488919" y="168241"/>
-                  </a:lnTo>
-                  <a:close/>
-                </a:path>
-                <a:path w="1609725" h="347979">
-                  <a:moveTo>
-                    <a:pt x="1475834" y="47649"/>
-                  </a:moveTo>
-                  <a:lnTo>
-                    <a:pt x="1382034" y="47649"/>
-                  </a:lnTo>
-                  <a:lnTo>
-                    <a:pt x="1392182" y="48414"/>
-                  </a:lnTo>
-                  <a:lnTo>
-                    <a:pt x="1401249" y="50708"/>
-                  </a:lnTo>
-                  <a:lnTo>
-                    <a:pt x="1430152" y="81397"/>
-                  </a:lnTo>
-                  <a:lnTo>
-                    <a:pt x="1432457" y="90076"/>
-                  </a:lnTo>
-                  <a:lnTo>
-                    <a:pt x="1488919" y="90076"/>
-                  </a:lnTo>
-                  <a:lnTo>
-                    <a:pt x="1487185" y="76961"/>
-                  </a:lnTo>
-                  <a:lnTo>
-                    <a:pt x="1483942" y="64701"/>
-                  </a:lnTo>
-                  <a:lnTo>
-                    <a:pt x="1479189" y="53299"/>
-                  </a:lnTo>
-                  <a:lnTo>
-                    <a:pt x="1475834" y="47649"/>
-                  </a:lnTo>
-                  <a:close/>
-                </a:path>
-                <a:path w="1609725" h="347979">
-                  <a:moveTo>
-                    <a:pt x="1573814" y="186028"/>
-                  </a:moveTo>
-                  <a:lnTo>
-                    <a:pt x="1540443" y="207976"/>
-                  </a:lnTo>
-                  <a:lnTo>
-                    <a:pt x="1537914" y="221602"/>
-                  </a:lnTo>
-                  <a:lnTo>
-                    <a:pt x="1538506" y="228822"/>
-                  </a:lnTo>
-                  <a:lnTo>
-                    <a:pt x="1566655" y="256849"/>
-                  </a:lnTo>
-                  <a:lnTo>
-                    <a:pt x="1573814" y="257502"/>
-                  </a:lnTo>
-                  <a:lnTo>
-                    <a:pt x="1580233" y="257502"/>
-                  </a:lnTo>
-                  <a:lnTo>
-                    <a:pt x="1586108" y="255924"/>
-                  </a:lnTo>
-                  <a:lnTo>
-                    <a:pt x="1596878" y="249506"/>
-                  </a:lnTo>
-                  <a:lnTo>
-                    <a:pt x="1601229" y="245154"/>
-                  </a:lnTo>
-                  <a:lnTo>
-                    <a:pt x="1604493" y="239715"/>
-                  </a:lnTo>
-                  <a:lnTo>
-                    <a:pt x="1607865" y="234275"/>
-                  </a:lnTo>
-                  <a:lnTo>
-                    <a:pt x="1609606" y="228238"/>
-                  </a:lnTo>
-                  <a:lnTo>
-                    <a:pt x="1609714" y="221602"/>
-                  </a:lnTo>
-                  <a:lnTo>
-                    <a:pt x="1608970" y="214523"/>
-                  </a:lnTo>
-                  <a:lnTo>
-                    <a:pt x="1580760" y="186680"/>
-                  </a:lnTo>
-                  <a:lnTo>
-                    <a:pt x="1573814" y="186028"/>
-                  </a:lnTo>
-                  <a:close/>
-                </a:path>
-                <a:path w="1609725" h="347979">
-                  <a:moveTo>
-                    <a:pt x="1573814" y="7016"/>
-                  </a:moveTo>
-                  <a:lnTo>
-                    <a:pt x="1540443" y="29128"/>
-                  </a:lnTo>
-                  <a:lnTo>
-                    <a:pt x="1537914" y="42753"/>
-                  </a:lnTo>
-                  <a:lnTo>
-                    <a:pt x="1538506" y="49913"/>
-                  </a:lnTo>
-                  <a:lnTo>
-                    <a:pt x="1566655" y="78001"/>
-                  </a:lnTo>
-                  <a:lnTo>
-                    <a:pt x="1573814" y="78654"/>
-                  </a:lnTo>
-                  <a:lnTo>
-                    <a:pt x="1580233" y="78654"/>
-                  </a:lnTo>
-                  <a:lnTo>
-                    <a:pt x="1586108" y="77022"/>
-                  </a:lnTo>
-                  <a:lnTo>
-                    <a:pt x="1591438" y="73758"/>
-                  </a:lnTo>
-                  <a:lnTo>
-                    <a:pt x="1596878" y="70494"/>
-                  </a:lnTo>
-                  <a:lnTo>
-                    <a:pt x="1601229" y="66143"/>
-                  </a:lnTo>
-                  <a:lnTo>
-                    <a:pt x="1604493" y="60703"/>
-                  </a:lnTo>
-                  <a:lnTo>
-                    <a:pt x="1607865" y="55264"/>
-                  </a:lnTo>
-                  <a:lnTo>
-                    <a:pt x="1609606" y="49281"/>
-                  </a:lnTo>
-                  <a:lnTo>
-                    <a:pt x="1609714" y="42753"/>
-                  </a:lnTo>
-                  <a:lnTo>
-                    <a:pt x="1608970" y="35675"/>
-                  </a:lnTo>
-                  <a:lnTo>
-                    <a:pt x="1580760" y="7679"/>
-                  </a:lnTo>
-                  <a:lnTo>
-                    <a:pt x="1573814" y="7016"/>
-                  </a:lnTo>
-                  <a:close/>
-                </a:path>
-              </a:pathLst>
-            </a:custGeom>
-            <a:solidFill>
-              <a:srgbClr val="000000"/>
-            </a:solidFill>
-          </p:spPr>
-          <p:txBody>
-            <a:bodyPr wrap="square" lIns="0" tIns="0" rIns="0" bIns="0" rtlCol="0"/>
-            <a:lstStyle/>
-            <a:p>
-              <a:endParaRPr/>
-            </a:p>
-          </p:txBody>
-        </p:sp>
-        <p:pic>
-          <p:nvPicPr>
-            <p:cNvPr id="12" name="object 12"/>
-            <p:cNvPicPr/>
-            <p:nvPr/>
-          </p:nvPicPr>
-          <p:blipFill>
-            <a:blip r:embed="rId8" cstate="print"/>
-            <a:stretch>
-              <a:fillRect/>
-            </a:stretch>
-          </p:blipFill>
-          <p:spPr>
-            <a:xfrm>
-              <a:off x="3268765" y="4787996"/>
-              <a:ext cx="3467059" cy="437329"/>
-            </a:xfrm>
-            <a:prstGeom prst="rect">
-              <a:avLst/>
-            </a:prstGeom>
-          </p:spPr>
-        </p:pic>
-        <p:pic>
-          <p:nvPicPr>
-            <p:cNvPr id="13" name="object 13"/>
-            <p:cNvPicPr/>
-            <p:nvPr/>
-          </p:nvPicPr>
-          <p:blipFill>
-            <a:blip r:embed="rId9" cstate="print"/>
-            <a:stretch>
-              <a:fillRect/>
-            </a:stretch>
-          </p:blipFill>
-          <p:spPr>
-            <a:xfrm>
-              <a:off x="258481" y="373361"/>
-              <a:ext cx="660563" cy="880751"/>
-            </a:xfrm>
-            <a:prstGeom prst="rect">
-              <a:avLst/>
-            </a:prstGeom>
-          </p:spPr>
-        </p:pic>
-        <p:pic>
-          <p:nvPicPr>
-            <p:cNvPr id="14" name="object 14"/>
-            <p:cNvPicPr/>
-            <p:nvPr/>
-          </p:nvPicPr>
-          <p:blipFill>
-            <a:blip r:embed="rId10" cstate="print"/>
-            <a:stretch>
-              <a:fillRect/>
-            </a:stretch>
-          </p:blipFill>
-          <p:spPr>
-            <a:xfrm>
-              <a:off x="19146" y="10138210"/>
-              <a:ext cx="1388140" cy="1388140"/>
-            </a:xfrm>
-            <a:prstGeom prst="rect">
-              <a:avLst/>
-            </a:prstGeom>
-          </p:spPr>
-        </p:pic>
-        <p:sp>
-          <p:nvSpPr>
-            <p:cNvPr id="15" name="object 15"/>
+            <p:cNvPr id="19" name="object 19"/>
             <p:cNvSpPr/>
             <p:nvPr/>
           </p:nvSpPr>
@@ -43672,14 +45343,12 @@
           <p:txBody>
             <a:bodyPr wrap="square" lIns="0" tIns="0" rIns="0" bIns="0" rtlCol="0"/>
             <a:lstStyle/>
-            <a:p>
-              <a:endParaRPr/>
-            </a:p>
+            <a:p/>
           </p:txBody>
         </p:sp>
         <p:pic>
           <p:nvPicPr>
-            <p:cNvPr id="16" name="object 16"/>
+            <p:cNvPr id="20" name="object 20"/>
             <p:cNvPicPr/>
             <p:nvPr/>
           </p:nvPicPr>
@@ -43699,9 +45368,24 @@
             </a:prstGeom>
           </p:spPr>
         </p:pic>
+      </p:grpSp>
+      <p:grpSp>
+        <p:nvGrpSpPr>
+          <p:cNvPr id="21" name="object 21"/>
+          <p:cNvGrpSpPr/>
+          <p:nvPr/>
+        </p:nvGrpSpPr>
+        <p:grpSpPr>
+          <a:xfrm>
+            <a:off x="5313226" y="2900734"/>
+            <a:ext cx="4126229" cy="363855"/>
+            <a:chOff x="5313226" y="2900734"/>
+            <a:chExt cx="4126229" cy="363855"/>
+          </a:xfrm>
+        </p:grpSpPr>
         <p:sp>
           <p:nvSpPr>
-            <p:cNvPr id="17" name="object 17"/>
+            <p:cNvPr id="22" name="object 22"/>
             <p:cNvSpPr/>
             <p:nvPr/>
           </p:nvSpPr>
@@ -43744,14 +45428,12 @@
           <p:txBody>
             <a:bodyPr wrap="square" lIns="0" tIns="0" rIns="0" bIns="0" rtlCol="0"/>
             <a:lstStyle/>
-            <a:p>
-              <a:endParaRPr/>
-            </a:p>
+            <a:p/>
           </p:txBody>
         </p:sp>
         <p:pic>
           <p:nvPicPr>
-            <p:cNvPr id="18" name="object 18"/>
+            <p:cNvPr id="23" name="object 23"/>
             <p:cNvPicPr/>
             <p:nvPr/>
           </p:nvPicPr>
@@ -43771,31 +45453,226 @@
             </a:prstGeom>
           </p:spPr>
         </p:pic>
-        <p:pic>
-          <p:nvPicPr>
-            <p:cNvPr id="19" name="object 19"/>
-            <p:cNvPicPr/>
-            <p:nvPr/>
-          </p:nvPicPr>
-          <p:blipFill>
-            <a:blip r:embed="rId13" cstate="print"/>
-            <a:stretch>
-              <a:fillRect/>
-            </a:stretch>
-          </p:blipFill>
-          <p:spPr>
-            <a:xfrm>
-              <a:off x="0" y="8070360"/>
-              <a:ext cx="1407286" cy="1665768"/>
-            </a:xfrm>
-            <a:prstGeom prst="rect">
-              <a:avLst/>
-            </a:prstGeom>
-          </p:spPr>
-        </p:pic>
+      </p:grpSp>
+      <p:pic>
+        <p:nvPicPr>
+          <p:cNvPr id="24" name="object 24"/>
+          <p:cNvPicPr/>
+          <p:nvPr/>
+        </p:nvPicPr>
+        <p:blipFill>
+          <a:blip r:embed="rId13" cstate="print"/>
+          <a:stretch>
+            <a:fillRect/>
+          </a:stretch>
+        </p:blipFill>
+        <p:spPr>
+          <a:xfrm>
+            <a:off x="0" y="8070360"/>
+            <a:ext cx="1407286" cy="1665768"/>
+          </a:xfrm>
+          <a:prstGeom prst="rect">
+            <a:avLst/>
+          </a:prstGeom>
+        </p:spPr>
+      </p:pic>
+      <p:sp>
+        <p:nvSpPr>
+          <p:cNvPr id="25" name="object 25"/>
+          <p:cNvSpPr/>
+          <p:nvPr/>
+        </p:nvSpPr>
+        <p:spPr>
+          <a:xfrm>
+            <a:off x="3086477" y="7204078"/>
+            <a:ext cx="175895" cy="282575"/>
+          </a:xfrm>
+          <a:custGeom>
+            <a:avLst/>
+            <a:gdLst/>
+            <a:ahLst/>
+            <a:cxnLst/>
+            <a:rect l="l" t="t" r="r" b="b"/>
+            <a:pathLst>
+              <a:path w="175895" h="282575">
+                <a:moveTo>
+                  <a:pt x="87030" y="0"/>
+                </a:moveTo>
+                <a:lnTo>
+                  <a:pt x="43107" y="10334"/>
+                </a:lnTo>
+                <a:lnTo>
+                  <a:pt x="12374" y="39163"/>
+                </a:lnTo>
+                <a:lnTo>
+                  <a:pt x="1087" y="82135"/>
+                </a:lnTo>
+                <a:lnTo>
+                  <a:pt x="33180" y="82135"/>
+                </a:lnTo>
+                <a:lnTo>
+                  <a:pt x="33579" y="74435"/>
+                </a:lnTo>
+                <a:lnTo>
+                  <a:pt x="34778" y="67244"/>
+                </a:lnTo>
+                <a:lnTo>
+                  <a:pt x="57929" y="36036"/>
+                </a:lnTo>
+                <a:lnTo>
+                  <a:pt x="85942" y="29372"/>
+                </a:lnTo>
+                <a:lnTo>
+                  <a:pt x="93303" y="29738"/>
+                </a:lnTo>
+                <a:lnTo>
+                  <a:pt x="132177" y="51810"/>
+                </a:lnTo>
+                <a:lnTo>
+                  <a:pt x="139249" y="77239"/>
+                </a:lnTo>
+                <a:lnTo>
+                  <a:pt x="139249" y="85761"/>
+                </a:lnTo>
+                <a:lnTo>
+                  <a:pt x="118579" y="126466"/>
+                </a:lnTo>
+                <a:lnTo>
+                  <a:pt x="0" y="257828"/>
+                </a:lnTo>
+                <a:lnTo>
+                  <a:pt x="0" y="282305"/>
+                </a:lnTo>
+                <a:lnTo>
+                  <a:pt x="175693" y="282305"/>
+                </a:lnTo>
+                <a:lnTo>
+                  <a:pt x="175693" y="252389"/>
+                </a:lnTo>
+                <a:lnTo>
+                  <a:pt x="46235" y="252389"/>
+                </a:lnTo>
+                <a:lnTo>
+                  <a:pt x="46235" y="250213"/>
+                </a:lnTo>
+                <a:lnTo>
+                  <a:pt x="108788" y="183308"/>
+                </a:lnTo>
+                <a:lnTo>
+                  <a:pt x="138798" y="149193"/>
+                </a:lnTo>
+                <a:lnTo>
+                  <a:pt x="161992" y="114780"/>
+                </a:lnTo>
+                <a:lnTo>
+                  <a:pt x="170797" y="77239"/>
+                </a:lnTo>
+                <a:lnTo>
+                  <a:pt x="170126" y="66743"/>
+                </a:lnTo>
+                <a:lnTo>
+                  <a:pt x="154173" y="29891"/>
+                </a:lnTo>
+                <a:lnTo>
+                  <a:pt x="120610" y="5813"/>
+                </a:lnTo>
+                <a:lnTo>
+                  <a:pt x="98920" y="645"/>
+                </a:lnTo>
+                <a:lnTo>
+                  <a:pt x="87030" y="0"/>
+                </a:lnTo>
+                <a:close/>
+              </a:path>
+            </a:pathLst>
+          </a:custGeom>
+          <a:solidFill>
+            <a:srgbClr val="000000"/>
+          </a:solidFill>
+        </p:spPr>
+        <p:txBody>
+          <a:bodyPr wrap="square" lIns="0" tIns="0" rIns="0" bIns="0" rtlCol="0"/>
+          <a:lstStyle/>
+          <a:p/>
+        </p:txBody>
+      </p:sp>
+      <p:sp>
+        <p:nvSpPr>
+          <p:cNvPr id="26" name="object 26"/>
+          <p:cNvSpPr/>
+          <p:nvPr/>
+        </p:nvSpPr>
+        <p:spPr>
+          <a:xfrm>
+            <a:off x="3107962" y="6470735"/>
+            <a:ext cx="103505" cy="278765"/>
+          </a:xfrm>
+          <a:custGeom>
+            <a:avLst/>
+            <a:gdLst/>
+            <a:ahLst/>
+            <a:cxnLst/>
+            <a:rect l="l" t="t" r="r" b="b"/>
+            <a:pathLst>
+              <a:path w="103505" h="278765">
+                <a:moveTo>
+                  <a:pt x="103348" y="0"/>
+                </a:moveTo>
+                <a:lnTo>
+                  <a:pt x="69624" y="0"/>
+                </a:lnTo>
+                <a:lnTo>
+                  <a:pt x="0" y="46235"/>
+                </a:lnTo>
+                <a:lnTo>
+                  <a:pt x="0" y="80503"/>
+                </a:lnTo>
+                <a:lnTo>
+                  <a:pt x="67992" y="35356"/>
+                </a:lnTo>
+                <a:lnTo>
+                  <a:pt x="69624" y="35356"/>
+                </a:lnTo>
+                <a:lnTo>
+                  <a:pt x="69624" y="278498"/>
+                </a:lnTo>
+                <a:lnTo>
+                  <a:pt x="103348" y="278498"/>
+                </a:lnTo>
+                <a:lnTo>
+                  <a:pt x="103348" y="0"/>
+                </a:lnTo>
+                <a:close/>
+              </a:path>
+            </a:pathLst>
+          </a:custGeom>
+          <a:solidFill>
+            <a:srgbClr val="000000"/>
+          </a:solidFill>
+        </p:spPr>
+        <p:txBody>
+          <a:bodyPr wrap="square" lIns="0" tIns="0" rIns="0" bIns="0" rtlCol="0"/>
+          <a:lstStyle/>
+          <a:p/>
+        </p:txBody>
+      </p:sp>
+      <p:grpSp>
+        <p:nvGrpSpPr>
+          <p:cNvPr id="27" name="object 27"/>
+          <p:cNvGrpSpPr/>
+          <p:nvPr/>
+        </p:nvGrpSpPr>
+        <p:grpSpPr>
+          <a:xfrm>
+            <a:off x="2651196" y="5389813"/>
+            <a:ext cx="10509250" cy="3896360"/>
+            <a:chOff x="2651196" y="5389813"/>
+            <a:chExt cx="10509250" cy="3896360"/>
+          </a:xfrm>
+        </p:grpSpPr>
         <p:sp>
           <p:nvSpPr>
-            <p:cNvPr id="20" name="object 20"/>
+            <p:cNvPr id="28" name="object 28"/>
             <p:cNvSpPr/>
             <p:nvPr/>
           </p:nvSpPr>
@@ -43861,54 +45738,24 @@
                 </a:path>
                 <a:path w="10509250" h="3896995">
                   <a:moveTo>
-                    <a:pt x="560120" y="1080922"/>
-                  </a:moveTo>
-                  <a:lnTo>
-                    <a:pt x="526389" y="1080922"/>
-                  </a:lnTo>
-                  <a:lnTo>
-                    <a:pt x="456768" y="1127163"/>
-                  </a:lnTo>
-                  <a:lnTo>
-                    <a:pt x="456768" y="1161427"/>
-                  </a:lnTo>
-                  <a:lnTo>
-                    <a:pt x="524764" y="1116279"/>
-                  </a:lnTo>
-                  <a:lnTo>
-                    <a:pt x="526389" y="1116279"/>
-                  </a:lnTo>
-                  <a:lnTo>
-                    <a:pt x="526389" y="1359420"/>
-                  </a:lnTo>
-                  <a:lnTo>
-                    <a:pt x="560120" y="1359420"/>
-                  </a:lnTo>
-                  <a:lnTo>
-                    <a:pt x="560120" y="1080922"/>
+                    <a:pt x="584212" y="491070"/>
+                  </a:moveTo>
+                  <a:lnTo>
+                    <a:pt x="465632" y="491070"/>
+                  </a:lnTo>
+                  <a:lnTo>
+                    <a:pt x="465632" y="518820"/>
+                  </a:lnTo>
+                  <a:lnTo>
+                    <a:pt x="584212" y="518820"/>
+                  </a:lnTo>
+                  <a:lnTo>
+                    <a:pt x="584212" y="491070"/>
                   </a:lnTo>
                   <a:close/>
                 </a:path>
                 <a:path w="10509250" h="3896995">
                   <a:moveTo>
-                    <a:pt x="584212" y="491070"/>
-                  </a:moveTo>
-                  <a:lnTo>
-                    <a:pt x="465632" y="491070"/>
-                  </a:lnTo>
-                  <a:lnTo>
-                    <a:pt x="465632" y="518820"/>
-                  </a:lnTo>
-                  <a:lnTo>
-                    <a:pt x="584212" y="518820"/>
-                  </a:lnTo>
-                  <a:lnTo>
-                    <a:pt x="584212" y="491070"/>
-                  </a:lnTo>
-                  <a:close/>
-                </a:path>
-                <a:path w="10509250" h="3896995">
-                  <a:moveTo>
                     <a:pt x="589102" y="384467"/>
                   </a:moveTo>
                   <a:lnTo>
@@ -44003,99 +45850,6 @@
                   </a:lnTo>
                   <a:lnTo>
                     <a:pt x="589102" y="384467"/>
-                  </a:lnTo>
-                  <a:close/>
-                </a:path>
-                <a:path w="10509250" h="3896995">
-                  <a:moveTo>
-                    <a:pt x="610971" y="2066658"/>
-                  </a:moveTo>
-                  <a:lnTo>
-                    <a:pt x="481520" y="2066658"/>
-                  </a:lnTo>
-                  <a:lnTo>
-                    <a:pt x="481520" y="2064486"/>
-                  </a:lnTo>
-                  <a:lnTo>
-                    <a:pt x="544068" y="1997570"/>
-                  </a:lnTo>
-                  <a:lnTo>
-                    <a:pt x="555383" y="1985213"/>
-                  </a:lnTo>
-                  <a:lnTo>
-                    <a:pt x="581469" y="1954060"/>
-                  </a:lnTo>
-                  <a:lnTo>
-                    <a:pt x="602945" y="1914169"/>
-                  </a:lnTo>
-                  <a:lnTo>
-                    <a:pt x="606082" y="1891512"/>
-                  </a:lnTo>
-                  <a:lnTo>
-                    <a:pt x="605409" y="1881009"/>
-                  </a:lnTo>
-                  <a:lnTo>
-                    <a:pt x="589457" y="1844154"/>
-                  </a:lnTo>
-                  <a:lnTo>
-                    <a:pt x="555891" y="1820075"/>
-                  </a:lnTo>
-                  <a:lnTo>
-                    <a:pt x="522312" y="1814271"/>
-                  </a:lnTo>
-                  <a:lnTo>
-                    <a:pt x="510438" y="1814918"/>
-                  </a:lnTo>
-                  <a:lnTo>
-                    <a:pt x="469176" y="1830285"/>
-                  </a:lnTo>
-                  <a:lnTo>
-                    <a:pt x="442722" y="1863051"/>
-                  </a:lnTo>
-                  <a:lnTo>
-                    <a:pt x="436372" y="1896402"/>
-                  </a:lnTo>
-                  <a:lnTo>
-                    <a:pt x="468464" y="1896402"/>
-                  </a:lnTo>
-                  <a:lnTo>
-                    <a:pt x="468858" y="1888705"/>
-                  </a:lnTo>
-                  <a:lnTo>
-                    <a:pt x="470065" y="1881517"/>
-                  </a:lnTo>
-                  <a:lnTo>
-                    <a:pt x="493217" y="1850301"/>
-                  </a:lnTo>
-                  <a:lnTo>
-                    <a:pt x="521220" y="1843646"/>
-                  </a:lnTo>
-                  <a:lnTo>
-                    <a:pt x="528586" y="1844001"/>
-                  </a:lnTo>
-                  <a:lnTo>
-                    <a:pt x="567461" y="1866074"/>
-                  </a:lnTo>
-                  <a:lnTo>
-                    <a:pt x="574535" y="1891512"/>
-                  </a:lnTo>
-                  <a:lnTo>
-                    <a:pt x="574535" y="1900034"/>
-                  </a:lnTo>
-                  <a:lnTo>
-                    <a:pt x="553859" y="1940737"/>
-                  </a:lnTo>
-                  <a:lnTo>
-                    <a:pt x="435279" y="2072093"/>
-                  </a:lnTo>
-                  <a:lnTo>
-                    <a:pt x="435279" y="2096579"/>
-                  </a:lnTo>
-                  <a:lnTo>
-                    <a:pt x="610971" y="2096579"/>
-                  </a:lnTo>
-                  <a:lnTo>
-                    <a:pt x="610971" y="2066658"/>
                   </a:lnTo>
                   <a:close/>
                 </a:path>
@@ -44246,14 +46000,12 @@
           <p:txBody>
             <a:bodyPr wrap="square" lIns="0" tIns="0" rIns="0" bIns="0" rtlCol="0"/>
             <a:lstStyle/>
-            <a:p>
-              <a:endParaRPr/>
-            </a:p>
+            <a:p/>
           </p:txBody>
         </p:sp>
         <p:pic>
           <p:nvPicPr>
-            <p:cNvPr id="21" name="object 21"/>
+            <p:cNvPr id="29" name="object 29"/>
             <p:cNvPicPr/>
             <p:nvPr/>
           </p:nvPicPr>
@@ -44275,7 +46027,7 @@
         </p:pic>
         <p:pic>
           <p:nvPicPr>
-            <p:cNvPr id="22" name="object 22"/>
+            <p:cNvPr id="30" name="object 30"/>
             <p:cNvPicPr/>
             <p:nvPr/>
           </p:nvPicPr>
@@ -44297,7 +46049,7 @@
         </p:pic>
         <p:pic>
           <p:nvPicPr>
-            <p:cNvPr id="23" name="object 23"/>
+            <p:cNvPr id="31" name="object 31"/>
             <p:cNvPicPr/>
             <p:nvPr/>
           </p:nvPicPr>
@@ -44317,9 +46069,84 @@
             </a:prstGeom>
           </p:spPr>
         </p:pic>
+      </p:grpSp>
+      <p:sp>
+        <p:nvSpPr>
+          <p:cNvPr id="32" name="object 32"/>
+          <p:cNvSpPr/>
+          <p:nvPr/>
+        </p:nvSpPr>
+        <p:spPr>
+          <a:xfrm>
+            <a:off x="3107962" y="10319234"/>
+            <a:ext cx="103505" cy="278765"/>
+          </a:xfrm>
+          <a:custGeom>
+            <a:avLst/>
+            <a:gdLst/>
+            <a:ahLst/>
+            <a:cxnLst/>
+            <a:rect l="l" t="t" r="r" b="b"/>
+            <a:pathLst>
+              <a:path w="103505" h="278765">
+                <a:moveTo>
+                  <a:pt x="103348" y="0"/>
+                </a:moveTo>
+                <a:lnTo>
+                  <a:pt x="69624" y="0"/>
+                </a:lnTo>
+                <a:lnTo>
+                  <a:pt x="0" y="46235"/>
+                </a:lnTo>
+                <a:lnTo>
+                  <a:pt x="0" y="80503"/>
+                </a:lnTo>
+                <a:lnTo>
+                  <a:pt x="67992" y="35356"/>
+                </a:lnTo>
+                <a:lnTo>
+                  <a:pt x="69624" y="35356"/>
+                </a:lnTo>
+                <a:lnTo>
+                  <a:pt x="69624" y="278498"/>
+                </a:lnTo>
+                <a:lnTo>
+                  <a:pt x="103348" y="278498"/>
+                </a:lnTo>
+                <a:lnTo>
+                  <a:pt x="103348" y="0"/>
+                </a:lnTo>
+                <a:close/>
+              </a:path>
+            </a:pathLst>
+          </a:custGeom>
+          <a:solidFill>
+            <a:srgbClr val="000000"/>
+          </a:solidFill>
+        </p:spPr>
+        <p:txBody>
+          <a:bodyPr wrap="square" lIns="0" tIns="0" rIns="0" bIns="0" rtlCol="0"/>
+          <a:lstStyle/>
+          <a:p/>
+        </p:txBody>
+      </p:sp>
+      <p:grpSp>
+        <p:nvGrpSpPr>
+          <p:cNvPr id="33" name="object 33"/>
+          <p:cNvGrpSpPr/>
+          <p:nvPr/>
+        </p:nvGrpSpPr>
+        <p:grpSpPr>
+          <a:xfrm>
+            <a:off x="2651196" y="9238312"/>
+            <a:ext cx="10509250" cy="3896360"/>
+            <a:chOff x="2651196" y="9238312"/>
+            <a:chExt cx="10509250" cy="3896360"/>
+          </a:xfrm>
+        </p:grpSpPr>
         <p:sp>
           <p:nvSpPr>
-            <p:cNvPr id="24" name="object 24"/>
+            <p:cNvPr id="34" name="object 34"/>
             <p:cNvSpPr/>
             <p:nvPr/>
           </p:nvSpPr>
@@ -44385,36 +46212,6 @@
                 </a:path>
                 <a:path w="10509250" h="3896359">
                   <a:moveTo>
-                    <a:pt x="560120" y="1080922"/>
-                  </a:moveTo>
-                  <a:lnTo>
-                    <a:pt x="526389" y="1080922"/>
-                  </a:lnTo>
-                  <a:lnTo>
-                    <a:pt x="456768" y="1127150"/>
-                  </a:lnTo>
-                  <a:lnTo>
-                    <a:pt x="456768" y="1161415"/>
-                  </a:lnTo>
-                  <a:lnTo>
-                    <a:pt x="524764" y="1116279"/>
-                  </a:lnTo>
-                  <a:lnTo>
-                    <a:pt x="526389" y="1116279"/>
-                  </a:lnTo>
-                  <a:lnTo>
-                    <a:pt x="526389" y="1359420"/>
-                  </a:lnTo>
-                  <a:lnTo>
-                    <a:pt x="560120" y="1359420"/>
-                  </a:lnTo>
-                  <a:lnTo>
-                    <a:pt x="560120" y="1080922"/>
-                  </a:lnTo>
-                  <a:close/>
-                </a:path>
-                <a:path w="10509250" h="3896359">
-                  <a:moveTo>
                     <a:pt x="584212" y="491070"/>
                   </a:moveTo>
                   <a:lnTo>
@@ -44677,14 +46474,12 @@
           <p:txBody>
             <a:bodyPr wrap="square" lIns="0" tIns="0" rIns="0" bIns="0" rtlCol="0"/>
             <a:lstStyle/>
-            <a:p>
-              <a:endParaRPr/>
-            </a:p>
+            <a:p/>
           </p:txBody>
         </p:sp>
         <p:pic>
           <p:nvPicPr>
-            <p:cNvPr id="25" name="object 25"/>
+            <p:cNvPr id="35" name="object 35"/>
             <p:cNvPicPr/>
             <p:nvPr/>
           </p:nvPicPr>
@@ -44706,7 +46501,7 @@
         </p:pic>
         <p:pic>
           <p:nvPicPr>
-            <p:cNvPr id="26" name="object 26"/>
+            <p:cNvPr id="36" name="object 36"/>
             <p:cNvPicPr/>
             <p:nvPr/>
           </p:nvPicPr>
@@ -44728,13 +46523,13 @@
         </p:pic>
         <p:sp>
           <p:nvSpPr>
-            <p:cNvPr id="27" name="object 27"/>
+            <p:cNvPr id="37" name="object 37"/>
             <p:cNvSpPr/>
             <p:nvPr/>
           </p:nvSpPr>
           <p:spPr>
             <a:xfrm>
-              <a:off x="11191282" y="10272237"/>
+              <a:off x="11191282" y="10272238"/>
               <a:ext cx="1493520" cy="402590"/>
             </a:xfrm>
             <a:custGeom>
@@ -44771,20 +46566,18 @@
           <p:txBody>
             <a:bodyPr wrap="square" lIns="0" tIns="0" rIns="0" bIns="0" rtlCol="0"/>
             <a:lstStyle/>
-            <a:p>
-              <a:endParaRPr/>
-            </a:p>
+            <a:p/>
           </p:txBody>
         </p:sp>
         <p:sp>
           <p:nvSpPr>
-            <p:cNvPr id="28" name="object 28"/>
+            <p:cNvPr id="38" name="object 38"/>
             <p:cNvSpPr/>
             <p:nvPr/>
           </p:nvSpPr>
           <p:spPr>
             <a:xfrm>
-              <a:off x="11559340" y="10396692"/>
+              <a:off x="11559340" y="10396691"/>
               <a:ext cx="1023619" cy="182880"/>
             </a:xfrm>
             <a:custGeom>
@@ -46099,9 +47892,7 @@
           <p:txBody>
             <a:bodyPr wrap="square" lIns="0" tIns="0" rIns="0" bIns="0" rtlCol="0"/>
             <a:lstStyle/>
-            <a:p>
-              <a:endParaRPr/>
-            </a:p>
+            <a:p/>
           </p:txBody>
         </p:sp>
       </p:grpSp>
@@ -46175,9 +47966,7 @@
         <p:txBody>
           <a:bodyPr wrap="square" lIns="0" tIns="0" rIns="0" bIns="0" rtlCol="0"/>
           <a:lstStyle/>
-          <a:p>
-            <a:endParaRPr/>
-          </a:p>
+          <a:p/>
         </p:txBody>
       </p:sp>
       <p:pic>
@@ -46505,9 +48294,7 @@
           <p:txBody>
             <a:bodyPr wrap="square" lIns="0" tIns="0" rIns="0" bIns="0" rtlCol="0"/>
             <a:lstStyle/>
-            <a:p>
-              <a:endParaRPr/>
-            </a:p>
+            <a:p/>
           </p:txBody>
         </p:sp>
         <p:sp>
@@ -46633,9 +48420,7 @@
           <p:txBody>
             <a:bodyPr wrap="square" lIns="0" tIns="0" rIns="0" bIns="0" rtlCol="0"/>
             <a:lstStyle/>
-            <a:p>
-              <a:endParaRPr/>
-            </a:p>
+            <a:p/>
           </p:txBody>
         </p:sp>
       </p:grpSp>
@@ -46698,9 +48483,7 @@
           <p:txBody>
             <a:bodyPr wrap="square" lIns="0" tIns="0" rIns="0" bIns="0" rtlCol="0"/>
             <a:lstStyle/>
-            <a:p>
-              <a:endParaRPr/>
-            </a:p>
+            <a:p/>
           </p:txBody>
         </p:sp>
         <p:sp>
@@ -47903,9 +49686,7 @@
           <p:txBody>
             <a:bodyPr wrap="square" lIns="0" tIns="0" rIns="0" bIns="0" rtlCol="0"/>
             <a:lstStyle/>
-            <a:p>
-              <a:endParaRPr/>
-            </a:p>
+            <a:p/>
           </p:txBody>
         </p:sp>
         <p:sp>
@@ -47953,9 +49734,7 @@
           <p:txBody>
             <a:bodyPr wrap="square" lIns="0" tIns="0" rIns="0" bIns="0" rtlCol="0"/>
             <a:lstStyle/>
-            <a:p>
-              <a:endParaRPr/>
-            </a:p>
+            <a:p/>
           </p:txBody>
         </p:sp>
         <p:sp>
@@ -49050,9 +50829,7 @@
           <p:txBody>
             <a:bodyPr wrap="square" lIns="0" tIns="0" rIns="0" bIns="0" rtlCol="0"/>
             <a:lstStyle/>
-            <a:p>
-              <a:endParaRPr/>
-            </a:p>
+            <a:p/>
           </p:txBody>
         </p:sp>
       </p:grpSp>
@@ -49115,9 +50892,7 @@
           <p:txBody>
             <a:bodyPr wrap="square" lIns="0" tIns="0" rIns="0" bIns="0" rtlCol="0"/>
             <a:lstStyle/>
-            <a:p>
-              <a:endParaRPr/>
-            </a:p>
+            <a:p/>
           </p:txBody>
         </p:sp>
         <p:sp>
@@ -49165,9 +50940,7 @@
           <p:txBody>
             <a:bodyPr wrap="square" lIns="0" tIns="0" rIns="0" bIns="0" rtlCol="0"/>
             <a:lstStyle/>
-            <a:p>
-              <a:endParaRPr/>
-            </a:p>
+            <a:p/>
           </p:txBody>
         </p:sp>
         <p:pic>
@@ -49285,9 +51058,7 @@
         <p:txBody>
           <a:bodyPr wrap="square" lIns="0" tIns="0" rIns="0" bIns="0" rtlCol="0"/>
           <a:lstStyle/>
-          <a:p>
-            <a:endParaRPr/>
-          </a:p>
+          <a:p/>
         </p:txBody>
       </p:sp>
       <p:grpSp>
@@ -49349,9 +51120,7 @@
           <p:txBody>
             <a:bodyPr wrap="square" lIns="0" tIns="0" rIns="0" bIns="0" rtlCol="0"/>
             <a:lstStyle/>
-            <a:p>
-              <a:endParaRPr/>
-            </a:p>
+            <a:p/>
           </p:txBody>
         </p:sp>
         <p:pic>
@@ -49517,9 +51286,7 @@
           <p:txBody>
             <a:bodyPr wrap="square" lIns="0" tIns="0" rIns="0" bIns="0" rtlCol="0"/>
             <a:lstStyle/>
-            <a:p>
-              <a:endParaRPr/>
-            </a:p>
+            <a:p/>
           </p:txBody>
         </p:sp>
         <p:sp>
@@ -49639,9 +51406,7 @@
           <p:txBody>
             <a:bodyPr wrap="square" lIns="0" tIns="0" rIns="0" bIns="0" rtlCol="0"/>
             <a:lstStyle/>
-            <a:p>
-              <a:endParaRPr/>
-            </a:p>
+            <a:p/>
           </p:txBody>
         </p:sp>
         <p:pic>
@@ -49733,9 +51498,7 @@
           <p:txBody>
             <a:bodyPr wrap="square" lIns="0" tIns="0" rIns="0" bIns="0" rtlCol="0"/>
             <a:lstStyle/>
-            <a:p>
-              <a:endParaRPr/>
-            </a:p>
+            <a:p/>
           </p:txBody>
         </p:sp>
         <p:sp>
@@ -49783,9 +51546,7 @@
           <p:txBody>
             <a:bodyPr wrap="square" lIns="0" tIns="0" rIns="0" bIns="0" rtlCol="0"/>
             <a:lstStyle/>
-            <a:p>
-              <a:endParaRPr/>
-            </a:p>
+            <a:p/>
           </p:txBody>
         </p:sp>
         <p:sp>
@@ -49833,9 +51594,7 @@
           <p:txBody>
             <a:bodyPr wrap="square" lIns="0" tIns="0" rIns="0" bIns="0" rtlCol="0"/>
             <a:lstStyle/>
-            <a:p>
-              <a:endParaRPr/>
-            </a:p>
+            <a:p/>
           </p:txBody>
         </p:sp>
         <p:pic>
